--- a/4-RNN (이론).pptx
+++ b/4-RNN (이론).pptx
@@ -234,7 +234,7 @@
           <a:p>
             <a:fld id="{60BF7745-4ED2-4472-A19B-C237ADDF22A8}" type="datetimeFigureOut">
               <a:rPr lang="ko-KR" altLang="en-US" smtClean="0"/>
-              <a:t>2019-09-19</a:t>
+              <a:t>2019-09-20</a:t>
             </a:fld>
             <a:endParaRPr lang="ko-KR" altLang="en-US"/>
           </a:p>
@@ -523,7 +523,7 @@
           <p:cNvPr id="2" name="제목 1">
             <a:extLst>
               <a:ext uri="{FF2B5EF4-FFF2-40B4-BE49-F238E27FC236}">
-                <a16:creationId xmlns:a16="http://schemas.microsoft.com/office/drawing/2014/main" id="{1094C598-87B6-492D-9A25-BCC565161B03}"/>
+                <a16:creationId xmlns:a16="http://schemas.microsoft.com/office/drawing/2014/main" xmlns="" id="{1094C598-87B6-492D-9A25-BCC565161B03}"/>
               </a:ext>
             </a:extLst>
           </p:cNvPr>
@@ -560,7 +560,7 @@
           <p:cNvPr id="3" name="부제목 2">
             <a:extLst>
               <a:ext uri="{FF2B5EF4-FFF2-40B4-BE49-F238E27FC236}">
-                <a16:creationId xmlns:a16="http://schemas.microsoft.com/office/drawing/2014/main" id="{B7CF8B35-F323-45A0-ABF4-36559F7CE62B}"/>
+                <a16:creationId xmlns:a16="http://schemas.microsoft.com/office/drawing/2014/main" xmlns="" id="{B7CF8B35-F323-45A0-ABF4-36559F7CE62B}"/>
               </a:ext>
             </a:extLst>
           </p:cNvPr>
@@ -630,7 +630,7 @@
           <p:cNvPr id="4" name="날짜 개체 틀 3">
             <a:extLst>
               <a:ext uri="{FF2B5EF4-FFF2-40B4-BE49-F238E27FC236}">
-                <a16:creationId xmlns:a16="http://schemas.microsoft.com/office/drawing/2014/main" id="{58B6A741-06B0-44D7-B713-56D732827AAF}"/>
+                <a16:creationId xmlns:a16="http://schemas.microsoft.com/office/drawing/2014/main" xmlns="" id="{58B6A741-06B0-44D7-B713-56D732827AAF}"/>
               </a:ext>
             </a:extLst>
           </p:cNvPr>
@@ -648,7 +648,7 @@
           <a:p>
             <a:fld id="{528193A5-C0AE-425F-B913-846BE8AADABA}" type="datetimeFigureOut">
               <a:rPr lang="ko-KR" altLang="en-US" smtClean="0"/>
-              <a:t>2019-09-19</a:t>
+              <a:t>2019-09-20</a:t>
             </a:fld>
             <a:endParaRPr lang="ko-KR" altLang="en-US"/>
           </a:p>
@@ -659,7 +659,7 @@
           <p:cNvPr id="5" name="바닥글 개체 틀 4">
             <a:extLst>
               <a:ext uri="{FF2B5EF4-FFF2-40B4-BE49-F238E27FC236}">
-                <a16:creationId xmlns:a16="http://schemas.microsoft.com/office/drawing/2014/main" id="{9D987971-5D9A-48D7-BA46-29B49B28176B}"/>
+                <a16:creationId xmlns:a16="http://schemas.microsoft.com/office/drawing/2014/main" xmlns="" id="{9D987971-5D9A-48D7-BA46-29B49B28176B}"/>
               </a:ext>
             </a:extLst>
           </p:cNvPr>
@@ -684,7 +684,7 @@
           <p:cNvPr id="6" name="슬라이드 번호 개체 틀 5">
             <a:extLst>
               <a:ext uri="{FF2B5EF4-FFF2-40B4-BE49-F238E27FC236}">
-                <a16:creationId xmlns:a16="http://schemas.microsoft.com/office/drawing/2014/main" id="{B8A361BD-B19B-4667-96F1-AB30C76A36EC}"/>
+                <a16:creationId xmlns:a16="http://schemas.microsoft.com/office/drawing/2014/main" xmlns="" id="{B8A361BD-B19B-4667-96F1-AB30C76A36EC}"/>
               </a:ext>
             </a:extLst>
           </p:cNvPr>
@@ -743,7 +743,7 @@
           <p:cNvPr id="2" name="제목 1">
             <a:extLst>
               <a:ext uri="{FF2B5EF4-FFF2-40B4-BE49-F238E27FC236}">
-                <a16:creationId xmlns:a16="http://schemas.microsoft.com/office/drawing/2014/main" id="{9F062547-31FA-4D4B-A924-7448237646B0}"/>
+                <a16:creationId xmlns:a16="http://schemas.microsoft.com/office/drawing/2014/main" xmlns="" id="{9F062547-31FA-4D4B-A924-7448237646B0}"/>
               </a:ext>
             </a:extLst>
           </p:cNvPr>
@@ -771,7 +771,7 @@
           <p:cNvPr id="3" name="세로 텍스트 개체 틀 2">
             <a:extLst>
               <a:ext uri="{FF2B5EF4-FFF2-40B4-BE49-F238E27FC236}">
-                <a16:creationId xmlns:a16="http://schemas.microsoft.com/office/drawing/2014/main" id="{4D6519D6-6677-4E6D-A981-5D6AFE925BAE}"/>
+                <a16:creationId xmlns:a16="http://schemas.microsoft.com/office/drawing/2014/main" xmlns="" id="{4D6519D6-6677-4E6D-A981-5D6AFE925BAE}"/>
               </a:ext>
             </a:extLst>
           </p:cNvPr>
@@ -828,7 +828,7 @@
           <p:cNvPr id="4" name="날짜 개체 틀 3">
             <a:extLst>
               <a:ext uri="{FF2B5EF4-FFF2-40B4-BE49-F238E27FC236}">
-                <a16:creationId xmlns:a16="http://schemas.microsoft.com/office/drawing/2014/main" id="{602BB255-04AB-422F-B8FF-C89FFB23B11C}"/>
+                <a16:creationId xmlns:a16="http://schemas.microsoft.com/office/drawing/2014/main" xmlns="" id="{602BB255-04AB-422F-B8FF-C89FFB23B11C}"/>
               </a:ext>
             </a:extLst>
           </p:cNvPr>
@@ -846,7 +846,7 @@
           <a:p>
             <a:fld id="{528193A5-C0AE-425F-B913-846BE8AADABA}" type="datetimeFigureOut">
               <a:rPr lang="ko-KR" altLang="en-US" smtClean="0"/>
-              <a:t>2019-09-19</a:t>
+              <a:t>2019-09-20</a:t>
             </a:fld>
             <a:endParaRPr lang="ko-KR" altLang="en-US"/>
           </a:p>
@@ -857,7 +857,7 @@
           <p:cNvPr id="5" name="바닥글 개체 틀 4">
             <a:extLst>
               <a:ext uri="{FF2B5EF4-FFF2-40B4-BE49-F238E27FC236}">
-                <a16:creationId xmlns:a16="http://schemas.microsoft.com/office/drawing/2014/main" id="{4E93BBAD-5BB6-4699-9366-0775BE040E0D}"/>
+                <a16:creationId xmlns:a16="http://schemas.microsoft.com/office/drawing/2014/main" xmlns="" id="{4E93BBAD-5BB6-4699-9366-0775BE040E0D}"/>
               </a:ext>
             </a:extLst>
           </p:cNvPr>
@@ -882,7 +882,7 @@
           <p:cNvPr id="6" name="슬라이드 번호 개체 틀 5">
             <a:extLst>
               <a:ext uri="{FF2B5EF4-FFF2-40B4-BE49-F238E27FC236}">
-                <a16:creationId xmlns:a16="http://schemas.microsoft.com/office/drawing/2014/main" id="{1534123F-1B39-4D80-BB3C-6A8B4966C553}"/>
+                <a16:creationId xmlns:a16="http://schemas.microsoft.com/office/drawing/2014/main" xmlns="" id="{1534123F-1B39-4D80-BB3C-6A8B4966C553}"/>
               </a:ext>
             </a:extLst>
           </p:cNvPr>
@@ -941,7 +941,7 @@
           <p:cNvPr id="2" name="세로 제목 1">
             <a:extLst>
               <a:ext uri="{FF2B5EF4-FFF2-40B4-BE49-F238E27FC236}">
-                <a16:creationId xmlns:a16="http://schemas.microsoft.com/office/drawing/2014/main" id="{24E746D7-4F05-4C0E-9CDA-188FDBF87959}"/>
+                <a16:creationId xmlns:a16="http://schemas.microsoft.com/office/drawing/2014/main" xmlns="" id="{24E746D7-4F05-4C0E-9CDA-188FDBF87959}"/>
               </a:ext>
             </a:extLst>
           </p:cNvPr>
@@ -974,7 +974,7 @@
           <p:cNvPr id="3" name="세로 텍스트 개체 틀 2">
             <a:extLst>
               <a:ext uri="{FF2B5EF4-FFF2-40B4-BE49-F238E27FC236}">
-                <a16:creationId xmlns:a16="http://schemas.microsoft.com/office/drawing/2014/main" id="{B8C93CCE-C431-4FC2-BFB4-31AE5249C70C}"/>
+                <a16:creationId xmlns:a16="http://schemas.microsoft.com/office/drawing/2014/main" xmlns="" id="{B8C93CCE-C431-4FC2-BFB4-31AE5249C70C}"/>
               </a:ext>
             </a:extLst>
           </p:cNvPr>
@@ -1036,7 +1036,7 @@
           <p:cNvPr id="4" name="날짜 개체 틀 3">
             <a:extLst>
               <a:ext uri="{FF2B5EF4-FFF2-40B4-BE49-F238E27FC236}">
-                <a16:creationId xmlns:a16="http://schemas.microsoft.com/office/drawing/2014/main" id="{F8255585-6733-4672-B7E6-57BF9D54B46A}"/>
+                <a16:creationId xmlns:a16="http://schemas.microsoft.com/office/drawing/2014/main" xmlns="" id="{F8255585-6733-4672-B7E6-57BF9D54B46A}"/>
               </a:ext>
             </a:extLst>
           </p:cNvPr>
@@ -1054,7 +1054,7 @@
           <a:p>
             <a:fld id="{528193A5-C0AE-425F-B913-846BE8AADABA}" type="datetimeFigureOut">
               <a:rPr lang="ko-KR" altLang="en-US" smtClean="0"/>
-              <a:t>2019-09-19</a:t>
+              <a:t>2019-09-20</a:t>
             </a:fld>
             <a:endParaRPr lang="ko-KR" altLang="en-US"/>
           </a:p>
@@ -1065,7 +1065,7 @@
           <p:cNvPr id="5" name="바닥글 개체 틀 4">
             <a:extLst>
               <a:ext uri="{FF2B5EF4-FFF2-40B4-BE49-F238E27FC236}">
-                <a16:creationId xmlns:a16="http://schemas.microsoft.com/office/drawing/2014/main" id="{302BF819-8BDB-492D-9842-D2BDE23FF7A4}"/>
+                <a16:creationId xmlns:a16="http://schemas.microsoft.com/office/drawing/2014/main" xmlns="" id="{302BF819-8BDB-492D-9842-D2BDE23FF7A4}"/>
               </a:ext>
             </a:extLst>
           </p:cNvPr>
@@ -1090,7 +1090,7 @@
           <p:cNvPr id="6" name="슬라이드 번호 개체 틀 5">
             <a:extLst>
               <a:ext uri="{FF2B5EF4-FFF2-40B4-BE49-F238E27FC236}">
-                <a16:creationId xmlns:a16="http://schemas.microsoft.com/office/drawing/2014/main" id="{89B8D728-EEBC-42E0-B57F-1B21FF48EE3E}"/>
+                <a16:creationId xmlns:a16="http://schemas.microsoft.com/office/drawing/2014/main" xmlns="" id="{89B8D728-EEBC-42E0-B57F-1B21FF48EE3E}"/>
               </a:ext>
             </a:extLst>
           </p:cNvPr>
@@ -1149,7 +1149,7 @@
           <p:cNvPr id="2" name="제목 1">
             <a:extLst>
               <a:ext uri="{FF2B5EF4-FFF2-40B4-BE49-F238E27FC236}">
-                <a16:creationId xmlns:a16="http://schemas.microsoft.com/office/drawing/2014/main" id="{31E10FBB-C081-470A-83DD-88EEFA960473}"/>
+                <a16:creationId xmlns:a16="http://schemas.microsoft.com/office/drawing/2014/main" xmlns="" id="{31E10FBB-C081-470A-83DD-88EEFA960473}"/>
               </a:ext>
             </a:extLst>
           </p:cNvPr>
@@ -1177,7 +1177,7 @@
           <p:cNvPr id="3" name="내용 개체 틀 2">
             <a:extLst>
               <a:ext uri="{FF2B5EF4-FFF2-40B4-BE49-F238E27FC236}">
-                <a16:creationId xmlns:a16="http://schemas.microsoft.com/office/drawing/2014/main" id="{5993DCD8-1CCC-4042-BA69-9778B0082AA4}"/>
+                <a16:creationId xmlns:a16="http://schemas.microsoft.com/office/drawing/2014/main" xmlns="" id="{5993DCD8-1CCC-4042-BA69-9778B0082AA4}"/>
               </a:ext>
             </a:extLst>
           </p:cNvPr>
@@ -1234,7 +1234,7 @@
           <p:cNvPr id="4" name="날짜 개체 틀 3">
             <a:extLst>
               <a:ext uri="{FF2B5EF4-FFF2-40B4-BE49-F238E27FC236}">
-                <a16:creationId xmlns:a16="http://schemas.microsoft.com/office/drawing/2014/main" id="{F4C19E0F-E97B-409F-AE4B-0AFB868C782B}"/>
+                <a16:creationId xmlns:a16="http://schemas.microsoft.com/office/drawing/2014/main" xmlns="" id="{F4C19E0F-E97B-409F-AE4B-0AFB868C782B}"/>
               </a:ext>
             </a:extLst>
           </p:cNvPr>
@@ -1252,7 +1252,7 @@
           <a:p>
             <a:fld id="{528193A5-C0AE-425F-B913-846BE8AADABA}" type="datetimeFigureOut">
               <a:rPr lang="ko-KR" altLang="en-US" smtClean="0"/>
-              <a:t>2019-09-19</a:t>
+              <a:t>2019-09-20</a:t>
             </a:fld>
             <a:endParaRPr lang="ko-KR" altLang="en-US"/>
           </a:p>
@@ -1263,7 +1263,7 @@
           <p:cNvPr id="5" name="바닥글 개체 틀 4">
             <a:extLst>
               <a:ext uri="{FF2B5EF4-FFF2-40B4-BE49-F238E27FC236}">
-                <a16:creationId xmlns:a16="http://schemas.microsoft.com/office/drawing/2014/main" id="{6172020E-2AA7-42BF-86A0-03BDA4B7F0A8}"/>
+                <a16:creationId xmlns:a16="http://schemas.microsoft.com/office/drawing/2014/main" xmlns="" id="{6172020E-2AA7-42BF-86A0-03BDA4B7F0A8}"/>
               </a:ext>
             </a:extLst>
           </p:cNvPr>
@@ -1288,7 +1288,7 @@
           <p:cNvPr id="6" name="슬라이드 번호 개체 틀 5">
             <a:extLst>
               <a:ext uri="{FF2B5EF4-FFF2-40B4-BE49-F238E27FC236}">
-                <a16:creationId xmlns:a16="http://schemas.microsoft.com/office/drawing/2014/main" id="{5083636F-6A7C-4D0B-8F0F-2B40D53B9293}"/>
+                <a16:creationId xmlns:a16="http://schemas.microsoft.com/office/drawing/2014/main" xmlns="" id="{5083636F-6A7C-4D0B-8F0F-2B40D53B9293}"/>
               </a:ext>
             </a:extLst>
           </p:cNvPr>
@@ -1347,7 +1347,7 @@
           <p:cNvPr id="2" name="제목 1">
             <a:extLst>
               <a:ext uri="{FF2B5EF4-FFF2-40B4-BE49-F238E27FC236}">
-                <a16:creationId xmlns:a16="http://schemas.microsoft.com/office/drawing/2014/main" id="{3A19F5A7-BC00-4303-B4CE-7CBB61A53C89}"/>
+                <a16:creationId xmlns:a16="http://schemas.microsoft.com/office/drawing/2014/main" xmlns="" id="{3A19F5A7-BC00-4303-B4CE-7CBB61A53C89}"/>
               </a:ext>
             </a:extLst>
           </p:cNvPr>
@@ -1384,7 +1384,7 @@
           <p:cNvPr id="3" name="텍스트 개체 틀 2">
             <a:extLst>
               <a:ext uri="{FF2B5EF4-FFF2-40B4-BE49-F238E27FC236}">
-                <a16:creationId xmlns:a16="http://schemas.microsoft.com/office/drawing/2014/main" id="{8F14A028-84C8-4BAC-AC28-03E242BE6B64}"/>
+                <a16:creationId xmlns:a16="http://schemas.microsoft.com/office/drawing/2014/main" xmlns="" id="{8F14A028-84C8-4BAC-AC28-03E242BE6B64}"/>
               </a:ext>
             </a:extLst>
           </p:cNvPr>
@@ -1509,7 +1509,7 @@
           <p:cNvPr id="4" name="날짜 개체 틀 3">
             <a:extLst>
               <a:ext uri="{FF2B5EF4-FFF2-40B4-BE49-F238E27FC236}">
-                <a16:creationId xmlns:a16="http://schemas.microsoft.com/office/drawing/2014/main" id="{33A34201-03E7-4F47-9CDA-EE3BA2639750}"/>
+                <a16:creationId xmlns:a16="http://schemas.microsoft.com/office/drawing/2014/main" xmlns="" id="{33A34201-03E7-4F47-9CDA-EE3BA2639750}"/>
               </a:ext>
             </a:extLst>
           </p:cNvPr>
@@ -1527,7 +1527,7 @@
           <a:p>
             <a:fld id="{528193A5-C0AE-425F-B913-846BE8AADABA}" type="datetimeFigureOut">
               <a:rPr lang="ko-KR" altLang="en-US" smtClean="0"/>
-              <a:t>2019-09-19</a:t>
+              <a:t>2019-09-20</a:t>
             </a:fld>
             <a:endParaRPr lang="ko-KR" altLang="en-US"/>
           </a:p>
@@ -1538,7 +1538,7 @@
           <p:cNvPr id="5" name="바닥글 개체 틀 4">
             <a:extLst>
               <a:ext uri="{FF2B5EF4-FFF2-40B4-BE49-F238E27FC236}">
-                <a16:creationId xmlns:a16="http://schemas.microsoft.com/office/drawing/2014/main" id="{10493015-A3F2-4703-9170-96A8D515C290}"/>
+                <a16:creationId xmlns:a16="http://schemas.microsoft.com/office/drawing/2014/main" xmlns="" id="{10493015-A3F2-4703-9170-96A8D515C290}"/>
               </a:ext>
             </a:extLst>
           </p:cNvPr>
@@ -1563,7 +1563,7 @@
           <p:cNvPr id="6" name="슬라이드 번호 개체 틀 5">
             <a:extLst>
               <a:ext uri="{FF2B5EF4-FFF2-40B4-BE49-F238E27FC236}">
-                <a16:creationId xmlns:a16="http://schemas.microsoft.com/office/drawing/2014/main" id="{C70CAB44-5D8D-4F89-9CF3-010A2FD88095}"/>
+                <a16:creationId xmlns:a16="http://schemas.microsoft.com/office/drawing/2014/main" xmlns="" id="{C70CAB44-5D8D-4F89-9CF3-010A2FD88095}"/>
               </a:ext>
             </a:extLst>
           </p:cNvPr>
@@ -1622,7 +1622,7 @@
           <p:cNvPr id="2" name="제목 1">
             <a:extLst>
               <a:ext uri="{FF2B5EF4-FFF2-40B4-BE49-F238E27FC236}">
-                <a16:creationId xmlns:a16="http://schemas.microsoft.com/office/drawing/2014/main" id="{D5DF40BC-3434-455A-9964-6E2315A934F5}"/>
+                <a16:creationId xmlns:a16="http://schemas.microsoft.com/office/drawing/2014/main" xmlns="" id="{D5DF40BC-3434-455A-9964-6E2315A934F5}"/>
               </a:ext>
             </a:extLst>
           </p:cNvPr>
@@ -1650,7 +1650,7 @@
           <p:cNvPr id="3" name="내용 개체 틀 2">
             <a:extLst>
               <a:ext uri="{FF2B5EF4-FFF2-40B4-BE49-F238E27FC236}">
-                <a16:creationId xmlns:a16="http://schemas.microsoft.com/office/drawing/2014/main" id="{112C7125-EB87-440B-968E-8A0289C86D3B}"/>
+                <a16:creationId xmlns:a16="http://schemas.microsoft.com/office/drawing/2014/main" xmlns="" id="{112C7125-EB87-440B-968E-8A0289C86D3B}"/>
               </a:ext>
             </a:extLst>
           </p:cNvPr>
@@ -1712,7 +1712,7 @@
           <p:cNvPr id="4" name="내용 개체 틀 3">
             <a:extLst>
               <a:ext uri="{FF2B5EF4-FFF2-40B4-BE49-F238E27FC236}">
-                <a16:creationId xmlns:a16="http://schemas.microsoft.com/office/drawing/2014/main" id="{ABEF619F-D939-4163-8FE7-52F454E38EF1}"/>
+                <a16:creationId xmlns:a16="http://schemas.microsoft.com/office/drawing/2014/main" xmlns="" id="{ABEF619F-D939-4163-8FE7-52F454E38EF1}"/>
               </a:ext>
             </a:extLst>
           </p:cNvPr>
@@ -1774,7 +1774,7 @@
           <p:cNvPr id="5" name="날짜 개체 틀 4">
             <a:extLst>
               <a:ext uri="{FF2B5EF4-FFF2-40B4-BE49-F238E27FC236}">
-                <a16:creationId xmlns:a16="http://schemas.microsoft.com/office/drawing/2014/main" id="{FAE703EC-5517-40D0-BB22-AE37344F951F}"/>
+                <a16:creationId xmlns:a16="http://schemas.microsoft.com/office/drawing/2014/main" xmlns="" id="{FAE703EC-5517-40D0-BB22-AE37344F951F}"/>
               </a:ext>
             </a:extLst>
           </p:cNvPr>
@@ -1792,7 +1792,7 @@
           <a:p>
             <a:fld id="{528193A5-C0AE-425F-B913-846BE8AADABA}" type="datetimeFigureOut">
               <a:rPr lang="ko-KR" altLang="en-US" smtClean="0"/>
-              <a:t>2019-09-19</a:t>
+              <a:t>2019-09-20</a:t>
             </a:fld>
             <a:endParaRPr lang="ko-KR" altLang="en-US"/>
           </a:p>
@@ -1803,7 +1803,7 @@
           <p:cNvPr id="6" name="바닥글 개체 틀 5">
             <a:extLst>
               <a:ext uri="{FF2B5EF4-FFF2-40B4-BE49-F238E27FC236}">
-                <a16:creationId xmlns:a16="http://schemas.microsoft.com/office/drawing/2014/main" id="{9B34B3BA-C412-411C-BDA4-60D594BBBF1A}"/>
+                <a16:creationId xmlns:a16="http://schemas.microsoft.com/office/drawing/2014/main" xmlns="" id="{9B34B3BA-C412-411C-BDA4-60D594BBBF1A}"/>
               </a:ext>
             </a:extLst>
           </p:cNvPr>
@@ -1828,7 +1828,7 @@
           <p:cNvPr id="7" name="슬라이드 번호 개체 틀 6">
             <a:extLst>
               <a:ext uri="{FF2B5EF4-FFF2-40B4-BE49-F238E27FC236}">
-                <a16:creationId xmlns:a16="http://schemas.microsoft.com/office/drawing/2014/main" id="{40E6623C-5438-4FF0-BA14-3072329C448C}"/>
+                <a16:creationId xmlns:a16="http://schemas.microsoft.com/office/drawing/2014/main" xmlns="" id="{40E6623C-5438-4FF0-BA14-3072329C448C}"/>
               </a:ext>
             </a:extLst>
           </p:cNvPr>
@@ -1887,7 +1887,7 @@
           <p:cNvPr id="2" name="제목 1">
             <a:extLst>
               <a:ext uri="{FF2B5EF4-FFF2-40B4-BE49-F238E27FC236}">
-                <a16:creationId xmlns:a16="http://schemas.microsoft.com/office/drawing/2014/main" id="{DA460D40-6323-410B-AF36-9AA9E44E3EF5}"/>
+                <a16:creationId xmlns:a16="http://schemas.microsoft.com/office/drawing/2014/main" xmlns="" id="{DA460D40-6323-410B-AF36-9AA9E44E3EF5}"/>
               </a:ext>
             </a:extLst>
           </p:cNvPr>
@@ -1920,7 +1920,7 @@
           <p:cNvPr id="3" name="텍스트 개체 틀 2">
             <a:extLst>
               <a:ext uri="{FF2B5EF4-FFF2-40B4-BE49-F238E27FC236}">
-                <a16:creationId xmlns:a16="http://schemas.microsoft.com/office/drawing/2014/main" id="{C5620CF0-31A2-48D0-BA85-A1CC7ADA17C1}"/>
+                <a16:creationId xmlns:a16="http://schemas.microsoft.com/office/drawing/2014/main" xmlns="" id="{C5620CF0-31A2-48D0-BA85-A1CC7ADA17C1}"/>
               </a:ext>
             </a:extLst>
           </p:cNvPr>
@@ -1991,7 +1991,7 @@
           <p:cNvPr id="4" name="내용 개체 틀 3">
             <a:extLst>
               <a:ext uri="{FF2B5EF4-FFF2-40B4-BE49-F238E27FC236}">
-                <a16:creationId xmlns:a16="http://schemas.microsoft.com/office/drawing/2014/main" id="{08E984C8-EECD-4B73-A570-07E56DDC41FC}"/>
+                <a16:creationId xmlns:a16="http://schemas.microsoft.com/office/drawing/2014/main" xmlns="" id="{08E984C8-EECD-4B73-A570-07E56DDC41FC}"/>
               </a:ext>
             </a:extLst>
           </p:cNvPr>
@@ -2053,7 +2053,7 @@
           <p:cNvPr id="5" name="텍스트 개체 틀 4">
             <a:extLst>
               <a:ext uri="{FF2B5EF4-FFF2-40B4-BE49-F238E27FC236}">
-                <a16:creationId xmlns:a16="http://schemas.microsoft.com/office/drawing/2014/main" id="{060DA829-1911-4B8F-AB25-3BBAC31A07FF}"/>
+                <a16:creationId xmlns:a16="http://schemas.microsoft.com/office/drawing/2014/main" xmlns="" id="{060DA829-1911-4B8F-AB25-3BBAC31A07FF}"/>
               </a:ext>
             </a:extLst>
           </p:cNvPr>
@@ -2124,7 +2124,7 @@
           <p:cNvPr id="6" name="내용 개체 틀 5">
             <a:extLst>
               <a:ext uri="{FF2B5EF4-FFF2-40B4-BE49-F238E27FC236}">
-                <a16:creationId xmlns:a16="http://schemas.microsoft.com/office/drawing/2014/main" id="{9C2DB237-572C-4285-8D9C-E31D861E7039}"/>
+                <a16:creationId xmlns:a16="http://schemas.microsoft.com/office/drawing/2014/main" xmlns="" id="{9C2DB237-572C-4285-8D9C-E31D861E7039}"/>
               </a:ext>
             </a:extLst>
           </p:cNvPr>
@@ -2186,7 +2186,7 @@
           <p:cNvPr id="7" name="날짜 개체 틀 6">
             <a:extLst>
               <a:ext uri="{FF2B5EF4-FFF2-40B4-BE49-F238E27FC236}">
-                <a16:creationId xmlns:a16="http://schemas.microsoft.com/office/drawing/2014/main" id="{CF3BB05E-46F5-4AB5-AFF9-6F99880BD37A}"/>
+                <a16:creationId xmlns:a16="http://schemas.microsoft.com/office/drawing/2014/main" xmlns="" id="{CF3BB05E-46F5-4AB5-AFF9-6F99880BD37A}"/>
               </a:ext>
             </a:extLst>
           </p:cNvPr>
@@ -2204,7 +2204,7 @@
           <a:p>
             <a:fld id="{528193A5-C0AE-425F-B913-846BE8AADABA}" type="datetimeFigureOut">
               <a:rPr lang="ko-KR" altLang="en-US" smtClean="0"/>
-              <a:t>2019-09-19</a:t>
+              <a:t>2019-09-20</a:t>
             </a:fld>
             <a:endParaRPr lang="ko-KR" altLang="en-US"/>
           </a:p>
@@ -2215,7 +2215,7 @@
           <p:cNvPr id="8" name="바닥글 개체 틀 7">
             <a:extLst>
               <a:ext uri="{FF2B5EF4-FFF2-40B4-BE49-F238E27FC236}">
-                <a16:creationId xmlns:a16="http://schemas.microsoft.com/office/drawing/2014/main" id="{0FC6E44A-1A3B-4990-A6B2-1A47A6E0902A}"/>
+                <a16:creationId xmlns:a16="http://schemas.microsoft.com/office/drawing/2014/main" xmlns="" id="{0FC6E44A-1A3B-4990-A6B2-1A47A6E0902A}"/>
               </a:ext>
             </a:extLst>
           </p:cNvPr>
@@ -2240,7 +2240,7 @@
           <p:cNvPr id="9" name="슬라이드 번호 개체 틀 8">
             <a:extLst>
               <a:ext uri="{FF2B5EF4-FFF2-40B4-BE49-F238E27FC236}">
-                <a16:creationId xmlns:a16="http://schemas.microsoft.com/office/drawing/2014/main" id="{2CDB3FCC-A382-4DC8-99D4-27530C967236}"/>
+                <a16:creationId xmlns:a16="http://schemas.microsoft.com/office/drawing/2014/main" xmlns="" id="{2CDB3FCC-A382-4DC8-99D4-27530C967236}"/>
               </a:ext>
             </a:extLst>
           </p:cNvPr>
@@ -2299,7 +2299,7 @@
           <p:cNvPr id="2" name="제목 1">
             <a:extLst>
               <a:ext uri="{FF2B5EF4-FFF2-40B4-BE49-F238E27FC236}">
-                <a16:creationId xmlns:a16="http://schemas.microsoft.com/office/drawing/2014/main" id="{031AC035-65FF-4652-8B4A-96CACE936773}"/>
+                <a16:creationId xmlns:a16="http://schemas.microsoft.com/office/drawing/2014/main" xmlns="" id="{031AC035-65FF-4652-8B4A-96CACE936773}"/>
               </a:ext>
             </a:extLst>
           </p:cNvPr>
@@ -2327,7 +2327,7 @@
           <p:cNvPr id="3" name="날짜 개체 틀 2">
             <a:extLst>
               <a:ext uri="{FF2B5EF4-FFF2-40B4-BE49-F238E27FC236}">
-                <a16:creationId xmlns:a16="http://schemas.microsoft.com/office/drawing/2014/main" id="{F32A4E7B-1D76-4CFD-8B01-A1C7A20B13C7}"/>
+                <a16:creationId xmlns:a16="http://schemas.microsoft.com/office/drawing/2014/main" xmlns="" id="{F32A4E7B-1D76-4CFD-8B01-A1C7A20B13C7}"/>
               </a:ext>
             </a:extLst>
           </p:cNvPr>
@@ -2345,7 +2345,7 @@
           <a:p>
             <a:fld id="{528193A5-C0AE-425F-B913-846BE8AADABA}" type="datetimeFigureOut">
               <a:rPr lang="ko-KR" altLang="en-US" smtClean="0"/>
-              <a:t>2019-09-19</a:t>
+              <a:t>2019-09-20</a:t>
             </a:fld>
             <a:endParaRPr lang="ko-KR" altLang="en-US"/>
           </a:p>
@@ -2356,7 +2356,7 @@
           <p:cNvPr id="4" name="바닥글 개체 틀 3">
             <a:extLst>
               <a:ext uri="{FF2B5EF4-FFF2-40B4-BE49-F238E27FC236}">
-                <a16:creationId xmlns:a16="http://schemas.microsoft.com/office/drawing/2014/main" id="{2CB47E1A-AC4D-4896-A51F-15E4912B300E}"/>
+                <a16:creationId xmlns:a16="http://schemas.microsoft.com/office/drawing/2014/main" xmlns="" id="{2CB47E1A-AC4D-4896-A51F-15E4912B300E}"/>
               </a:ext>
             </a:extLst>
           </p:cNvPr>
@@ -2381,7 +2381,7 @@
           <p:cNvPr id="5" name="슬라이드 번호 개체 틀 4">
             <a:extLst>
               <a:ext uri="{FF2B5EF4-FFF2-40B4-BE49-F238E27FC236}">
-                <a16:creationId xmlns:a16="http://schemas.microsoft.com/office/drawing/2014/main" id="{1FA93006-85FB-4C54-88F9-5642B37F6EA2}"/>
+                <a16:creationId xmlns:a16="http://schemas.microsoft.com/office/drawing/2014/main" xmlns="" id="{1FA93006-85FB-4C54-88F9-5642B37F6EA2}"/>
               </a:ext>
             </a:extLst>
           </p:cNvPr>
@@ -2440,7 +2440,7 @@
           <p:cNvPr id="2" name="날짜 개체 틀 1">
             <a:extLst>
               <a:ext uri="{FF2B5EF4-FFF2-40B4-BE49-F238E27FC236}">
-                <a16:creationId xmlns:a16="http://schemas.microsoft.com/office/drawing/2014/main" id="{C60EA3FB-3ED0-42CD-9772-22FFC5AA13C5}"/>
+                <a16:creationId xmlns:a16="http://schemas.microsoft.com/office/drawing/2014/main" xmlns="" id="{C60EA3FB-3ED0-42CD-9772-22FFC5AA13C5}"/>
               </a:ext>
             </a:extLst>
           </p:cNvPr>
@@ -2458,7 +2458,7 @@
           <a:p>
             <a:fld id="{528193A5-C0AE-425F-B913-846BE8AADABA}" type="datetimeFigureOut">
               <a:rPr lang="ko-KR" altLang="en-US" smtClean="0"/>
-              <a:t>2019-09-19</a:t>
+              <a:t>2019-09-20</a:t>
             </a:fld>
             <a:endParaRPr lang="ko-KR" altLang="en-US"/>
           </a:p>
@@ -2469,7 +2469,7 @@
           <p:cNvPr id="3" name="바닥글 개체 틀 2">
             <a:extLst>
               <a:ext uri="{FF2B5EF4-FFF2-40B4-BE49-F238E27FC236}">
-                <a16:creationId xmlns:a16="http://schemas.microsoft.com/office/drawing/2014/main" id="{91057CC5-360A-4830-80DE-04D1F28A3F0C}"/>
+                <a16:creationId xmlns:a16="http://schemas.microsoft.com/office/drawing/2014/main" xmlns="" id="{91057CC5-360A-4830-80DE-04D1F28A3F0C}"/>
               </a:ext>
             </a:extLst>
           </p:cNvPr>
@@ -2494,7 +2494,7 @@
           <p:cNvPr id="4" name="슬라이드 번호 개체 틀 3">
             <a:extLst>
               <a:ext uri="{FF2B5EF4-FFF2-40B4-BE49-F238E27FC236}">
-                <a16:creationId xmlns:a16="http://schemas.microsoft.com/office/drawing/2014/main" id="{30F67685-A854-4BDC-A78D-6C1977620F2F}"/>
+                <a16:creationId xmlns:a16="http://schemas.microsoft.com/office/drawing/2014/main" xmlns="" id="{30F67685-A854-4BDC-A78D-6C1977620F2F}"/>
               </a:ext>
             </a:extLst>
           </p:cNvPr>
@@ -2553,7 +2553,7 @@
           <p:cNvPr id="2" name="제목 1">
             <a:extLst>
               <a:ext uri="{FF2B5EF4-FFF2-40B4-BE49-F238E27FC236}">
-                <a16:creationId xmlns:a16="http://schemas.microsoft.com/office/drawing/2014/main" id="{28A71CFF-F8B3-4760-AECC-FA8252E9AE52}"/>
+                <a16:creationId xmlns:a16="http://schemas.microsoft.com/office/drawing/2014/main" xmlns="" id="{28A71CFF-F8B3-4760-AECC-FA8252E9AE52}"/>
               </a:ext>
             </a:extLst>
           </p:cNvPr>
@@ -2590,7 +2590,7 @@
           <p:cNvPr id="3" name="내용 개체 틀 2">
             <a:extLst>
               <a:ext uri="{FF2B5EF4-FFF2-40B4-BE49-F238E27FC236}">
-                <a16:creationId xmlns:a16="http://schemas.microsoft.com/office/drawing/2014/main" id="{E6695C49-BF78-4ED9-BD14-60B6318D4DE5}"/>
+                <a16:creationId xmlns:a16="http://schemas.microsoft.com/office/drawing/2014/main" xmlns="" id="{E6695C49-BF78-4ED9-BD14-60B6318D4DE5}"/>
               </a:ext>
             </a:extLst>
           </p:cNvPr>
@@ -2680,7 +2680,7 @@
           <p:cNvPr id="4" name="텍스트 개체 틀 3">
             <a:extLst>
               <a:ext uri="{FF2B5EF4-FFF2-40B4-BE49-F238E27FC236}">
-                <a16:creationId xmlns:a16="http://schemas.microsoft.com/office/drawing/2014/main" id="{8C0FD4DA-B955-4241-B5F5-549D3F25ADD7}"/>
+                <a16:creationId xmlns:a16="http://schemas.microsoft.com/office/drawing/2014/main" xmlns="" id="{8C0FD4DA-B955-4241-B5F5-549D3F25ADD7}"/>
               </a:ext>
             </a:extLst>
           </p:cNvPr>
@@ -2751,7 +2751,7 @@
           <p:cNvPr id="5" name="날짜 개체 틀 4">
             <a:extLst>
               <a:ext uri="{FF2B5EF4-FFF2-40B4-BE49-F238E27FC236}">
-                <a16:creationId xmlns:a16="http://schemas.microsoft.com/office/drawing/2014/main" id="{7CC22D4B-D89B-46D9-BE75-6B7E4053AB98}"/>
+                <a16:creationId xmlns:a16="http://schemas.microsoft.com/office/drawing/2014/main" xmlns="" id="{7CC22D4B-D89B-46D9-BE75-6B7E4053AB98}"/>
               </a:ext>
             </a:extLst>
           </p:cNvPr>
@@ -2769,7 +2769,7 @@
           <a:p>
             <a:fld id="{528193A5-C0AE-425F-B913-846BE8AADABA}" type="datetimeFigureOut">
               <a:rPr lang="ko-KR" altLang="en-US" smtClean="0"/>
-              <a:t>2019-09-19</a:t>
+              <a:t>2019-09-20</a:t>
             </a:fld>
             <a:endParaRPr lang="ko-KR" altLang="en-US"/>
           </a:p>
@@ -2780,7 +2780,7 @@
           <p:cNvPr id="6" name="바닥글 개체 틀 5">
             <a:extLst>
               <a:ext uri="{FF2B5EF4-FFF2-40B4-BE49-F238E27FC236}">
-                <a16:creationId xmlns:a16="http://schemas.microsoft.com/office/drawing/2014/main" id="{349155B1-96B2-431D-9D25-5857AB551FA0}"/>
+                <a16:creationId xmlns:a16="http://schemas.microsoft.com/office/drawing/2014/main" xmlns="" id="{349155B1-96B2-431D-9D25-5857AB551FA0}"/>
               </a:ext>
             </a:extLst>
           </p:cNvPr>
@@ -2805,7 +2805,7 @@
           <p:cNvPr id="7" name="슬라이드 번호 개체 틀 6">
             <a:extLst>
               <a:ext uri="{FF2B5EF4-FFF2-40B4-BE49-F238E27FC236}">
-                <a16:creationId xmlns:a16="http://schemas.microsoft.com/office/drawing/2014/main" id="{6B928438-D542-4B78-AE68-794FDC96472F}"/>
+                <a16:creationId xmlns:a16="http://schemas.microsoft.com/office/drawing/2014/main" xmlns="" id="{6B928438-D542-4B78-AE68-794FDC96472F}"/>
               </a:ext>
             </a:extLst>
           </p:cNvPr>
@@ -2864,7 +2864,7 @@
           <p:cNvPr id="2" name="제목 1">
             <a:extLst>
               <a:ext uri="{FF2B5EF4-FFF2-40B4-BE49-F238E27FC236}">
-                <a16:creationId xmlns:a16="http://schemas.microsoft.com/office/drawing/2014/main" id="{2F37EDC2-1A4E-447C-9E6C-85BA739A349E}"/>
+                <a16:creationId xmlns:a16="http://schemas.microsoft.com/office/drawing/2014/main" xmlns="" id="{2F37EDC2-1A4E-447C-9E6C-85BA739A349E}"/>
               </a:ext>
             </a:extLst>
           </p:cNvPr>
@@ -2901,7 +2901,7 @@
           <p:cNvPr id="3" name="그림 개체 틀 2">
             <a:extLst>
               <a:ext uri="{FF2B5EF4-FFF2-40B4-BE49-F238E27FC236}">
-                <a16:creationId xmlns:a16="http://schemas.microsoft.com/office/drawing/2014/main" id="{354D2501-20F4-4B2A-9E57-20A9BD2D9C9C}"/>
+                <a16:creationId xmlns:a16="http://schemas.microsoft.com/office/drawing/2014/main" xmlns="" id="{354D2501-20F4-4B2A-9E57-20A9BD2D9C9C}"/>
               </a:ext>
             </a:extLst>
           </p:cNvPr>
@@ -2968,7 +2968,7 @@
           <p:cNvPr id="4" name="텍스트 개체 틀 3">
             <a:extLst>
               <a:ext uri="{FF2B5EF4-FFF2-40B4-BE49-F238E27FC236}">
-                <a16:creationId xmlns:a16="http://schemas.microsoft.com/office/drawing/2014/main" id="{5E1EAB25-FEDC-405B-8689-1D8404BB3799}"/>
+                <a16:creationId xmlns:a16="http://schemas.microsoft.com/office/drawing/2014/main" xmlns="" id="{5E1EAB25-FEDC-405B-8689-1D8404BB3799}"/>
               </a:ext>
             </a:extLst>
           </p:cNvPr>
@@ -3039,7 +3039,7 @@
           <p:cNvPr id="5" name="날짜 개체 틀 4">
             <a:extLst>
               <a:ext uri="{FF2B5EF4-FFF2-40B4-BE49-F238E27FC236}">
-                <a16:creationId xmlns:a16="http://schemas.microsoft.com/office/drawing/2014/main" id="{9B87AB35-BDDC-4D6D-815E-8A964C0DC836}"/>
+                <a16:creationId xmlns:a16="http://schemas.microsoft.com/office/drawing/2014/main" xmlns="" id="{9B87AB35-BDDC-4D6D-815E-8A964C0DC836}"/>
               </a:ext>
             </a:extLst>
           </p:cNvPr>
@@ -3057,7 +3057,7 @@
           <a:p>
             <a:fld id="{528193A5-C0AE-425F-B913-846BE8AADABA}" type="datetimeFigureOut">
               <a:rPr lang="ko-KR" altLang="en-US" smtClean="0"/>
-              <a:t>2019-09-19</a:t>
+              <a:t>2019-09-20</a:t>
             </a:fld>
             <a:endParaRPr lang="ko-KR" altLang="en-US"/>
           </a:p>
@@ -3068,7 +3068,7 @@
           <p:cNvPr id="6" name="바닥글 개체 틀 5">
             <a:extLst>
               <a:ext uri="{FF2B5EF4-FFF2-40B4-BE49-F238E27FC236}">
-                <a16:creationId xmlns:a16="http://schemas.microsoft.com/office/drawing/2014/main" id="{4896D51C-D324-403C-B43C-587BB1C2810B}"/>
+                <a16:creationId xmlns:a16="http://schemas.microsoft.com/office/drawing/2014/main" xmlns="" id="{4896D51C-D324-403C-B43C-587BB1C2810B}"/>
               </a:ext>
             </a:extLst>
           </p:cNvPr>
@@ -3093,7 +3093,7 @@
           <p:cNvPr id="7" name="슬라이드 번호 개체 틀 6">
             <a:extLst>
               <a:ext uri="{FF2B5EF4-FFF2-40B4-BE49-F238E27FC236}">
-                <a16:creationId xmlns:a16="http://schemas.microsoft.com/office/drawing/2014/main" id="{2F98BEF8-6CB8-4100-8CE3-FBAD1519F82E}"/>
+                <a16:creationId xmlns:a16="http://schemas.microsoft.com/office/drawing/2014/main" xmlns="" id="{2F98BEF8-6CB8-4100-8CE3-FBAD1519F82E}"/>
               </a:ext>
             </a:extLst>
           </p:cNvPr>
@@ -3157,7 +3157,7 @@
           <p:cNvPr id="2" name="제목 개체 틀 1">
             <a:extLst>
               <a:ext uri="{FF2B5EF4-FFF2-40B4-BE49-F238E27FC236}">
-                <a16:creationId xmlns:a16="http://schemas.microsoft.com/office/drawing/2014/main" id="{A95616C6-A43C-4678-ADAC-4F2044E408D9}"/>
+                <a16:creationId xmlns:a16="http://schemas.microsoft.com/office/drawing/2014/main" xmlns="" id="{A95616C6-A43C-4678-ADAC-4F2044E408D9}"/>
               </a:ext>
             </a:extLst>
           </p:cNvPr>
@@ -3195,7 +3195,7 @@
           <p:cNvPr id="3" name="텍스트 개체 틀 2">
             <a:extLst>
               <a:ext uri="{FF2B5EF4-FFF2-40B4-BE49-F238E27FC236}">
-                <a16:creationId xmlns:a16="http://schemas.microsoft.com/office/drawing/2014/main" id="{D2DD1D92-97DF-4FB8-8900-E94B0710F5A9}"/>
+                <a16:creationId xmlns:a16="http://schemas.microsoft.com/office/drawing/2014/main" xmlns="" id="{D2DD1D92-97DF-4FB8-8900-E94B0710F5A9}"/>
               </a:ext>
             </a:extLst>
           </p:cNvPr>
@@ -3262,7 +3262,7 @@
           <p:cNvPr id="4" name="날짜 개체 틀 3">
             <a:extLst>
               <a:ext uri="{FF2B5EF4-FFF2-40B4-BE49-F238E27FC236}">
-                <a16:creationId xmlns:a16="http://schemas.microsoft.com/office/drawing/2014/main" id="{1F2B8022-9C8D-4110-844E-C0D39D624C68}"/>
+                <a16:creationId xmlns:a16="http://schemas.microsoft.com/office/drawing/2014/main" xmlns="" id="{1F2B8022-9C8D-4110-844E-C0D39D624C68}"/>
               </a:ext>
             </a:extLst>
           </p:cNvPr>
@@ -3298,7 +3298,7 @@
           <a:p>
             <a:fld id="{528193A5-C0AE-425F-B913-846BE8AADABA}" type="datetimeFigureOut">
               <a:rPr lang="ko-KR" altLang="en-US" smtClean="0"/>
-              <a:t>2019-09-19</a:t>
+              <a:t>2019-09-20</a:t>
             </a:fld>
             <a:endParaRPr lang="ko-KR" altLang="en-US"/>
           </a:p>
@@ -3309,7 +3309,7 @@
           <p:cNvPr id="5" name="바닥글 개체 틀 4">
             <a:extLst>
               <a:ext uri="{FF2B5EF4-FFF2-40B4-BE49-F238E27FC236}">
-                <a16:creationId xmlns:a16="http://schemas.microsoft.com/office/drawing/2014/main" id="{2A44C41B-AB9C-41CD-AF08-2D64809E5E11}"/>
+                <a16:creationId xmlns:a16="http://schemas.microsoft.com/office/drawing/2014/main" xmlns="" id="{2A44C41B-AB9C-41CD-AF08-2D64809E5E11}"/>
               </a:ext>
             </a:extLst>
           </p:cNvPr>
@@ -3352,7 +3352,7 @@
           <p:cNvPr id="6" name="슬라이드 번호 개체 틀 5">
             <a:extLst>
               <a:ext uri="{FF2B5EF4-FFF2-40B4-BE49-F238E27FC236}">
-                <a16:creationId xmlns:a16="http://schemas.microsoft.com/office/drawing/2014/main" id="{6DCB9002-2446-475B-AC09-A67F134918B4}"/>
+                <a16:creationId xmlns:a16="http://schemas.microsoft.com/office/drawing/2014/main" xmlns="" id="{6DCB9002-2446-475B-AC09-A67F134918B4}"/>
               </a:ext>
             </a:extLst>
           </p:cNvPr>
@@ -3720,7 +3720,7 @@
           <p:cNvPr id="2" name="제목 1">
             <a:extLst>
               <a:ext uri="{FF2B5EF4-FFF2-40B4-BE49-F238E27FC236}">
-                <a16:creationId xmlns:a16="http://schemas.microsoft.com/office/drawing/2014/main" id="{5B234DC3-9EF1-46AD-85E5-17B1394C9F3F}"/>
+                <a16:creationId xmlns:a16="http://schemas.microsoft.com/office/drawing/2014/main" xmlns="" id="{5B234DC3-9EF1-46AD-85E5-17B1394C9F3F}"/>
               </a:ext>
             </a:extLst>
           </p:cNvPr>
@@ -3746,6 +3746,10 @@
               <a:rPr lang="ko-KR" altLang="en-US" sz="5400" b="1" dirty="0"/>
               <a:t> 이용한</a:t>
             </a:r>
+            <a:r>
+              <a:rPr lang="en-US" altLang="ko-KR" sz="5400" b="1" dirty="0"/>
+              <a:t/>
+            </a:r>
             <a:br>
               <a:rPr lang="en-US" altLang="ko-KR" sz="5400" b="1" dirty="0"/>
             </a:br>
@@ -3762,7 +3766,7 @@
           <p:cNvPr id="3" name="부제목 2">
             <a:extLst>
               <a:ext uri="{FF2B5EF4-FFF2-40B4-BE49-F238E27FC236}">
-                <a16:creationId xmlns:a16="http://schemas.microsoft.com/office/drawing/2014/main" id="{4CDA9308-581C-4533-A555-DD8582DD225B}"/>
+                <a16:creationId xmlns:a16="http://schemas.microsoft.com/office/drawing/2014/main" xmlns="" id="{4CDA9308-581C-4533-A555-DD8582DD225B}"/>
               </a:ext>
             </a:extLst>
           </p:cNvPr>
@@ -3850,7 +3854,7 @@
           <p:cNvPr id="4" name="직사각형 3">
             <a:extLst>
               <a:ext uri="{FF2B5EF4-FFF2-40B4-BE49-F238E27FC236}">
-                <a16:creationId xmlns:a16="http://schemas.microsoft.com/office/drawing/2014/main" id="{D08CC29D-1319-4C29-9208-69FCBCEB120E}"/>
+                <a16:creationId xmlns:a16="http://schemas.microsoft.com/office/drawing/2014/main" xmlns="" id="{D08CC29D-1319-4C29-9208-69FCBCEB120E}"/>
               </a:ext>
             </a:extLst>
           </p:cNvPr>
@@ -3896,7 +3900,7 @@
           <p:cNvPr id="6" name="직사각형 5">
             <a:extLst>
               <a:ext uri="{FF2B5EF4-FFF2-40B4-BE49-F238E27FC236}">
-                <a16:creationId xmlns:a16="http://schemas.microsoft.com/office/drawing/2014/main" id="{301FF97C-206F-41E0-B49E-6C5A0E9A0B40}"/>
+                <a16:creationId xmlns:a16="http://schemas.microsoft.com/office/drawing/2014/main" xmlns="" id="{301FF97C-206F-41E0-B49E-6C5A0E9A0B40}"/>
               </a:ext>
             </a:extLst>
           </p:cNvPr>
@@ -3972,7 +3976,7 @@
           <p:cNvPr id="2" name="제목 1">
             <a:extLst>
               <a:ext uri="{FF2B5EF4-FFF2-40B4-BE49-F238E27FC236}">
-                <a16:creationId xmlns:a16="http://schemas.microsoft.com/office/drawing/2014/main" id="{B9EA8FDA-427B-4E4C-A761-14866B0722C1}"/>
+                <a16:creationId xmlns:a16="http://schemas.microsoft.com/office/drawing/2014/main" xmlns="" id="{B9EA8FDA-427B-4E4C-A761-14866B0722C1}"/>
               </a:ext>
             </a:extLst>
           </p:cNvPr>
@@ -4023,7 +4027,7 @@
           <p:cNvPr id="6" name="직선 연결선 5">
             <a:extLst>
               <a:ext uri="{FF2B5EF4-FFF2-40B4-BE49-F238E27FC236}">
-                <a16:creationId xmlns:a16="http://schemas.microsoft.com/office/drawing/2014/main" id="{C29DD9E8-09D5-4581-B2E2-DBF3DF507241}"/>
+                <a16:creationId xmlns:a16="http://schemas.microsoft.com/office/drawing/2014/main" xmlns="" id="{C29DD9E8-09D5-4581-B2E2-DBF3DF507241}"/>
               </a:ext>
             </a:extLst>
           </p:cNvPr>
@@ -4063,7 +4067,7 @@
           <p:cNvPr id="5" name="내용 개체 틀 4">
             <a:extLst>
               <a:ext uri="{FF2B5EF4-FFF2-40B4-BE49-F238E27FC236}">
-                <a16:creationId xmlns:a16="http://schemas.microsoft.com/office/drawing/2014/main" id="{0AA553D4-EB21-45C2-BA50-3C15845041CB}"/>
+                <a16:creationId xmlns:a16="http://schemas.microsoft.com/office/drawing/2014/main" xmlns="" id="{0AA553D4-EB21-45C2-BA50-3C15845041CB}"/>
               </a:ext>
             </a:extLst>
           </p:cNvPr>
@@ -4154,7 +4158,7 @@
           <p:cNvPr id="10" name="TextBox 9">
             <a:extLst>
               <a:ext uri="{FF2B5EF4-FFF2-40B4-BE49-F238E27FC236}">
-                <a16:creationId xmlns:a16="http://schemas.microsoft.com/office/drawing/2014/main" id="{05B6E184-E171-4109-8BF0-6D143ACF3953}"/>
+                <a16:creationId xmlns:a16="http://schemas.microsoft.com/office/drawing/2014/main" xmlns="" id="{05B6E184-E171-4109-8BF0-6D143ACF3953}"/>
               </a:ext>
             </a:extLst>
           </p:cNvPr>
@@ -4190,7 +4194,7 @@
           <p:cNvPr id="11" name="직사각형 10">
             <a:extLst>
               <a:ext uri="{FF2B5EF4-FFF2-40B4-BE49-F238E27FC236}">
-                <a16:creationId xmlns:a16="http://schemas.microsoft.com/office/drawing/2014/main" id="{36E09162-46E3-4F11-A301-91501E553534}"/>
+                <a16:creationId xmlns:a16="http://schemas.microsoft.com/office/drawing/2014/main" xmlns="" id="{36E09162-46E3-4F11-A301-91501E553534}"/>
               </a:ext>
             </a:extLst>
           </p:cNvPr>
@@ -4236,7 +4240,7 @@
           <p:cNvPr id="14" name="직사각형 13">
             <a:extLst>
               <a:ext uri="{FF2B5EF4-FFF2-40B4-BE49-F238E27FC236}">
-                <a16:creationId xmlns:a16="http://schemas.microsoft.com/office/drawing/2014/main" id="{56732E6D-0A8A-48EA-8200-DFB427036EA1}"/>
+                <a16:creationId xmlns:a16="http://schemas.microsoft.com/office/drawing/2014/main" xmlns="" id="{56732E6D-0A8A-48EA-8200-DFB427036EA1}"/>
               </a:ext>
             </a:extLst>
           </p:cNvPr>
@@ -4312,7 +4316,7 @@
           <p:cNvPr id="2" name="제목 1">
             <a:extLst>
               <a:ext uri="{FF2B5EF4-FFF2-40B4-BE49-F238E27FC236}">
-                <a16:creationId xmlns:a16="http://schemas.microsoft.com/office/drawing/2014/main" id="{B9EA8FDA-427B-4E4C-A761-14866B0722C1}"/>
+                <a16:creationId xmlns:a16="http://schemas.microsoft.com/office/drawing/2014/main" xmlns="" id="{B9EA8FDA-427B-4E4C-A761-14866B0722C1}"/>
               </a:ext>
             </a:extLst>
           </p:cNvPr>
@@ -4356,7 +4360,7 @@
           <p:cNvPr id="6" name="직선 연결선 5">
             <a:extLst>
               <a:ext uri="{FF2B5EF4-FFF2-40B4-BE49-F238E27FC236}">
-                <a16:creationId xmlns:a16="http://schemas.microsoft.com/office/drawing/2014/main" id="{C29DD9E8-09D5-4581-B2E2-DBF3DF507241}"/>
+                <a16:creationId xmlns:a16="http://schemas.microsoft.com/office/drawing/2014/main" xmlns="" id="{C29DD9E8-09D5-4581-B2E2-DBF3DF507241}"/>
               </a:ext>
             </a:extLst>
           </p:cNvPr>
@@ -4396,7 +4400,7 @@
           <p:cNvPr id="5" name="내용 개체 틀 4">
             <a:extLst>
               <a:ext uri="{FF2B5EF4-FFF2-40B4-BE49-F238E27FC236}">
-                <a16:creationId xmlns:a16="http://schemas.microsoft.com/office/drawing/2014/main" id="{0AA553D4-EB21-45C2-BA50-3C15845041CB}"/>
+                <a16:creationId xmlns:a16="http://schemas.microsoft.com/office/drawing/2014/main" xmlns="" id="{0AA553D4-EB21-45C2-BA50-3C15845041CB}"/>
               </a:ext>
             </a:extLst>
           </p:cNvPr>
@@ -4480,7 +4484,7 @@
           <p:cNvPr id="2" name="제목 1">
             <a:extLst>
               <a:ext uri="{FF2B5EF4-FFF2-40B4-BE49-F238E27FC236}">
-                <a16:creationId xmlns:a16="http://schemas.microsoft.com/office/drawing/2014/main" id="{B9EA8FDA-427B-4E4C-A761-14866B0722C1}"/>
+                <a16:creationId xmlns:a16="http://schemas.microsoft.com/office/drawing/2014/main" xmlns="" id="{B9EA8FDA-427B-4E4C-A761-14866B0722C1}"/>
               </a:ext>
             </a:extLst>
           </p:cNvPr>
@@ -4524,7 +4528,7 @@
           <p:cNvPr id="6" name="직선 연결선 5">
             <a:extLst>
               <a:ext uri="{FF2B5EF4-FFF2-40B4-BE49-F238E27FC236}">
-                <a16:creationId xmlns:a16="http://schemas.microsoft.com/office/drawing/2014/main" id="{C29DD9E8-09D5-4581-B2E2-DBF3DF507241}"/>
+                <a16:creationId xmlns:a16="http://schemas.microsoft.com/office/drawing/2014/main" xmlns="" id="{C29DD9E8-09D5-4581-B2E2-DBF3DF507241}"/>
               </a:ext>
             </a:extLst>
           </p:cNvPr>
@@ -4564,7 +4568,7 @@
           <p:cNvPr id="5" name="내용 개체 틀 4">
             <a:extLst>
               <a:ext uri="{FF2B5EF4-FFF2-40B4-BE49-F238E27FC236}">
-                <a16:creationId xmlns:a16="http://schemas.microsoft.com/office/drawing/2014/main" id="{0AA553D4-EB21-45C2-BA50-3C15845041CB}"/>
+                <a16:creationId xmlns:a16="http://schemas.microsoft.com/office/drawing/2014/main" xmlns="" id="{0AA553D4-EB21-45C2-BA50-3C15845041CB}"/>
               </a:ext>
             </a:extLst>
           </p:cNvPr>
@@ -4698,7 +4702,7 @@
           <p:cNvPr id="2" name="제목 1">
             <a:extLst>
               <a:ext uri="{FF2B5EF4-FFF2-40B4-BE49-F238E27FC236}">
-                <a16:creationId xmlns:a16="http://schemas.microsoft.com/office/drawing/2014/main" id="{B9EA8FDA-427B-4E4C-A761-14866B0722C1}"/>
+                <a16:creationId xmlns:a16="http://schemas.microsoft.com/office/drawing/2014/main" xmlns="" id="{B9EA8FDA-427B-4E4C-A761-14866B0722C1}"/>
               </a:ext>
             </a:extLst>
           </p:cNvPr>
@@ -4734,7 +4738,7 @@
           <p:cNvPr id="6" name="직선 연결선 5">
             <a:extLst>
               <a:ext uri="{FF2B5EF4-FFF2-40B4-BE49-F238E27FC236}">
-                <a16:creationId xmlns:a16="http://schemas.microsoft.com/office/drawing/2014/main" id="{C29DD9E8-09D5-4581-B2E2-DBF3DF507241}"/>
+                <a16:creationId xmlns:a16="http://schemas.microsoft.com/office/drawing/2014/main" xmlns="" id="{C29DD9E8-09D5-4581-B2E2-DBF3DF507241}"/>
               </a:ext>
             </a:extLst>
           </p:cNvPr>
@@ -4774,7 +4778,7 @@
           <p:cNvPr id="5" name="내용 개체 틀 4">
             <a:extLst>
               <a:ext uri="{FF2B5EF4-FFF2-40B4-BE49-F238E27FC236}">
-                <a16:creationId xmlns:a16="http://schemas.microsoft.com/office/drawing/2014/main" id="{0AA553D4-EB21-45C2-BA50-3C15845041CB}"/>
+                <a16:creationId xmlns:a16="http://schemas.microsoft.com/office/drawing/2014/main" xmlns="" id="{0AA553D4-EB21-45C2-BA50-3C15845041CB}"/>
               </a:ext>
             </a:extLst>
           </p:cNvPr>
@@ -4942,7 +4946,7 @@
           <p:cNvPr id="2" name="제목 1">
             <a:extLst>
               <a:ext uri="{FF2B5EF4-FFF2-40B4-BE49-F238E27FC236}">
-                <a16:creationId xmlns:a16="http://schemas.microsoft.com/office/drawing/2014/main" id="{B9EA8FDA-427B-4E4C-A761-14866B0722C1}"/>
+                <a16:creationId xmlns:a16="http://schemas.microsoft.com/office/drawing/2014/main" xmlns="" id="{B9EA8FDA-427B-4E4C-A761-14866B0722C1}"/>
               </a:ext>
             </a:extLst>
           </p:cNvPr>
@@ -4986,7 +4990,7 @@
           <p:cNvPr id="6" name="직선 연결선 5">
             <a:extLst>
               <a:ext uri="{FF2B5EF4-FFF2-40B4-BE49-F238E27FC236}">
-                <a16:creationId xmlns:a16="http://schemas.microsoft.com/office/drawing/2014/main" id="{C29DD9E8-09D5-4581-B2E2-DBF3DF507241}"/>
+                <a16:creationId xmlns:a16="http://schemas.microsoft.com/office/drawing/2014/main" xmlns="" id="{C29DD9E8-09D5-4581-B2E2-DBF3DF507241}"/>
               </a:ext>
             </a:extLst>
           </p:cNvPr>
@@ -5026,7 +5030,7 @@
           <p:cNvPr id="7" name="그림 6">
             <a:extLst>
               <a:ext uri="{FF2B5EF4-FFF2-40B4-BE49-F238E27FC236}">
-                <a16:creationId xmlns:a16="http://schemas.microsoft.com/office/drawing/2014/main" id="{4AF3CC69-A234-48A8-922C-F20787AAFDEC}"/>
+                <a16:creationId xmlns:a16="http://schemas.microsoft.com/office/drawing/2014/main" xmlns="" id="{4AF3CC69-A234-48A8-922C-F20787AAFDEC}"/>
               </a:ext>
             </a:extLst>
           </p:cNvPr>
@@ -5056,7 +5060,7 @@
           <p:cNvPr id="9" name="그림 8">
             <a:extLst>
               <a:ext uri="{FF2B5EF4-FFF2-40B4-BE49-F238E27FC236}">
-                <a16:creationId xmlns:a16="http://schemas.microsoft.com/office/drawing/2014/main" id="{418D0F9F-BDF8-45CB-84B4-E409F774BBA8}"/>
+                <a16:creationId xmlns:a16="http://schemas.microsoft.com/office/drawing/2014/main" xmlns="" id="{418D0F9F-BDF8-45CB-84B4-E409F774BBA8}"/>
               </a:ext>
             </a:extLst>
           </p:cNvPr>
@@ -5085,7 +5089,7 @@
           <p:cNvPr id="10" name="그림 9">
             <a:extLst>
               <a:ext uri="{FF2B5EF4-FFF2-40B4-BE49-F238E27FC236}">
-                <a16:creationId xmlns:a16="http://schemas.microsoft.com/office/drawing/2014/main" id="{88A10167-7B56-4693-970A-FE4D9789D245}"/>
+                <a16:creationId xmlns:a16="http://schemas.microsoft.com/office/drawing/2014/main" xmlns="" id="{88A10167-7B56-4693-970A-FE4D9789D245}"/>
               </a:ext>
             </a:extLst>
           </p:cNvPr>
@@ -5144,7 +5148,7 @@
           <p:cNvPr id="2" name="제목 1">
             <a:extLst>
               <a:ext uri="{FF2B5EF4-FFF2-40B4-BE49-F238E27FC236}">
-                <a16:creationId xmlns:a16="http://schemas.microsoft.com/office/drawing/2014/main" id="{B9EA8FDA-427B-4E4C-A761-14866B0722C1}"/>
+                <a16:creationId xmlns:a16="http://schemas.microsoft.com/office/drawing/2014/main" xmlns="" id="{B9EA8FDA-427B-4E4C-A761-14866B0722C1}"/>
               </a:ext>
             </a:extLst>
           </p:cNvPr>
@@ -5188,7 +5192,7 @@
           <p:cNvPr id="6" name="직선 연결선 5">
             <a:extLst>
               <a:ext uri="{FF2B5EF4-FFF2-40B4-BE49-F238E27FC236}">
-                <a16:creationId xmlns:a16="http://schemas.microsoft.com/office/drawing/2014/main" id="{C29DD9E8-09D5-4581-B2E2-DBF3DF507241}"/>
+                <a16:creationId xmlns:a16="http://schemas.microsoft.com/office/drawing/2014/main" xmlns="" id="{C29DD9E8-09D5-4581-B2E2-DBF3DF507241}"/>
               </a:ext>
             </a:extLst>
           </p:cNvPr>
@@ -5228,7 +5232,7 @@
           <p:cNvPr id="3" name="그림 2">
             <a:extLst>
               <a:ext uri="{FF2B5EF4-FFF2-40B4-BE49-F238E27FC236}">
-                <a16:creationId xmlns:a16="http://schemas.microsoft.com/office/drawing/2014/main" id="{E55DD172-3E52-4BE0-9924-DD417D43FD15}"/>
+                <a16:creationId xmlns:a16="http://schemas.microsoft.com/office/drawing/2014/main" xmlns="" id="{E55DD172-3E52-4BE0-9924-DD417D43FD15}"/>
               </a:ext>
             </a:extLst>
           </p:cNvPr>
@@ -5288,7 +5292,7 @@
           <p:cNvPr id="10" name="TextBox 9">
             <a:extLst>
               <a:ext uri="{FF2B5EF4-FFF2-40B4-BE49-F238E27FC236}">
-                <a16:creationId xmlns:a16="http://schemas.microsoft.com/office/drawing/2014/main" id="{05B6E184-E171-4109-8BF0-6D143ACF3953}"/>
+                <a16:creationId xmlns:a16="http://schemas.microsoft.com/office/drawing/2014/main" xmlns="" id="{05B6E184-E171-4109-8BF0-6D143ACF3953}"/>
               </a:ext>
             </a:extLst>
           </p:cNvPr>
@@ -5324,7 +5328,7 @@
           <p:cNvPr id="11" name="직사각형 10">
             <a:extLst>
               <a:ext uri="{FF2B5EF4-FFF2-40B4-BE49-F238E27FC236}">
-                <a16:creationId xmlns:a16="http://schemas.microsoft.com/office/drawing/2014/main" id="{36E09162-46E3-4F11-A301-91501E553534}"/>
+                <a16:creationId xmlns:a16="http://schemas.microsoft.com/office/drawing/2014/main" xmlns="" id="{36E09162-46E3-4F11-A301-91501E553534}"/>
               </a:ext>
             </a:extLst>
           </p:cNvPr>
@@ -5370,7 +5374,7 @@
           <p:cNvPr id="14" name="직사각형 13">
             <a:extLst>
               <a:ext uri="{FF2B5EF4-FFF2-40B4-BE49-F238E27FC236}">
-                <a16:creationId xmlns:a16="http://schemas.microsoft.com/office/drawing/2014/main" id="{56732E6D-0A8A-48EA-8200-DFB427036EA1}"/>
+                <a16:creationId xmlns:a16="http://schemas.microsoft.com/office/drawing/2014/main" xmlns="" id="{56732E6D-0A8A-48EA-8200-DFB427036EA1}"/>
               </a:ext>
             </a:extLst>
           </p:cNvPr>
@@ -5446,7 +5450,7 @@
           <p:cNvPr id="2" name="제목 1">
             <a:extLst>
               <a:ext uri="{FF2B5EF4-FFF2-40B4-BE49-F238E27FC236}">
-                <a16:creationId xmlns:a16="http://schemas.microsoft.com/office/drawing/2014/main" id="{B9EA8FDA-427B-4E4C-A761-14866B0722C1}"/>
+                <a16:creationId xmlns:a16="http://schemas.microsoft.com/office/drawing/2014/main" xmlns="" id="{B9EA8FDA-427B-4E4C-A761-14866B0722C1}"/>
               </a:ext>
             </a:extLst>
           </p:cNvPr>
@@ -5482,7 +5486,7 @@
           <p:cNvPr id="6" name="직선 연결선 5">
             <a:extLst>
               <a:ext uri="{FF2B5EF4-FFF2-40B4-BE49-F238E27FC236}">
-                <a16:creationId xmlns:a16="http://schemas.microsoft.com/office/drawing/2014/main" id="{C29DD9E8-09D5-4581-B2E2-DBF3DF507241}"/>
+                <a16:creationId xmlns:a16="http://schemas.microsoft.com/office/drawing/2014/main" xmlns="" id="{C29DD9E8-09D5-4581-B2E2-DBF3DF507241}"/>
               </a:ext>
             </a:extLst>
           </p:cNvPr>
@@ -5522,7 +5526,7 @@
           <p:cNvPr id="5" name="내용 개체 틀 4">
             <a:extLst>
               <a:ext uri="{FF2B5EF4-FFF2-40B4-BE49-F238E27FC236}">
-                <a16:creationId xmlns:a16="http://schemas.microsoft.com/office/drawing/2014/main" id="{0AA553D4-EB21-45C2-BA50-3C15845041CB}"/>
+                <a16:creationId xmlns:a16="http://schemas.microsoft.com/office/drawing/2014/main" xmlns="" id="{0AA553D4-EB21-45C2-BA50-3C15845041CB}"/>
               </a:ext>
             </a:extLst>
           </p:cNvPr>
@@ -5642,7 +5646,7 @@
           <p:cNvPr id="2" name="제목 1">
             <a:extLst>
               <a:ext uri="{FF2B5EF4-FFF2-40B4-BE49-F238E27FC236}">
-                <a16:creationId xmlns:a16="http://schemas.microsoft.com/office/drawing/2014/main" id="{B9EA8FDA-427B-4E4C-A761-14866B0722C1}"/>
+                <a16:creationId xmlns:a16="http://schemas.microsoft.com/office/drawing/2014/main" xmlns="" id="{B9EA8FDA-427B-4E4C-A761-14866B0722C1}"/>
               </a:ext>
             </a:extLst>
           </p:cNvPr>
@@ -5678,7 +5682,7 @@
           <p:cNvPr id="6" name="직선 연결선 5">
             <a:extLst>
               <a:ext uri="{FF2B5EF4-FFF2-40B4-BE49-F238E27FC236}">
-                <a16:creationId xmlns:a16="http://schemas.microsoft.com/office/drawing/2014/main" id="{C29DD9E8-09D5-4581-B2E2-DBF3DF507241}"/>
+                <a16:creationId xmlns:a16="http://schemas.microsoft.com/office/drawing/2014/main" xmlns="" id="{C29DD9E8-09D5-4581-B2E2-DBF3DF507241}"/>
               </a:ext>
             </a:extLst>
           </p:cNvPr>
@@ -5718,7 +5722,7 @@
           <p:cNvPr id="1030" name="Picture 6" descr="An unrolled recurrent neural network">
             <a:extLst>
               <a:ext uri="{FF2B5EF4-FFF2-40B4-BE49-F238E27FC236}">
-                <a16:creationId xmlns:a16="http://schemas.microsoft.com/office/drawing/2014/main" id="{78E370E7-F4AE-4CAB-A032-20F1E8DCF547}"/>
+                <a16:creationId xmlns:a16="http://schemas.microsoft.com/office/drawing/2014/main" xmlns="" id="{78E370E7-F4AE-4CAB-A032-20F1E8DCF547}"/>
               </a:ext>
             </a:extLst>
           </p:cNvPr>
@@ -5765,7 +5769,7 @@
           <p:cNvPr id="7" name="직사각형 6">
             <a:extLst>
               <a:ext uri="{FF2B5EF4-FFF2-40B4-BE49-F238E27FC236}">
-                <a16:creationId xmlns:a16="http://schemas.microsoft.com/office/drawing/2014/main" id="{6C3DFB9B-7303-4360-809C-B78322AEA967}"/>
+                <a16:creationId xmlns:a16="http://schemas.microsoft.com/office/drawing/2014/main" xmlns="" id="{6C3DFB9B-7303-4360-809C-B78322AEA967}"/>
               </a:ext>
             </a:extLst>
           </p:cNvPr>
@@ -5833,7 +5837,7 @@
           <p:cNvPr id="2" name="제목 1">
             <a:extLst>
               <a:ext uri="{FF2B5EF4-FFF2-40B4-BE49-F238E27FC236}">
-                <a16:creationId xmlns:a16="http://schemas.microsoft.com/office/drawing/2014/main" id="{B9EA8FDA-427B-4E4C-A761-14866B0722C1}"/>
+                <a16:creationId xmlns:a16="http://schemas.microsoft.com/office/drawing/2014/main" xmlns="" id="{B9EA8FDA-427B-4E4C-A761-14866B0722C1}"/>
               </a:ext>
             </a:extLst>
           </p:cNvPr>
@@ -5861,7 +5865,7 @@
           <p:cNvPr id="3" name="내용 개체 틀 2">
             <a:extLst>
               <a:ext uri="{FF2B5EF4-FFF2-40B4-BE49-F238E27FC236}">
-                <a16:creationId xmlns:a16="http://schemas.microsoft.com/office/drawing/2014/main" id="{815CCCD7-FA1C-47B0-BBA9-85B785F958B0}"/>
+                <a16:creationId xmlns:a16="http://schemas.microsoft.com/office/drawing/2014/main" xmlns="" id="{815CCCD7-FA1C-47B0-BBA9-85B785F958B0}"/>
               </a:ext>
             </a:extLst>
           </p:cNvPr>
@@ -5904,7 +5908,7 @@
           <p:cNvPr id="4" name="직사각형 3">
             <a:extLst>
               <a:ext uri="{FF2B5EF4-FFF2-40B4-BE49-F238E27FC236}">
-                <a16:creationId xmlns:a16="http://schemas.microsoft.com/office/drawing/2014/main" id="{B48A8DA2-6F1B-47C7-8E26-02D81DB4F74A}"/>
+                <a16:creationId xmlns:a16="http://schemas.microsoft.com/office/drawing/2014/main" xmlns="" id="{B48A8DA2-6F1B-47C7-8E26-02D81DB4F74A}"/>
               </a:ext>
             </a:extLst>
           </p:cNvPr>
@@ -5950,7 +5954,7 @@
           <p:cNvPr id="6" name="직사각형 5">
             <a:extLst>
               <a:ext uri="{FF2B5EF4-FFF2-40B4-BE49-F238E27FC236}">
-                <a16:creationId xmlns:a16="http://schemas.microsoft.com/office/drawing/2014/main" id="{92E873ED-623A-4E24-84A8-C742F9CB333A}"/>
+                <a16:creationId xmlns:a16="http://schemas.microsoft.com/office/drawing/2014/main" xmlns="" id="{92E873ED-623A-4E24-84A8-C742F9CB333A}"/>
               </a:ext>
             </a:extLst>
           </p:cNvPr>
@@ -6026,7 +6030,7 @@
           <p:cNvPr id="2" name="제목 1">
             <a:extLst>
               <a:ext uri="{FF2B5EF4-FFF2-40B4-BE49-F238E27FC236}">
-                <a16:creationId xmlns:a16="http://schemas.microsoft.com/office/drawing/2014/main" id="{B9EA8FDA-427B-4E4C-A761-14866B0722C1}"/>
+                <a16:creationId xmlns:a16="http://schemas.microsoft.com/office/drawing/2014/main" xmlns="" id="{B9EA8FDA-427B-4E4C-A761-14866B0722C1}"/>
               </a:ext>
             </a:extLst>
           </p:cNvPr>
@@ -6065,7 +6069,7 @@
           <p:cNvPr id="6" name="직선 연결선 5">
             <a:extLst>
               <a:ext uri="{FF2B5EF4-FFF2-40B4-BE49-F238E27FC236}">
-                <a16:creationId xmlns:a16="http://schemas.microsoft.com/office/drawing/2014/main" id="{C29DD9E8-09D5-4581-B2E2-DBF3DF507241}"/>
+                <a16:creationId xmlns:a16="http://schemas.microsoft.com/office/drawing/2014/main" xmlns="" id="{C29DD9E8-09D5-4581-B2E2-DBF3DF507241}"/>
               </a:ext>
             </a:extLst>
           </p:cNvPr>
@@ -6105,7 +6109,7 @@
           <p:cNvPr id="2050" name="Picture 2" descr="http://karpathy.github.io/assets/rnn/diags.jpeg">
             <a:extLst>
               <a:ext uri="{FF2B5EF4-FFF2-40B4-BE49-F238E27FC236}">
-                <a16:creationId xmlns:a16="http://schemas.microsoft.com/office/drawing/2014/main" id="{DE30B52E-B7CD-435B-9597-AF7F28899785}"/>
+                <a16:creationId xmlns:a16="http://schemas.microsoft.com/office/drawing/2014/main" xmlns="" id="{DE30B52E-B7CD-435B-9597-AF7F28899785}"/>
               </a:ext>
             </a:extLst>
           </p:cNvPr>
@@ -6152,7 +6156,7 @@
           <p:cNvPr id="9" name="TextBox 8">
             <a:extLst>
               <a:ext uri="{FF2B5EF4-FFF2-40B4-BE49-F238E27FC236}">
-                <a16:creationId xmlns:a16="http://schemas.microsoft.com/office/drawing/2014/main" id="{D8D68B22-E465-427C-8B6B-3C50F0DB1EF1}"/>
+                <a16:creationId xmlns:a16="http://schemas.microsoft.com/office/drawing/2014/main" xmlns="" id="{D8D68B22-E465-427C-8B6B-3C50F0DB1EF1}"/>
               </a:ext>
             </a:extLst>
           </p:cNvPr>
@@ -6190,7 +6194,7 @@
           <p:cNvPr id="10" name="TextBox 9">
             <a:extLst>
               <a:ext uri="{FF2B5EF4-FFF2-40B4-BE49-F238E27FC236}">
-                <a16:creationId xmlns:a16="http://schemas.microsoft.com/office/drawing/2014/main" id="{A009EAC2-94CA-4080-ADC8-70221B5FBC66}"/>
+                <a16:creationId xmlns:a16="http://schemas.microsoft.com/office/drawing/2014/main" xmlns="" id="{A009EAC2-94CA-4080-ADC8-70221B5FBC66}"/>
               </a:ext>
             </a:extLst>
           </p:cNvPr>
@@ -6233,7 +6237,7 @@
           <p:cNvPr id="13" name="TextBox 12">
             <a:extLst>
               <a:ext uri="{FF2B5EF4-FFF2-40B4-BE49-F238E27FC236}">
-                <a16:creationId xmlns:a16="http://schemas.microsoft.com/office/drawing/2014/main" id="{2D201C45-7D50-4071-A501-638DAE756013}"/>
+                <a16:creationId xmlns:a16="http://schemas.microsoft.com/office/drawing/2014/main" xmlns="" id="{2D201C45-7D50-4071-A501-638DAE756013}"/>
               </a:ext>
             </a:extLst>
           </p:cNvPr>
@@ -6276,7 +6280,7 @@
           <p:cNvPr id="14" name="TextBox 13">
             <a:extLst>
               <a:ext uri="{FF2B5EF4-FFF2-40B4-BE49-F238E27FC236}">
-                <a16:creationId xmlns:a16="http://schemas.microsoft.com/office/drawing/2014/main" id="{62E2D87F-C87E-46E3-955F-DC2E6143C678}"/>
+                <a16:creationId xmlns:a16="http://schemas.microsoft.com/office/drawing/2014/main" xmlns="" id="{62E2D87F-C87E-46E3-955F-DC2E6143C678}"/>
               </a:ext>
             </a:extLst>
           </p:cNvPr>
@@ -6349,7 +6353,7 @@
           <p:cNvPr id="2" name="제목 1">
             <a:extLst>
               <a:ext uri="{FF2B5EF4-FFF2-40B4-BE49-F238E27FC236}">
-                <a16:creationId xmlns:a16="http://schemas.microsoft.com/office/drawing/2014/main" id="{B9EA8FDA-427B-4E4C-A761-14866B0722C1}"/>
+                <a16:creationId xmlns:a16="http://schemas.microsoft.com/office/drawing/2014/main" xmlns="" id="{B9EA8FDA-427B-4E4C-A761-14866B0722C1}"/>
               </a:ext>
             </a:extLst>
           </p:cNvPr>
@@ -6385,7 +6389,7 @@
           <p:cNvPr id="6" name="직선 연결선 5">
             <a:extLst>
               <a:ext uri="{FF2B5EF4-FFF2-40B4-BE49-F238E27FC236}">
-                <a16:creationId xmlns:a16="http://schemas.microsoft.com/office/drawing/2014/main" id="{C29DD9E8-09D5-4581-B2E2-DBF3DF507241}"/>
+                <a16:creationId xmlns:a16="http://schemas.microsoft.com/office/drawing/2014/main" xmlns="" id="{C29DD9E8-09D5-4581-B2E2-DBF3DF507241}"/>
               </a:ext>
             </a:extLst>
           </p:cNvPr>
@@ -6425,7 +6429,7 @@
           <p:cNvPr id="7" name="Picture 6" descr="An unrolled recurrent neural network">
             <a:extLst>
               <a:ext uri="{FF2B5EF4-FFF2-40B4-BE49-F238E27FC236}">
-                <a16:creationId xmlns:a16="http://schemas.microsoft.com/office/drawing/2014/main" id="{81EF0C75-1E07-42C0-B0D1-2DD96751AFEC}"/>
+                <a16:creationId xmlns:a16="http://schemas.microsoft.com/office/drawing/2014/main" xmlns="" id="{81EF0C75-1E07-42C0-B0D1-2DD96751AFEC}"/>
               </a:ext>
             </a:extLst>
           </p:cNvPr>
@@ -6435,7 +6439,7 @@
           <p:nvPr/>
         </p:nvPicPr>
         <p:blipFill rotWithShape="1">
-          <a:blip r:embed="rId2">
+          <a:blip r:embed="rId2" cstate="print">
             <a:extLst>
               <a:ext uri="{28A0092B-C50C-407E-A947-70E740481C1C}">
                 <a14:useLocalDpi xmlns:a14="http://schemas.microsoft.com/office/drawing/2010/main" val="0"/>
@@ -6472,7 +6476,7 @@
               <p:cNvPr id="8" name="TextBox 7">
                 <a:extLst>
                   <a:ext uri="{FF2B5EF4-FFF2-40B4-BE49-F238E27FC236}">
-                    <a16:creationId xmlns:a16="http://schemas.microsoft.com/office/drawing/2014/main" id="{8011C61E-EE7E-469E-BA1D-20367B8CB967}"/>
+                    <a16:creationId xmlns:a16="http://schemas.microsoft.com/office/drawing/2014/main" xmlns="" id="{8011C61E-EE7E-469E-BA1D-20367B8CB967}"/>
                   </a:ext>
                 </a:extLst>
               </p:cNvPr>
@@ -6596,7 +6600,7 @@
               <p:cNvPr id="9" name="TextBox 8">
                 <a:extLst>
                   <a:ext uri="{FF2B5EF4-FFF2-40B4-BE49-F238E27FC236}">
-                    <a16:creationId xmlns:a16="http://schemas.microsoft.com/office/drawing/2014/main" id="{46FE2DA4-4839-43B6-9125-FA9435110F1D}"/>
+                    <a16:creationId xmlns:a16="http://schemas.microsoft.com/office/drawing/2014/main" xmlns="" id="{46FE2DA4-4839-43B6-9125-FA9435110F1D}"/>
                   </a:ext>
                 </a:extLst>
               </p:cNvPr>
@@ -6720,7 +6724,7 @@
               <p:cNvPr id="10" name="TextBox 9">
                 <a:extLst>
                   <a:ext uri="{FF2B5EF4-FFF2-40B4-BE49-F238E27FC236}">
-                    <a16:creationId xmlns:a16="http://schemas.microsoft.com/office/drawing/2014/main" id="{B8407382-CBEC-46A9-AB53-E2C2432757BC}"/>
+                    <a16:creationId xmlns:a16="http://schemas.microsoft.com/office/drawing/2014/main" xmlns="" id="{B8407382-CBEC-46A9-AB53-E2C2432757BC}"/>
                   </a:ext>
                 </a:extLst>
               </p:cNvPr>
@@ -6844,7 +6848,7 @@
               <p:cNvPr id="12" name="TextBox 11">
                 <a:extLst>
                   <a:ext uri="{FF2B5EF4-FFF2-40B4-BE49-F238E27FC236}">
-                    <a16:creationId xmlns:a16="http://schemas.microsoft.com/office/drawing/2014/main" id="{EA4C8FD9-FE67-4D4F-A1E7-6DC92B372E98}"/>
+                    <a16:creationId xmlns:a16="http://schemas.microsoft.com/office/drawing/2014/main" xmlns="" id="{EA4C8FD9-FE67-4D4F-A1E7-6DC92B372E98}"/>
                   </a:ext>
                 </a:extLst>
               </p:cNvPr>
@@ -6966,7 +6970,7 @@
           <p:cNvPr id="14" name="직선 화살표 연결선 13">
             <a:extLst>
               <a:ext uri="{FF2B5EF4-FFF2-40B4-BE49-F238E27FC236}">
-                <a16:creationId xmlns:a16="http://schemas.microsoft.com/office/drawing/2014/main" id="{B581CE2A-8311-4673-9199-311940FADCD1}"/>
+                <a16:creationId xmlns:a16="http://schemas.microsoft.com/office/drawing/2014/main" xmlns="" id="{B581CE2A-8311-4673-9199-311940FADCD1}"/>
               </a:ext>
             </a:extLst>
           </p:cNvPr>
@@ -7012,7 +7016,7 @@
               <p:cNvPr id="16" name="TextBox 15">
                 <a:extLst>
                   <a:ext uri="{FF2B5EF4-FFF2-40B4-BE49-F238E27FC236}">
-                    <a16:creationId xmlns:a16="http://schemas.microsoft.com/office/drawing/2014/main" id="{F1F1418F-1B8C-4691-A815-746081A10EEE}"/>
+                    <a16:creationId xmlns:a16="http://schemas.microsoft.com/office/drawing/2014/main" xmlns="" id="{F1F1418F-1B8C-4691-A815-746081A10EEE}"/>
                   </a:ext>
                 </a:extLst>
               </p:cNvPr>
@@ -7134,7 +7138,7 @@
           <p:cNvPr id="18" name="직선 화살표 연결선 17">
             <a:extLst>
               <a:ext uri="{FF2B5EF4-FFF2-40B4-BE49-F238E27FC236}">
-                <a16:creationId xmlns:a16="http://schemas.microsoft.com/office/drawing/2014/main" id="{82F5FE0B-79AC-42CF-96EA-E87A9E15BDAF}"/>
+                <a16:creationId xmlns:a16="http://schemas.microsoft.com/office/drawing/2014/main" xmlns="" id="{82F5FE0B-79AC-42CF-96EA-E87A9E15BDAF}"/>
               </a:ext>
             </a:extLst>
           </p:cNvPr>
@@ -7180,7 +7184,7 @@
               <p:cNvPr id="20" name="TextBox 19">
                 <a:extLst>
                   <a:ext uri="{FF2B5EF4-FFF2-40B4-BE49-F238E27FC236}">
-                    <a16:creationId xmlns:a16="http://schemas.microsoft.com/office/drawing/2014/main" id="{29EA3EBB-C831-4C26-8BA7-8AC0E45D300B}"/>
+                    <a16:creationId xmlns:a16="http://schemas.microsoft.com/office/drawing/2014/main" xmlns="" id="{29EA3EBB-C831-4C26-8BA7-8AC0E45D300B}"/>
                   </a:ext>
                 </a:extLst>
               </p:cNvPr>
@@ -7480,7 +7484,7 @@
               <p:cNvPr id="21" name="TextBox 20">
                 <a:extLst>
                   <a:ext uri="{FF2B5EF4-FFF2-40B4-BE49-F238E27FC236}">
-                    <a16:creationId xmlns:a16="http://schemas.microsoft.com/office/drawing/2014/main" id="{5A87BF22-3B41-4BA9-AB20-26C1EA3FB813}"/>
+                    <a16:creationId xmlns:a16="http://schemas.microsoft.com/office/drawing/2014/main" xmlns="" id="{5A87BF22-3B41-4BA9-AB20-26C1EA3FB813}"/>
                   </a:ext>
                 </a:extLst>
               </p:cNvPr>
@@ -7743,7 +7747,7 @@
           <p:cNvPr id="2" name="제목 1">
             <a:extLst>
               <a:ext uri="{FF2B5EF4-FFF2-40B4-BE49-F238E27FC236}">
-                <a16:creationId xmlns:a16="http://schemas.microsoft.com/office/drawing/2014/main" id="{B9EA8FDA-427B-4E4C-A761-14866B0722C1}"/>
+                <a16:creationId xmlns:a16="http://schemas.microsoft.com/office/drawing/2014/main" xmlns="" id="{B9EA8FDA-427B-4E4C-A761-14866B0722C1}"/>
               </a:ext>
             </a:extLst>
           </p:cNvPr>
@@ -7779,7 +7783,7 @@
           <p:cNvPr id="6" name="직선 연결선 5">
             <a:extLst>
               <a:ext uri="{FF2B5EF4-FFF2-40B4-BE49-F238E27FC236}">
-                <a16:creationId xmlns:a16="http://schemas.microsoft.com/office/drawing/2014/main" id="{C29DD9E8-09D5-4581-B2E2-DBF3DF507241}"/>
+                <a16:creationId xmlns:a16="http://schemas.microsoft.com/office/drawing/2014/main" xmlns="" id="{C29DD9E8-09D5-4581-B2E2-DBF3DF507241}"/>
               </a:ext>
             </a:extLst>
           </p:cNvPr>
@@ -7819,7 +7823,7 @@
           <p:cNvPr id="3" name="타원 2">
             <a:extLst>
               <a:ext uri="{FF2B5EF4-FFF2-40B4-BE49-F238E27FC236}">
-                <a16:creationId xmlns:a16="http://schemas.microsoft.com/office/drawing/2014/main" id="{7686B9F6-39D1-486B-8464-746A122FF0A9}"/>
+                <a16:creationId xmlns:a16="http://schemas.microsoft.com/office/drawing/2014/main" xmlns="" id="{7686B9F6-39D1-486B-8464-746A122FF0A9}"/>
               </a:ext>
             </a:extLst>
           </p:cNvPr>
@@ -7871,7 +7875,7 @@
           <p:cNvPr id="15" name="타원 14">
             <a:extLst>
               <a:ext uri="{FF2B5EF4-FFF2-40B4-BE49-F238E27FC236}">
-                <a16:creationId xmlns:a16="http://schemas.microsoft.com/office/drawing/2014/main" id="{52B4AA4D-3992-4935-9B76-7EC20E80348F}"/>
+                <a16:creationId xmlns:a16="http://schemas.microsoft.com/office/drawing/2014/main" xmlns="" id="{52B4AA4D-3992-4935-9B76-7EC20E80348F}"/>
               </a:ext>
             </a:extLst>
           </p:cNvPr>
@@ -7923,7 +7927,7 @@
           <p:cNvPr id="17" name="타원 16">
             <a:extLst>
               <a:ext uri="{FF2B5EF4-FFF2-40B4-BE49-F238E27FC236}">
-                <a16:creationId xmlns:a16="http://schemas.microsoft.com/office/drawing/2014/main" id="{5AADDED0-4CDC-4055-A166-258CDCFA076E}"/>
+                <a16:creationId xmlns:a16="http://schemas.microsoft.com/office/drawing/2014/main" xmlns="" id="{5AADDED0-4CDC-4055-A166-258CDCFA076E}"/>
               </a:ext>
             </a:extLst>
           </p:cNvPr>
@@ -7975,7 +7979,7 @@
           <p:cNvPr id="5" name="직선 화살표 연결선 4">
             <a:extLst>
               <a:ext uri="{FF2B5EF4-FFF2-40B4-BE49-F238E27FC236}">
-                <a16:creationId xmlns:a16="http://schemas.microsoft.com/office/drawing/2014/main" id="{353EFC6E-0B4A-4B8C-9F99-EBD65B81892D}"/>
+                <a16:creationId xmlns:a16="http://schemas.microsoft.com/office/drawing/2014/main" xmlns="" id="{353EFC6E-0B4A-4B8C-9F99-EBD65B81892D}"/>
               </a:ext>
             </a:extLst>
           </p:cNvPr>
@@ -8017,7 +8021,7 @@
           <p:cNvPr id="22" name="직선 화살표 연결선 21">
             <a:extLst>
               <a:ext uri="{FF2B5EF4-FFF2-40B4-BE49-F238E27FC236}">
-                <a16:creationId xmlns:a16="http://schemas.microsoft.com/office/drawing/2014/main" id="{316F0992-EF78-435B-82AE-AA2505AF0FFF}"/>
+                <a16:creationId xmlns:a16="http://schemas.microsoft.com/office/drawing/2014/main" xmlns="" id="{316F0992-EF78-435B-82AE-AA2505AF0FFF}"/>
               </a:ext>
             </a:extLst>
           </p:cNvPr>
@@ -8060,7 +8064,7 @@
           <p:cNvPr id="23" name="직선 화살표 연결선 22">
             <a:extLst>
               <a:ext uri="{FF2B5EF4-FFF2-40B4-BE49-F238E27FC236}">
-                <a16:creationId xmlns:a16="http://schemas.microsoft.com/office/drawing/2014/main" id="{E0BCB624-F6CE-43E3-B52B-E87C67E4B2E6}"/>
+                <a16:creationId xmlns:a16="http://schemas.microsoft.com/office/drawing/2014/main" xmlns="" id="{E0BCB624-F6CE-43E3-B52B-E87C67E4B2E6}"/>
               </a:ext>
             </a:extLst>
           </p:cNvPr>
@@ -8103,7 +8107,7 @@
           <p:cNvPr id="27" name="직선 화살표 연결선 26">
             <a:extLst>
               <a:ext uri="{FF2B5EF4-FFF2-40B4-BE49-F238E27FC236}">
-                <a16:creationId xmlns:a16="http://schemas.microsoft.com/office/drawing/2014/main" id="{798FE36D-B1E9-49EC-BBAF-5B31996E28DB}"/>
+                <a16:creationId xmlns:a16="http://schemas.microsoft.com/office/drawing/2014/main" xmlns="" id="{798FE36D-B1E9-49EC-BBAF-5B31996E28DB}"/>
               </a:ext>
             </a:extLst>
           </p:cNvPr>
@@ -8145,7 +8149,7 @@
           <p:cNvPr id="35" name="직선 화살표 연결선 34">
             <a:extLst>
               <a:ext uri="{FF2B5EF4-FFF2-40B4-BE49-F238E27FC236}">
-                <a16:creationId xmlns:a16="http://schemas.microsoft.com/office/drawing/2014/main" id="{10BF2FC4-99FD-4973-9501-EAA9679F324C}"/>
+                <a16:creationId xmlns:a16="http://schemas.microsoft.com/office/drawing/2014/main" xmlns="" id="{10BF2FC4-99FD-4973-9501-EAA9679F324C}"/>
               </a:ext>
             </a:extLst>
           </p:cNvPr>
@@ -8187,7 +8191,7 @@
           <p:cNvPr id="44" name="직선 화살표 연결선 43">
             <a:extLst>
               <a:ext uri="{FF2B5EF4-FFF2-40B4-BE49-F238E27FC236}">
-                <a16:creationId xmlns:a16="http://schemas.microsoft.com/office/drawing/2014/main" id="{CFBAE4AB-F2FB-410C-8FC2-0C11F1BE69E7}"/>
+                <a16:creationId xmlns:a16="http://schemas.microsoft.com/office/drawing/2014/main" xmlns="" id="{CFBAE4AB-F2FB-410C-8FC2-0C11F1BE69E7}"/>
               </a:ext>
             </a:extLst>
           </p:cNvPr>
@@ -8229,7 +8233,7 @@
           <p:cNvPr id="48" name="직선 화살표 연결선 47">
             <a:extLst>
               <a:ext uri="{FF2B5EF4-FFF2-40B4-BE49-F238E27FC236}">
-                <a16:creationId xmlns:a16="http://schemas.microsoft.com/office/drawing/2014/main" id="{780B4587-90A9-46D0-A832-E6BE04C183ED}"/>
+                <a16:creationId xmlns:a16="http://schemas.microsoft.com/office/drawing/2014/main" xmlns="" id="{780B4587-90A9-46D0-A832-E6BE04C183ED}"/>
               </a:ext>
             </a:extLst>
           </p:cNvPr>
@@ -8271,7 +8275,7 @@
           <p:cNvPr id="51" name="직선 화살표 연결선 50">
             <a:extLst>
               <a:ext uri="{FF2B5EF4-FFF2-40B4-BE49-F238E27FC236}">
-                <a16:creationId xmlns:a16="http://schemas.microsoft.com/office/drawing/2014/main" id="{39CBD15E-A127-457C-B9DB-8F67C5C09821}"/>
+                <a16:creationId xmlns:a16="http://schemas.microsoft.com/office/drawing/2014/main" xmlns="" id="{39CBD15E-A127-457C-B9DB-8F67C5C09821}"/>
               </a:ext>
             </a:extLst>
           </p:cNvPr>
@@ -8313,7 +8317,7 @@
           <p:cNvPr id="54" name="직선 화살표 연결선 53">
             <a:extLst>
               <a:ext uri="{FF2B5EF4-FFF2-40B4-BE49-F238E27FC236}">
-                <a16:creationId xmlns:a16="http://schemas.microsoft.com/office/drawing/2014/main" id="{01400FBC-C132-4DFA-8615-E35F99C6D857}"/>
+                <a16:creationId xmlns:a16="http://schemas.microsoft.com/office/drawing/2014/main" xmlns="" id="{01400FBC-C132-4DFA-8615-E35F99C6D857}"/>
               </a:ext>
             </a:extLst>
           </p:cNvPr>
@@ -8357,7 +8361,7 @@
               <p:cNvPr id="57" name="TextBox 56">
                 <a:extLst>
                   <a:ext uri="{FF2B5EF4-FFF2-40B4-BE49-F238E27FC236}">
-                    <a16:creationId xmlns:a16="http://schemas.microsoft.com/office/drawing/2014/main" id="{BE158611-1922-4B02-9D95-C8FC8EA9781A}"/>
+                    <a16:creationId xmlns:a16="http://schemas.microsoft.com/office/drawing/2014/main" xmlns="" id="{BE158611-1922-4B02-9D95-C8FC8EA9781A}"/>
                   </a:ext>
                 </a:extLst>
               </p:cNvPr>
@@ -8469,7 +8473,7 @@
               <p:cNvPr id="58" name="TextBox 57">
                 <a:extLst>
                   <a:ext uri="{FF2B5EF4-FFF2-40B4-BE49-F238E27FC236}">
-                    <a16:creationId xmlns:a16="http://schemas.microsoft.com/office/drawing/2014/main" id="{C65A15E6-1808-46FB-B9F0-82EEC0978B49}"/>
+                    <a16:creationId xmlns:a16="http://schemas.microsoft.com/office/drawing/2014/main" xmlns="" id="{C65A15E6-1808-46FB-B9F0-82EEC0978B49}"/>
                   </a:ext>
                 </a:extLst>
               </p:cNvPr>
@@ -8581,7 +8585,7 @@
               <p:cNvPr id="59" name="TextBox 58">
                 <a:extLst>
                   <a:ext uri="{FF2B5EF4-FFF2-40B4-BE49-F238E27FC236}">
-                    <a16:creationId xmlns:a16="http://schemas.microsoft.com/office/drawing/2014/main" id="{B6D947D0-3E52-4288-8051-0B04EC470825}"/>
+                    <a16:creationId xmlns:a16="http://schemas.microsoft.com/office/drawing/2014/main" xmlns="" id="{B6D947D0-3E52-4288-8051-0B04EC470825}"/>
                   </a:ext>
                 </a:extLst>
               </p:cNvPr>
@@ -8693,7 +8697,7 @@
               <p:cNvPr id="60" name="TextBox 59">
                 <a:extLst>
                   <a:ext uri="{FF2B5EF4-FFF2-40B4-BE49-F238E27FC236}">
-                    <a16:creationId xmlns:a16="http://schemas.microsoft.com/office/drawing/2014/main" id="{716235E7-0CD1-4D40-8F2B-3D323A9CA48A}"/>
+                    <a16:creationId xmlns:a16="http://schemas.microsoft.com/office/drawing/2014/main" xmlns="" id="{716235E7-0CD1-4D40-8F2B-3D323A9CA48A}"/>
                   </a:ext>
                 </a:extLst>
               </p:cNvPr>
@@ -8808,7 +8812,7 @@
               <p:cNvPr id="61" name="TextBox 60">
                 <a:extLst>
                   <a:ext uri="{FF2B5EF4-FFF2-40B4-BE49-F238E27FC236}">
-                    <a16:creationId xmlns:a16="http://schemas.microsoft.com/office/drawing/2014/main" id="{69739BEB-6A2F-482B-B4C7-A4D83C4AD77B}"/>
+                    <a16:creationId xmlns:a16="http://schemas.microsoft.com/office/drawing/2014/main" xmlns="" id="{69739BEB-6A2F-482B-B4C7-A4D83C4AD77B}"/>
                   </a:ext>
                 </a:extLst>
               </p:cNvPr>
@@ -8923,7 +8927,7 @@
               <p:cNvPr id="62" name="TextBox 61">
                 <a:extLst>
                   <a:ext uri="{FF2B5EF4-FFF2-40B4-BE49-F238E27FC236}">
-                    <a16:creationId xmlns:a16="http://schemas.microsoft.com/office/drawing/2014/main" id="{C9B3AA4F-DCEF-4D67-80A2-B7F1CE59CF38}"/>
+                    <a16:creationId xmlns:a16="http://schemas.microsoft.com/office/drawing/2014/main" xmlns="" id="{C9B3AA4F-DCEF-4D67-80A2-B7F1CE59CF38}"/>
                   </a:ext>
                 </a:extLst>
               </p:cNvPr>
@@ -9038,7 +9042,7 @@
               <p:cNvPr id="63" name="TextBox 62">
                 <a:extLst>
                   <a:ext uri="{FF2B5EF4-FFF2-40B4-BE49-F238E27FC236}">
-                    <a16:creationId xmlns:a16="http://schemas.microsoft.com/office/drawing/2014/main" id="{25C1C10C-C320-4440-AE90-982043588348}"/>
+                    <a16:creationId xmlns:a16="http://schemas.microsoft.com/office/drawing/2014/main" xmlns="" id="{25C1C10C-C320-4440-AE90-982043588348}"/>
                   </a:ext>
                 </a:extLst>
               </p:cNvPr>
@@ -9150,7 +9154,7 @@
               <p:cNvPr id="65" name="TextBox 64">
                 <a:extLst>
                   <a:ext uri="{FF2B5EF4-FFF2-40B4-BE49-F238E27FC236}">
-                    <a16:creationId xmlns:a16="http://schemas.microsoft.com/office/drawing/2014/main" id="{86CF690E-97DB-4BD2-9F10-0EB14671E5DB}"/>
+                    <a16:creationId xmlns:a16="http://schemas.microsoft.com/office/drawing/2014/main" xmlns="" id="{86CF690E-97DB-4BD2-9F10-0EB14671E5DB}"/>
                   </a:ext>
                 </a:extLst>
               </p:cNvPr>
@@ -9262,7 +9266,7 @@
               <p:cNvPr id="66" name="TextBox 65">
                 <a:extLst>
                   <a:ext uri="{FF2B5EF4-FFF2-40B4-BE49-F238E27FC236}">
-                    <a16:creationId xmlns:a16="http://schemas.microsoft.com/office/drawing/2014/main" id="{B8B17F40-838F-41B5-A187-8B8695DEA9DB}"/>
+                    <a16:creationId xmlns:a16="http://schemas.microsoft.com/office/drawing/2014/main" xmlns="" id="{B8B17F40-838F-41B5-A187-8B8695DEA9DB}"/>
                   </a:ext>
                 </a:extLst>
               </p:cNvPr>
@@ -9374,7 +9378,7 @@
               <p:cNvPr id="67" name="TextBox 66">
                 <a:extLst>
                   <a:ext uri="{FF2B5EF4-FFF2-40B4-BE49-F238E27FC236}">
-                    <a16:creationId xmlns:a16="http://schemas.microsoft.com/office/drawing/2014/main" id="{76E35DC3-1AF5-4449-8813-EFF765633DE8}"/>
+                    <a16:creationId xmlns:a16="http://schemas.microsoft.com/office/drawing/2014/main" xmlns="" id="{76E35DC3-1AF5-4449-8813-EFF765633DE8}"/>
                   </a:ext>
                 </a:extLst>
               </p:cNvPr>
@@ -9486,7 +9490,7 @@
               <p:cNvPr id="68" name="TextBox 67">
                 <a:extLst>
                   <a:ext uri="{FF2B5EF4-FFF2-40B4-BE49-F238E27FC236}">
-                    <a16:creationId xmlns:a16="http://schemas.microsoft.com/office/drawing/2014/main" id="{8AB05CBA-83E8-456F-BBBB-8537530B1E10}"/>
+                    <a16:creationId xmlns:a16="http://schemas.microsoft.com/office/drawing/2014/main" xmlns="" id="{8AB05CBA-83E8-456F-BBBB-8537530B1E10}"/>
                   </a:ext>
                 </a:extLst>
               </p:cNvPr>
@@ -9598,7 +9602,7 @@
               <p:cNvPr id="69" name="TextBox 68">
                 <a:extLst>
                   <a:ext uri="{FF2B5EF4-FFF2-40B4-BE49-F238E27FC236}">
-                    <a16:creationId xmlns:a16="http://schemas.microsoft.com/office/drawing/2014/main" id="{37E5D7A4-D59A-4BA3-BA22-4C10CAE963E7}"/>
+                    <a16:creationId xmlns:a16="http://schemas.microsoft.com/office/drawing/2014/main" xmlns="" id="{37E5D7A4-D59A-4BA3-BA22-4C10CAE963E7}"/>
                   </a:ext>
                 </a:extLst>
               </p:cNvPr>
@@ -9710,7 +9714,7 @@
               <p:cNvPr id="70" name="TextBox 69">
                 <a:extLst>
                   <a:ext uri="{FF2B5EF4-FFF2-40B4-BE49-F238E27FC236}">
-                    <a16:creationId xmlns:a16="http://schemas.microsoft.com/office/drawing/2014/main" id="{19FA64C6-0F20-48D8-AADB-35ADEC9B6CE1}"/>
+                    <a16:creationId xmlns:a16="http://schemas.microsoft.com/office/drawing/2014/main" xmlns="" id="{19FA64C6-0F20-48D8-AADB-35ADEC9B6CE1}"/>
                   </a:ext>
                 </a:extLst>
               </p:cNvPr>
@@ -9822,7 +9826,7 @@
               <p:cNvPr id="71" name="TextBox 70">
                 <a:extLst>
                   <a:ext uri="{FF2B5EF4-FFF2-40B4-BE49-F238E27FC236}">
-                    <a16:creationId xmlns:a16="http://schemas.microsoft.com/office/drawing/2014/main" id="{391D99DD-9F2A-4E70-97EE-7DDB7BDB0734}"/>
+                    <a16:creationId xmlns:a16="http://schemas.microsoft.com/office/drawing/2014/main" xmlns="" id="{391D99DD-9F2A-4E70-97EE-7DDB7BDB0734}"/>
                   </a:ext>
                 </a:extLst>
               </p:cNvPr>
@@ -9934,7 +9938,7 @@
               <p:cNvPr id="72" name="TextBox 71">
                 <a:extLst>
                   <a:ext uri="{FF2B5EF4-FFF2-40B4-BE49-F238E27FC236}">
-                    <a16:creationId xmlns:a16="http://schemas.microsoft.com/office/drawing/2014/main" id="{C538B9E4-A08A-4E8F-9A66-BB2C596E3DD4}"/>
+                    <a16:creationId xmlns:a16="http://schemas.microsoft.com/office/drawing/2014/main" xmlns="" id="{C538B9E4-A08A-4E8F-9A66-BB2C596E3DD4}"/>
                   </a:ext>
                 </a:extLst>
               </p:cNvPr>
@@ -10046,7 +10050,7 @@
               <p:cNvPr id="73" name="TextBox 72">
                 <a:extLst>
                   <a:ext uri="{FF2B5EF4-FFF2-40B4-BE49-F238E27FC236}">
-                    <a16:creationId xmlns:a16="http://schemas.microsoft.com/office/drawing/2014/main" id="{97653DBB-E076-465A-AFB0-1BF53ED2A149}"/>
+                    <a16:creationId xmlns:a16="http://schemas.microsoft.com/office/drawing/2014/main" xmlns="" id="{97653DBB-E076-465A-AFB0-1BF53ED2A149}"/>
                   </a:ext>
                 </a:extLst>
               </p:cNvPr>
@@ -10262,7 +10266,7 @@
               <p:cNvPr id="74" name="TextBox 73">
                 <a:extLst>
                   <a:ext uri="{FF2B5EF4-FFF2-40B4-BE49-F238E27FC236}">
-                    <a16:creationId xmlns:a16="http://schemas.microsoft.com/office/drawing/2014/main" id="{628B3D13-49D3-40A7-A6E2-746AD285E981}"/>
+                    <a16:creationId xmlns:a16="http://schemas.microsoft.com/office/drawing/2014/main" xmlns="" id="{628B3D13-49D3-40A7-A6E2-746AD285E981}"/>
                   </a:ext>
                 </a:extLst>
               </p:cNvPr>
@@ -10478,7 +10482,7 @@
               <p:cNvPr id="75" name="TextBox 74">
                 <a:extLst>
                   <a:ext uri="{FF2B5EF4-FFF2-40B4-BE49-F238E27FC236}">
-                    <a16:creationId xmlns:a16="http://schemas.microsoft.com/office/drawing/2014/main" id="{54FF66FD-DCBC-4C60-80A7-2294F27AE18C}"/>
+                    <a16:creationId xmlns:a16="http://schemas.microsoft.com/office/drawing/2014/main" xmlns="" id="{54FF66FD-DCBC-4C60-80A7-2294F27AE18C}"/>
                   </a:ext>
                 </a:extLst>
               </p:cNvPr>
@@ -10694,7 +10698,7 @@
               <p:cNvPr id="4" name="TextBox 3">
                 <a:extLst>
                   <a:ext uri="{FF2B5EF4-FFF2-40B4-BE49-F238E27FC236}">
-                    <a16:creationId xmlns:a16="http://schemas.microsoft.com/office/drawing/2014/main" id="{772E3EEC-A3FF-4ECE-A4E4-14F6098CA511}"/>
+                    <a16:creationId xmlns:a16="http://schemas.microsoft.com/office/drawing/2014/main" xmlns="" id="{772E3EEC-A3FF-4ECE-A4E4-14F6098CA511}"/>
                   </a:ext>
                 </a:extLst>
               </p:cNvPr>
@@ -10930,7 +10934,7 @@
           <p:cNvPr id="2" name="제목 1">
             <a:extLst>
               <a:ext uri="{FF2B5EF4-FFF2-40B4-BE49-F238E27FC236}">
-                <a16:creationId xmlns:a16="http://schemas.microsoft.com/office/drawing/2014/main" id="{B9EA8FDA-427B-4E4C-A761-14866B0722C1}"/>
+                <a16:creationId xmlns:a16="http://schemas.microsoft.com/office/drawing/2014/main" xmlns="" id="{B9EA8FDA-427B-4E4C-A761-14866B0722C1}"/>
               </a:ext>
             </a:extLst>
           </p:cNvPr>
@@ -10970,7 +10974,7 @@
           <p:cNvPr id="6" name="직선 연결선 5">
             <a:extLst>
               <a:ext uri="{FF2B5EF4-FFF2-40B4-BE49-F238E27FC236}">
-                <a16:creationId xmlns:a16="http://schemas.microsoft.com/office/drawing/2014/main" id="{C29DD9E8-09D5-4581-B2E2-DBF3DF507241}"/>
+                <a16:creationId xmlns:a16="http://schemas.microsoft.com/office/drawing/2014/main" xmlns="" id="{C29DD9E8-09D5-4581-B2E2-DBF3DF507241}"/>
               </a:ext>
             </a:extLst>
           </p:cNvPr>
@@ -11010,7 +11014,7 @@
           <p:cNvPr id="3" name="그룹 2">
             <a:extLst>
               <a:ext uri="{FF2B5EF4-FFF2-40B4-BE49-F238E27FC236}">
-                <a16:creationId xmlns:a16="http://schemas.microsoft.com/office/drawing/2014/main" id="{4939EB57-58DA-4524-A396-21310C65AB4B}"/>
+                <a16:creationId xmlns:a16="http://schemas.microsoft.com/office/drawing/2014/main" xmlns="" id="{4939EB57-58DA-4524-A396-21310C65AB4B}"/>
               </a:ext>
             </a:extLst>
           </p:cNvPr>
@@ -11030,7 +11034,7 @@
             <p:cNvPr id="4" name="타원 3">
               <a:extLst>
                 <a:ext uri="{FF2B5EF4-FFF2-40B4-BE49-F238E27FC236}">
-                  <a16:creationId xmlns:a16="http://schemas.microsoft.com/office/drawing/2014/main" id="{518F263D-3CC7-434A-A3EA-1DF7239D0970}"/>
+                  <a16:creationId xmlns:a16="http://schemas.microsoft.com/office/drawing/2014/main" xmlns="" id="{518F263D-3CC7-434A-A3EA-1DF7239D0970}"/>
                 </a:ext>
               </a:extLst>
             </p:cNvPr>
@@ -11082,7 +11086,7 @@
             <p:cNvPr id="5" name="타원 4">
               <a:extLst>
                 <a:ext uri="{FF2B5EF4-FFF2-40B4-BE49-F238E27FC236}">
-                  <a16:creationId xmlns:a16="http://schemas.microsoft.com/office/drawing/2014/main" id="{6C49B5C5-6166-464D-8408-59902C07C4A5}"/>
+                  <a16:creationId xmlns:a16="http://schemas.microsoft.com/office/drawing/2014/main" xmlns="" id="{6C49B5C5-6166-464D-8408-59902C07C4A5}"/>
                 </a:ext>
               </a:extLst>
             </p:cNvPr>
@@ -11134,7 +11138,7 @@
             <p:cNvPr id="7" name="타원 6">
               <a:extLst>
                 <a:ext uri="{FF2B5EF4-FFF2-40B4-BE49-F238E27FC236}">
-                  <a16:creationId xmlns:a16="http://schemas.microsoft.com/office/drawing/2014/main" id="{FD8BADFF-5D72-44CB-84FC-B7F649274D67}"/>
+                  <a16:creationId xmlns:a16="http://schemas.microsoft.com/office/drawing/2014/main" xmlns="" id="{FD8BADFF-5D72-44CB-84FC-B7F649274D67}"/>
                 </a:ext>
               </a:extLst>
             </p:cNvPr>
@@ -11186,7 +11190,7 @@
             <p:cNvPr id="8" name="직선 화살표 연결선 7">
               <a:extLst>
                 <a:ext uri="{FF2B5EF4-FFF2-40B4-BE49-F238E27FC236}">
-                  <a16:creationId xmlns:a16="http://schemas.microsoft.com/office/drawing/2014/main" id="{233B9792-BD37-4B4A-9E24-AF4B96CA02BC}"/>
+                  <a16:creationId xmlns:a16="http://schemas.microsoft.com/office/drawing/2014/main" xmlns="" id="{233B9792-BD37-4B4A-9E24-AF4B96CA02BC}"/>
                 </a:ext>
               </a:extLst>
             </p:cNvPr>
@@ -11228,7 +11232,7 @@
             <p:cNvPr id="9" name="직선 화살표 연결선 8">
               <a:extLst>
                 <a:ext uri="{FF2B5EF4-FFF2-40B4-BE49-F238E27FC236}">
-                  <a16:creationId xmlns:a16="http://schemas.microsoft.com/office/drawing/2014/main" id="{AC09BF3A-7034-4DB7-B174-850B1A5402F5}"/>
+                  <a16:creationId xmlns:a16="http://schemas.microsoft.com/office/drawing/2014/main" xmlns="" id="{AC09BF3A-7034-4DB7-B174-850B1A5402F5}"/>
                 </a:ext>
               </a:extLst>
             </p:cNvPr>
@@ -11271,7 +11275,7 @@
             <p:cNvPr id="10" name="직선 화살표 연결선 9">
               <a:extLst>
                 <a:ext uri="{FF2B5EF4-FFF2-40B4-BE49-F238E27FC236}">
-                  <a16:creationId xmlns:a16="http://schemas.microsoft.com/office/drawing/2014/main" id="{6F738113-66D5-4F4C-825F-048751CD5579}"/>
+                  <a16:creationId xmlns:a16="http://schemas.microsoft.com/office/drawing/2014/main" xmlns="" id="{6F738113-66D5-4F4C-825F-048751CD5579}"/>
                 </a:ext>
               </a:extLst>
             </p:cNvPr>
@@ -11314,7 +11318,7 @@
             <p:cNvPr id="11" name="직선 화살표 연결선 10">
               <a:extLst>
                 <a:ext uri="{FF2B5EF4-FFF2-40B4-BE49-F238E27FC236}">
-                  <a16:creationId xmlns:a16="http://schemas.microsoft.com/office/drawing/2014/main" id="{BF9C1434-FF92-4AAE-957C-82E23E35D05C}"/>
+                  <a16:creationId xmlns:a16="http://schemas.microsoft.com/office/drawing/2014/main" xmlns="" id="{BF9C1434-FF92-4AAE-957C-82E23E35D05C}"/>
                 </a:ext>
               </a:extLst>
             </p:cNvPr>
@@ -11356,7 +11360,7 @@
             <p:cNvPr id="12" name="직선 화살표 연결선 11">
               <a:extLst>
                 <a:ext uri="{FF2B5EF4-FFF2-40B4-BE49-F238E27FC236}">
-                  <a16:creationId xmlns:a16="http://schemas.microsoft.com/office/drawing/2014/main" id="{EC98EA50-634A-4B48-B321-8633371AA7AE}"/>
+                  <a16:creationId xmlns:a16="http://schemas.microsoft.com/office/drawing/2014/main" xmlns="" id="{EC98EA50-634A-4B48-B321-8633371AA7AE}"/>
                 </a:ext>
               </a:extLst>
             </p:cNvPr>
@@ -11398,7 +11402,7 @@
             <p:cNvPr id="13" name="직선 화살표 연결선 12">
               <a:extLst>
                 <a:ext uri="{FF2B5EF4-FFF2-40B4-BE49-F238E27FC236}">
-                  <a16:creationId xmlns:a16="http://schemas.microsoft.com/office/drawing/2014/main" id="{956962A4-D193-4BDA-84D9-E91C53621241}"/>
+                  <a16:creationId xmlns:a16="http://schemas.microsoft.com/office/drawing/2014/main" xmlns="" id="{956962A4-D193-4BDA-84D9-E91C53621241}"/>
                 </a:ext>
               </a:extLst>
             </p:cNvPr>
@@ -11440,7 +11444,7 @@
             <p:cNvPr id="14" name="직선 화살표 연결선 13">
               <a:extLst>
                 <a:ext uri="{FF2B5EF4-FFF2-40B4-BE49-F238E27FC236}">
-                  <a16:creationId xmlns:a16="http://schemas.microsoft.com/office/drawing/2014/main" id="{CE4918D0-DAA1-442E-AB18-F6BA5597A734}"/>
+                  <a16:creationId xmlns:a16="http://schemas.microsoft.com/office/drawing/2014/main" xmlns="" id="{CE4918D0-DAA1-442E-AB18-F6BA5597A734}"/>
                 </a:ext>
               </a:extLst>
             </p:cNvPr>
@@ -11482,7 +11486,7 @@
             <p:cNvPr id="15" name="직선 화살표 연결선 14">
               <a:extLst>
                 <a:ext uri="{FF2B5EF4-FFF2-40B4-BE49-F238E27FC236}">
-                  <a16:creationId xmlns:a16="http://schemas.microsoft.com/office/drawing/2014/main" id="{32C60B5E-8D1D-4CCF-8ACE-322BB670988F}"/>
+                  <a16:creationId xmlns:a16="http://schemas.microsoft.com/office/drawing/2014/main" xmlns="" id="{32C60B5E-8D1D-4CCF-8ACE-322BB670988F}"/>
                 </a:ext>
               </a:extLst>
             </p:cNvPr>
@@ -11524,7 +11528,7 @@
             <p:cNvPr id="16" name="직선 화살표 연결선 15">
               <a:extLst>
                 <a:ext uri="{FF2B5EF4-FFF2-40B4-BE49-F238E27FC236}">
-                  <a16:creationId xmlns:a16="http://schemas.microsoft.com/office/drawing/2014/main" id="{6349EE7C-F06F-4AF1-B8FE-45456EB98053}"/>
+                  <a16:creationId xmlns:a16="http://schemas.microsoft.com/office/drawing/2014/main" xmlns="" id="{6349EE7C-F06F-4AF1-B8FE-45456EB98053}"/>
                 </a:ext>
               </a:extLst>
             </p:cNvPr>
@@ -11568,7 +11572,7 @@
                 <p:cNvPr id="17" name="TextBox 16">
                   <a:extLst>
                     <a:ext uri="{FF2B5EF4-FFF2-40B4-BE49-F238E27FC236}">
-                      <a16:creationId xmlns:a16="http://schemas.microsoft.com/office/drawing/2014/main" id="{D85728A1-709B-4978-8C22-41D6B694F4C3}"/>
+                      <a16:creationId xmlns:a16="http://schemas.microsoft.com/office/drawing/2014/main" xmlns="" id="{D85728A1-709B-4978-8C22-41D6B694F4C3}"/>
                     </a:ext>
                   </a:extLst>
                 </p:cNvPr>
@@ -11680,7 +11684,7 @@
                 <p:cNvPr id="18" name="TextBox 17">
                   <a:extLst>
                     <a:ext uri="{FF2B5EF4-FFF2-40B4-BE49-F238E27FC236}">
-                      <a16:creationId xmlns:a16="http://schemas.microsoft.com/office/drawing/2014/main" id="{B4437447-1972-4CCD-B6B1-C2494F0EA825}"/>
+                      <a16:creationId xmlns:a16="http://schemas.microsoft.com/office/drawing/2014/main" xmlns="" id="{B4437447-1972-4CCD-B6B1-C2494F0EA825}"/>
                     </a:ext>
                   </a:extLst>
                 </p:cNvPr>
@@ -11792,7 +11796,7 @@
                 <p:cNvPr id="19" name="TextBox 18">
                   <a:extLst>
                     <a:ext uri="{FF2B5EF4-FFF2-40B4-BE49-F238E27FC236}">
-                      <a16:creationId xmlns:a16="http://schemas.microsoft.com/office/drawing/2014/main" id="{4A916330-8E8C-462A-8A16-D8B98C718B6B}"/>
+                      <a16:creationId xmlns:a16="http://schemas.microsoft.com/office/drawing/2014/main" xmlns="" id="{4A916330-8E8C-462A-8A16-D8B98C718B6B}"/>
                     </a:ext>
                   </a:extLst>
                 </p:cNvPr>
@@ -11904,7 +11908,7 @@
                 <p:cNvPr id="20" name="TextBox 19">
                   <a:extLst>
                     <a:ext uri="{FF2B5EF4-FFF2-40B4-BE49-F238E27FC236}">
-                      <a16:creationId xmlns:a16="http://schemas.microsoft.com/office/drawing/2014/main" id="{12D1F63F-7123-424F-8D39-F441A31AD517}"/>
+                      <a16:creationId xmlns:a16="http://schemas.microsoft.com/office/drawing/2014/main" xmlns="" id="{12D1F63F-7123-424F-8D39-F441A31AD517}"/>
                     </a:ext>
                   </a:extLst>
                 </p:cNvPr>
@@ -12019,7 +12023,7 @@
                 <p:cNvPr id="21" name="TextBox 20">
                   <a:extLst>
                     <a:ext uri="{FF2B5EF4-FFF2-40B4-BE49-F238E27FC236}">
-                      <a16:creationId xmlns:a16="http://schemas.microsoft.com/office/drawing/2014/main" id="{66D52D7C-7BA9-4AD4-B629-96F55B35CB61}"/>
+                      <a16:creationId xmlns:a16="http://schemas.microsoft.com/office/drawing/2014/main" xmlns="" id="{66D52D7C-7BA9-4AD4-B629-96F55B35CB61}"/>
                     </a:ext>
                   </a:extLst>
                 </p:cNvPr>
@@ -12134,7 +12138,7 @@
                 <p:cNvPr id="22" name="TextBox 21">
                   <a:extLst>
                     <a:ext uri="{FF2B5EF4-FFF2-40B4-BE49-F238E27FC236}">
-                      <a16:creationId xmlns:a16="http://schemas.microsoft.com/office/drawing/2014/main" id="{9D5D56CD-26CA-48E4-954E-953E28E1B228}"/>
+                      <a16:creationId xmlns:a16="http://schemas.microsoft.com/office/drawing/2014/main" xmlns="" id="{9D5D56CD-26CA-48E4-954E-953E28E1B228}"/>
                     </a:ext>
                   </a:extLst>
                 </p:cNvPr>
@@ -12249,7 +12253,7 @@
                 <p:cNvPr id="23" name="TextBox 22">
                   <a:extLst>
                     <a:ext uri="{FF2B5EF4-FFF2-40B4-BE49-F238E27FC236}">
-                      <a16:creationId xmlns:a16="http://schemas.microsoft.com/office/drawing/2014/main" id="{36991ABD-14C9-4D34-AD20-20F6C478A4CE}"/>
+                      <a16:creationId xmlns:a16="http://schemas.microsoft.com/office/drawing/2014/main" xmlns="" id="{36991ABD-14C9-4D34-AD20-20F6C478A4CE}"/>
                     </a:ext>
                   </a:extLst>
                 </p:cNvPr>
@@ -12361,7 +12365,7 @@
                 <p:cNvPr id="24" name="TextBox 23">
                   <a:extLst>
                     <a:ext uri="{FF2B5EF4-FFF2-40B4-BE49-F238E27FC236}">
-                      <a16:creationId xmlns:a16="http://schemas.microsoft.com/office/drawing/2014/main" id="{894C7365-57EF-4C5B-B515-CDA118D52614}"/>
+                      <a16:creationId xmlns:a16="http://schemas.microsoft.com/office/drawing/2014/main" xmlns="" id="{894C7365-57EF-4C5B-B515-CDA118D52614}"/>
                     </a:ext>
                   </a:extLst>
                 </p:cNvPr>
@@ -12473,7 +12477,7 @@
                 <p:cNvPr id="25" name="TextBox 24">
                   <a:extLst>
                     <a:ext uri="{FF2B5EF4-FFF2-40B4-BE49-F238E27FC236}">
-                      <a16:creationId xmlns:a16="http://schemas.microsoft.com/office/drawing/2014/main" id="{E0ABADAB-68DB-4880-ABDB-BDC4BF31DB41}"/>
+                      <a16:creationId xmlns:a16="http://schemas.microsoft.com/office/drawing/2014/main" xmlns="" id="{E0ABADAB-68DB-4880-ABDB-BDC4BF31DB41}"/>
                     </a:ext>
                   </a:extLst>
                 </p:cNvPr>
@@ -12585,7 +12589,7 @@
                 <p:cNvPr id="26" name="TextBox 25">
                   <a:extLst>
                     <a:ext uri="{FF2B5EF4-FFF2-40B4-BE49-F238E27FC236}">
-                      <a16:creationId xmlns:a16="http://schemas.microsoft.com/office/drawing/2014/main" id="{A3E4A3E1-503D-475A-A204-B497210B4F4F}"/>
+                      <a16:creationId xmlns:a16="http://schemas.microsoft.com/office/drawing/2014/main" xmlns="" id="{A3E4A3E1-503D-475A-A204-B497210B4F4F}"/>
                     </a:ext>
                   </a:extLst>
                 </p:cNvPr>
@@ -12697,7 +12701,7 @@
                 <p:cNvPr id="27" name="TextBox 26">
                   <a:extLst>
                     <a:ext uri="{FF2B5EF4-FFF2-40B4-BE49-F238E27FC236}">
-                      <a16:creationId xmlns:a16="http://schemas.microsoft.com/office/drawing/2014/main" id="{8B004057-D721-4ED4-BA4F-159B6846ED9A}"/>
+                      <a16:creationId xmlns:a16="http://schemas.microsoft.com/office/drawing/2014/main" xmlns="" id="{8B004057-D721-4ED4-BA4F-159B6846ED9A}"/>
                     </a:ext>
                   </a:extLst>
                 </p:cNvPr>
@@ -12809,7 +12813,7 @@
                 <p:cNvPr id="28" name="TextBox 27">
                   <a:extLst>
                     <a:ext uri="{FF2B5EF4-FFF2-40B4-BE49-F238E27FC236}">
-                      <a16:creationId xmlns:a16="http://schemas.microsoft.com/office/drawing/2014/main" id="{A8CACF44-D32B-436C-99D5-25E60554201E}"/>
+                      <a16:creationId xmlns:a16="http://schemas.microsoft.com/office/drawing/2014/main" xmlns="" id="{A8CACF44-D32B-436C-99D5-25E60554201E}"/>
                     </a:ext>
                   </a:extLst>
                 </p:cNvPr>
@@ -12921,7 +12925,7 @@
                 <p:cNvPr id="29" name="TextBox 28">
                   <a:extLst>
                     <a:ext uri="{FF2B5EF4-FFF2-40B4-BE49-F238E27FC236}">
-                      <a16:creationId xmlns:a16="http://schemas.microsoft.com/office/drawing/2014/main" id="{81D98759-8EA6-43B7-B76C-B3BE28D38B6E}"/>
+                      <a16:creationId xmlns:a16="http://schemas.microsoft.com/office/drawing/2014/main" xmlns="" id="{81D98759-8EA6-43B7-B76C-B3BE28D38B6E}"/>
                     </a:ext>
                   </a:extLst>
                 </p:cNvPr>
@@ -13033,7 +13037,7 @@
                 <p:cNvPr id="30" name="TextBox 29">
                   <a:extLst>
                     <a:ext uri="{FF2B5EF4-FFF2-40B4-BE49-F238E27FC236}">
-                      <a16:creationId xmlns:a16="http://schemas.microsoft.com/office/drawing/2014/main" id="{4695F57A-8EAE-492C-BF6E-A0B241727043}"/>
+                      <a16:creationId xmlns:a16="http://schemas.microsoft.com/office/drawing/2014/main" xmlns="" id="{4695F57A-8EAE-492C-BF6E-A0B241727043}"/>
                     </a:ext>
                   </a:extLst>
                 </p:cNvPr>
@@ -13145,7 +13149,7 @@
                 <p:cNvPr id="31" name="TextBox 30">
                   <a:extLst>
                     <a:ext uri="{FF2B5EF4-FFF2-40B4-BE49-F238E27FC236}">
-                      <a16:creationId xmlns:a16="http://schemas.microsoft.com/office/drawing/2014/main" id="{9ACCAE13-5541-47FB-A962-0EF42C830511}"/>
+                      <a16:creationId xmlns:a16="http://schemas.microsoft.com/office/drawing/2014/main" xmlns="" id="{9ACCAE13-5541-47FB-A962-0EF42C830511}"/>
                     </a:ext>
                   </a:extLst>
                 </p:cNvPr>
@@ -13257,7 +13261,7 @@
                 <p:cNvPr id="32" name="TextBox 31">
                   <a:extLst>
                     <a:ext uri="{FF2B5EF4-FFF2-40B4-BE49-F238E27FC236}">
-                      <a16:creationId xmlns:a16="http://schemas.microsoft.com/office/drawing/2014/main" id="{E57F020B-0171-498C-B018-032A7F9AFD77}"/>
+                      <a16:creationId xmlns:a16="http://schemas.microsoft.com/office/drawing/2014/main" xmlns="" id="{E57F020B-0171-498C-B018-032A7F9AFD77}"/>
                     </a:ext>
                   </a:extLst>
                 </p:cNvPr>
@@ -13473,7 +13477,7 @@
                 <p:cNvPr id="33" name="TextBox 32">
                   <a:extLst>
                     <a:ext uri="{FF2B5EF4-FFF2-40B4-BE49-F238E27FC236}">
-                      <a16:creationId xmlns:a16="http://schemas.microsoft.com/office/drawing/2014/main" id="{A8430141-5C2F-4C59-8DF0-695CAA853AD5}"/>
+                      <a16:creationId xmlns:a16="http://schemas.microsoft.com/office/drawing/2014/main" xmlns="" id="{A8430141-5C2F-4C59-8DF0-695CAA853AD5}"/>
                     </a:ext>
                   </a:extLst>
                 </p:cNvPr>
@@ -13689,7 +13693,7 @@
                 <p:cNvPr id="34" name="TextBox 33">
                   <a:extLst>
                     <a:ext uri="{FF2B5EF4-FFF2-40B4-BE49-F238E27FC236}">
-                      <a16:creationId xmlns:a16="http://schemas.microsoft.com/office/drawing/2014/main" id="{9924D7B8-D6F1-45FA-B064-7EE937E57340}"/>
+                      <a16:creationId xmlns:a16="http://schemas.microsoft.com/office/drawing/2014/main" xmlns="" id="{9924D7B8-D6F1-45FA-B064-7EE937E57340}"/>
                     </a:ext>
                   </a:extLst>
                 </p:cNvPr>
@@ -13904,7 +13908,7 @@
           <p:cNvPr id="35" name="직사각형 34">
             <a:extLst>
               <a:ext uri="{FF2B5EF4-FFF2-40B4-BE49-F238E27FC236}">
-                <a16:creationId xmlns:a16="http://schemas.microsoft.com/office/drawing/2014/main" id="{25B4505C-D5C6-404B-8655-067893E1D824}"/>
+                <a16:creationId xmlns:a16="http://schemas.microsoft.com/office/drawing/2014/main" xmlns="" id="{25B4505C-D5C6-404B-8655-067893E1D824}"/>
               </a:ext>
             </a:extLst>
           </p:cNvPr>
@@ -13958,7 +13962,7 @@
               <p:cNvPr id="36" name="TextBox 35">
                 <a:extLst>
                   <a:ext uri="{FF2B5EF4-FFF2-40B4-BE49-F238E27FC236}">
-                    <a16:creationId xmlns:a16="http://schemas.microsoft.com/office/drawing/2014/main" id="{289E0A24-6180-4F10-9C47-01A5F01AE296}"/>
+                    <a16:creationId xmlns:a16="http://schemas.microsoft.com/office/drawing/2014/main" xmlns="" id="{289E0A24-6180-4F10-9C47-01A5F01AE296}"/>
                   </a:ext>
                 </a:extLst>
               </p:cNvPr>
@@ -14096,7 +14100,7 @@
               <p:cNvPr id="37" name="TextBox 36">
                 <a:extLst>
                   <a:ext uri="{FF2B5EF4-FFF2-40B4-BE49-F238E27FC236}">
-                    <a16:creationId xmlns:a16="http://schemas.microsoft.com/office/drawing/2014/main" id="{CAD44D63-08EF-4497-9626-9004FD99E777}"/>
+                    <a16:creationId xmlns:a16="http://schemas.microsoft.com/office/drawing/2014/main" xmlns="" id="{CAD44D63-08EF-4497-9626-9004FD99E777}"/>
                   </a:ext>
                 </a:extLst>
               </p:cNvPr>
@@ -14435,7 +14439,7 @@
               <p:cNvPr id="38" name="TextBox 37">
                 <a:extLst>
                   <a:ext uri="{FF2B5EF4-FFF2-40B4-BE49-F238E27FC236}">
-                    <a16:creationId xmlns:a16="http://schemas.microsoft.com/office/drawing/2014/main" id="{6D2EF5C2-5315-4EB1-AB30-43620A754D3C}"/>
+                    <a16:creationId xmlns:a16="http://schemas.microsoft.com/office/drawing/2014/main" xmlns="" id="{6D2EF5C2-5315-4EB1-AB30-43620A754D3C}"/>
                   </a:ext>
                 </a:extLst>
               </p:cNvPr>
@@ -14649,7 +14653,7 @@
           <p:cNvPr id="39" name="직선 화살표 연결선 38">
             <a:extLst>
               <a:ext uri="{FF2B5EF4-FFF2-40B4-BE49-F238E27FC236}">
-                <a16:creationId xmlns:a16="http://schemas.microsoft.com/office/drawing/2014/main" id="{23F0C65F-6323-4DC0-949D-2DD1AD4FEC73}"/>
+                <a16:creationId xmlns:a16="http://schemas.microsoft.com/office/drawing/2014/main" xmlns="" id="{23F0C65F-6323-4DC0-949D-2DD1AD4FEC73}"/>
               </a:ext>
             </a:extLst>
           </p:cNvPr>
@@ -14692,7 +14696,7 @@
               <p:cNvPr id="41" name="TextBox 40">
                 <a:extLst>
                   <a:ext uri="{FF2B5EF4-FFF2-40B4-BE49-F238E27FC236}">
-                    <a16:creationId xmlns:a16="http://schemas.microsoft.com/office/drawing/2014/main" id="{3B167233-B3D1-4D11-8DCE-7D33F50B6850}"/>
+                    <a16:creationId xmlns:a16="http://schemas.microsoft.com/office/drawing/2014/main" xmlns="" id="{3B167233-B3D1-4D11-8DCE-7D33F50B6850}"/>
                   </a:ext>
                 </a:extLst>
               </p:cNvPr>
@@ -14919,7 +14923,7 @@
           <p:cNvPr id="2" name="제목 1">
             <a:extLst>
               <a:ext uri="{FF2B5EF4-FFF2-40B4-BE49-F238E27FC236}">
-                <a16:creationId xmlns:a16="http://schemas.microsoft.com/office/drawing/2014/main" id="{B9EA8FDA-427B-4E4C-A761-14866B0722C1}"/>
+                <a16:creationId xmlns:a16="http://schemas.microsoft.com/office/drawing/2014/main" xmlns="" id="{B9EA8FDA-427B-4E4C-A761-14866B0722C1}"/>
               </a:ext>
             </a:extLst>
           </p:cNvPr>
@@ -14959,7 +14963,7 @@
           <p:cNvPr id="6" name="직선 연결선 5">
             <a:extLst>
               <a:ext uri="{FF2B5EF4-FFF2-40B4-BE49-F238E27FC236}">
-                <a16:creationId xmlns:a16="http://schemas.microsoft.com/office/drawing/2014/main" id="{C29DD9E8-09D5-4581-B2E2-DBF3DF507241}"/>
+                <a16:creationId xmlns:a16="http://schemas.microsoft.com/office/drawing/2014/main" xmlns="" id="{C29DD9E8-09D5-4581-B2E2-DBF3DF507241}"/>
               </a:ext>
             </a:extLst>
           </p:cNvPr>
@@ -14999,7 +15003,7 @@
           <p:cNvPr id="3" name="그룹 2">
             <a:extLst>
               <a:ext uri="{FF2B5EF4-FFF2-40B4-BE49-F238E27FC236}">
-                <a16:creationId xmlns:a16="http://schemas.microsoft.com/office/drawing/2014/main" id="{4939EB57-58DA-4524-A396-21310C65AB4B}"/>
+                <a16:creationId xmlns:a16="http://schemas.microsoft.com/office/drawing/2014/main" xmlns="" id="{4939EB57-58DA-4524-A396-21310C65AB4B}"/>
               </a:ext>
             </a:extLst>
           </p:cNvPr>
@@ -15019,7 +15023,7 @@
             <p:cNvPr id="4" name="타원 3">
               <a:extLst>
                 <a:ext uri="{FF2B5EF4-FFF2-40B4-BE49-F238E27FC236}">
-                  <a16:creationId xmlns:a16="http://schemas.microsoft.com/office/drawing/2014/main" id="{518F263D-3CC7-434A-A3EA-1DF7239D0970}"/>
+                  <a16:creationId xmlns:a16="http://schemas.microsoft.com/office/drawing/2014/main" xmlns="" id="{518F263D-3CC7-434A-A3EA-1DF7239D0970}"/>
                 </a:ext>
               </a:extLst>
             </p:cNvPr>
@@ -15071,7 +15075,7 @@
             <p:cNvPr id="5" name="타원 4">
               <a:extLst>
                 <a:ext uri="{FF2B5EF4-FFF2-40B4-BE49-F238E27FC236}">
-                  <a16:creationId xmlns:a16="http://schemas.microsoft.com/office/drawing/2014/main" id="{6C49B5C5-6166-464D-8408-59902C07C4A5}"/>
+                  <a16:creationId xmlns:a16="http://schemas.microsoft.com/office/drawing/2014/main" xmlns="" id="{6C49B5C5-6166-464D-8408-59902C07C4A5}"/>
                 </a:ext>
               </a:extLst>
             </p:cNvPr>
@@ -15123,7 +15127,7 @@
             <p:cNvPr id="7" name="타원 6">
               <a:extLst>
                 <a:ext uri="{FF2B5EF4-FFF2-40B4-BE49-F238E27FC236}">
-                  <a16:creationId xmlns:a16="http://schemas.microsoft.com/office/drawing/2014/main" id="{FD8BADFF-5D72-44CB-84FC-B7F649274D67}"/>
+                  <a16:creationId xmlns:a16="http://schemas.microsoft.com/office/drawing/2014/main" xmlns="" id="{FD8BADFF-5D72-44CB-84FC-B7F649274D67}"/>
                 </a:ext>
               </a:extLst>
             </p:cNvPr>
@@ -15175,7 +15179,7 @@
             <p:cNvPr id="8" name="직선 화살표 연결선 7">
               <a:extLst>
                 <a:ext uri="{FF2B5EF4-FFF2-40B4-BE49-F238E27FC236}">
-                  <a16:creationId xmlns:a16="http://schemas.microsoft.com/office/drawing/2014/main" id="{233B9792-BD37-4B4A-9E24-AF4B96CA02BC}"/>
+                  <a16:creationId xmlns:a16="http://schemas.microsoft.com/office/drawing/2014/main" xmlns="" id="{233B9792-BD37-4B4A-9E24-AF4B96CA02BC}"/>
                 </a:ext>
               </a:extLst>
             </p:cNvPr>
@@ -15217,7 +15221,7 @@
             <p:cNvPr id="9" name="직선 화살표 연결선 8">
               <a:extLst>
                 <a:ext uri="{FF2B5EF4-FFF2-40B4-BE49-F238E27FC236}">
-                  <a16:creationId xmlns:a16="http://schemas.microsoft.com/office/drawing/2014/main" id="{AC09BF3A-7034-4DB7-B174-850B1A5402F5}"/>
+                  <a16:creationId xmlns:a16="http://schemas.microsoft.com/office/drawing/2014/main" xmlns="" id="{AC09BF3A-7034-4DB7-B174-850B1A5402F5}"/>
                 </a:ext>
               </a:extLst>
             </p:cNvPr>
@@ -15260,7 +15264,7 @@
             <p:cNvPr id="10" name="직선 화살표 연결선 9">
               <a:extLst>
                 <a:ext uri="{FF2B5EF4-FFF2-40B4-BE49-F238E27FC236}">
-                  <a16:creationId xmlns:a16="http://schemas.microsoft.com/office/drawing/2014/main" id="{6F738113-66D5-4F4C-825F-048751CD5579}"/>
+                  <a16:creationId xmlns:a16="http://schemas.microsoft.com/office/drawing/2014/main" xmlns="" id="{6F738113-66D5-4F4C-825F-048751CD5579}"/>
                 </a:ext>
               </a:extLst>
             </p:cNvPr>
@@ -15303,7 +15307,7 @@
             <p:cNvPr id="11" name="직선 화살표 연결선 10">
               <a:extLst>
                 <a:ext uri="{FF2B5EF4-FFF2-40B4-BE49-F238E27FC236}">
-                  <a16:creationId xmlns:a16="http://schemas.microsoft.com/office/drawing/2014/main" id="{BF9C1434-FF92-4AAE-957C-82E23E35D05C}"/>
+                  <a16:creationId xmlns:a16="http://schemas.microsoft.com/office/drawing/2014/main" xmlns="" id="{BF9C1434-FF92-4AAE-957C-82E23E35D05C}"/>
                 </a:ext>
               </a:extLst>
             </p:cNvPr>
@@ -15345,7 +15349,7 @@
             <p:cNvPr id="12" name="직선 화살표 연결선 11">
               <a:extLst>
                 <a:ext uri="{FF2B5EF4-FFF2-40B4-BE49-F238E27FC236}">
-                  <a16:creationId xmlns:a16="http://schemas.microsoft.com/office/drawing/2014/main" id="{EC98EA50-634A-4B48-B321-8633371AA7AE}"/>
+                  <a16:creationId xmlns:a16="http://schemas.microsoft.com/office/drawing/2014/main" xmlns="" id="{EC98EA50-634A-4B48-B321-8633371AA7AE}"/>
                 </a:ext>
               </a:extLst>
             </p:cNvPr>
@@ -15387,7 +15391,7 @@
             <p:cNvPr id="13" name="직선 화살표 연결선 12">
               <a:extLst>
                 <a:ext uri="{FF2B5EF4-FFF2-40B4-BE49-F238E27FC236}">
-                  <a16:creationId xmlns:a16="http://schemas.microsoft.com/office/drawing/2014/main" id="{956962A4-D193-4BDA-84D9-E91C53621241}"/>
+                  <a16:creationId xmlns:a16="http://schemas.microsoft.com/office/drawing/2014/main" xmlns="" id="{956962A4-D193-4BDA-84D9-E91C53621241}"/>
                 </a:ext>
               </a:extLst>
             </p:cNvPr>
@@ -15429,7 +15433,7 @@
             <p:cNvPr id="14" name="직선 화살표 연결선 13">
               <a:extLst>
                 <a:ext uri="{FF2B5EF4-FFF2-40B4-BE49-F238E27FC236}">
-                  <a16:creationId xmlns:a16="http://schemas.microsoft.com/office/drawing/2014/main" id="{CE4918D0-DAA1-442E-AB18-F6BA5597A734}"/>
+                  <a16:creationId xmlns:a16="http://schemas.microsoft.com/office/drawing/2014/main" xmlns="" id="{CE4918D0-DAA1-442E-AB18-F6BA5597A734}"/>
                 </a:ext>
               </a:extLst>
             </p:cNvPr>
@@ -15471,7 +15475,7 @@
             <p:cNvPr id="15" name="직선 화살표 연결선 14">
               <a:extLst>
                 <a:ext uri="{FF2B5EF4-FFF2-40B4-BE49-F238E27FC236}">
-                  <a16:creationId xmlns:a16="http://schemas.microsoft.com/office/drawing/2014/main" id="{32C60B5E-8D1D-4CCF-8ACE-322BB670988F}"/>
+                  <a16:creationId xmlns:a16="http://schemas.microsoft.com/office/drawing/2014/main" xmlns="" id="{32C60B5E-8D1D-4CCF-8ACE-322BB670988F}"/>
                 </a:ext>
               </a:extLst>
             </p:cNvPr>
@@ -15513,7 +15517,7 @@
             <p:cNvPr id="16" name="직선 화살표 연결선 15">
               <a:extLst>
                 <a:ext uri="{FF2B5EF4-FFF2-40B4-BE49-F238E27FC236}">
-                  <a16:creationId xmlns:a16="http://schemas.microsoft.com/office/drawing/2014/main" id="{6349EE7C-F06F-4AF1-B8FE-45456EB98053}"/>
+                  <a16:creationId xmlns:a16="http://schemas.microsoft.com/office/drawing/2014/main" xmlns="" id="{6349EE7C-F06F-4AF1-B8FE-45456EB98053}"/>
                 </a:ext>
               </a:extLst>
             </p:cNvPr>
@@ -15557,7 +15561,7 @@
                 <p:cNvPr id="17" name="TextBox 16">
                   <a:extLst>
                     <a:ext uri="{FF2B5EF4-FFF2-40B4-BE49-F238E27FC236}">
-                      <a16:creationId xmlns:a16="http://schemas.microsoft.com/office/drawing/2014/main" id="{D85728A1-709B-4978-8C22-41D6B694F4C3}"/>
+                      <a16:creationId xmlns:a16="http://schemas.microsoft.com/office/drawing/2014/main" xmlns="" id="{D85728A1-709B-4978-8C22-41D6B694F4C3}"/>
                     </a:ext>
                   </a:extLst>
                 </p:cNvPr>
@@ -15669,7 +15673,7 @@
                 <p:cNvPr id="18" name="TextBox 17">
                   <a:extLst>
                     <a:ext uri="{FF2B5EF4-FFF2-40B4-BE49-F238E27FC236}">
-                      <a16:creationId xmlns:a16="http://schemas.microsoft.com/office/drawing/2014/main" id="{B4437447-1972-4CCD-B6B1-C2494F0EA825}"/>
+                      <a16:creationId xmlns:a16="http://schemas.microsoft.com/office/drawing/2014/main" xmlns="" id="{B4437447-1972-4CCD-B6B1-C2494F0EA825}"/>
                     </a:ext>
                   </a:extLst>
                 </p:cNvPr>
@@ -15781,7 +15785,7 @@
                 <p:cNvPr id="19" name="TextBox 18">
                   <a:extLst>
                     <a:ext uri="{FF2B5EF4-FFF2-40B4-BE49-F238E27FC236}">
-                      <a16:creationId xmlns:a16="http://schemas.microsoft.com/office/drawing/2014/main" id="{4A916330-8E8C-462A-8A16-D8B98C718B6B}"/>
+                      <a16:creationId xmlns:a16="http://schemas.microsoft.com/office/drawing/2014/main" xmlns="" id="{4A916330-8E8C-462A-8A16-D8B98C718B6B}"/>
                     </a:ext>
                   </a:extLst>
                 </p:cNvPr>
@@ -15893,7 +15897,7 @@
                 <p:cNvPr id="20" name="TextBox 19">
                   <a:extLst>
                     <a:ext uri="{FF2B5EF4-FFF2-40B4-BE49-F238E27FC236}">
-                      <a16:creationId xmlns:a16="http://schemas.microsoft.com/office/drawing/2014/main" id="{12D1F63F-7123-424F-8D39-F441A31AD517}"/>
+                      <a16:creationId xmlns:a16="http://schemas.microsoft.com/office/drawing/2014/main" xmlns="" id="{12D1F63F-7123-424F-8D39-F441A31AD517}"/>
                     </a:ext>
                   </a:extLst>
                 </p:cNvPr>
@@ -16008,7 +16012,7 @@
                 <p:cNvPr id="21" name="TextBox 20">
                   <a:extLst>
                     <a:ext uri="{FF2B5EF4-FFF2-40B4-BE49-F238E27FC236}">
-                      <a16:creationId xmlns:a16="http://schemas.microsoft.com/office/drawing/2014/main" id="{66D52D7C-7BA9-4AD4-B629-96F55B35CB61}"/>
+                      <a16:creationId xmlns:a16="http://schemas.microsoft.com/office/drawing/2014/main" xmlns="" id="{66D52D7C-7BA9-4AD4-B629-96F55B35CB61}"/>
                     </a:ext>
                   </a:extLst>
                 </p:cNvPr>
@@ -16123,7 +16127,7 @@
                 <p:cNvPr id="22" name="TextBox 21">
                   <a:extLst>
                     <a:ext uri="{FF2B5EF4-FFF2-40B4-BE49-F238E27FC236}">
-                      <a16:creationId xmlns:a16="http://schemas.microsoft.com/office/drawing/2014/main" id="{9D5D56CD-26CA-48E4-954E-953E28E1B228}"/>
+                      <a16:creationId xmlns:a16="http://schemas.microsoft.com/office/drawing/2014/main" xmlns="" id="{9D5D56CD-26CA-48E4-954E-953E28E1B228}"/>
                     </a:ext>
                   </a:extLst>
                 </p:cNvPr>
@@ -16238,7 +16242,7 @@
                 <p:cNvPr id="23" name="TextBox 22">
                   <a:extLst>
                     <a:ext uri="{FF2B5EF4-FFF2-40B4-BE49-F238E27FC236}">
-                      <a16:creationId xmlns:a16="http://schemas.microsoft.com/office/drawing/2014/main" id="{36991ABD-14C9-4D34-AD20-20F6C478A4CE}"/>
+                      <a16:creationId xmlns:a16="http://schemas.microsoft.com/office/drawing/2014/main" xmlns="" id="{36991ABD-14C9-4D34-AD20-20F6C478A4CE}"/>
                     </a:ext>
                   </a:extLst>
                 </p:cNvPr>
@@ -16350,7 +16354,7 @@
                 <p:cNvPr id="24" name="TextBox 23">
                   <a:extLst>
                     <a:ext uri="{FF2B5EF4-FFF2-40B4-BE49-F238E27FC236}">
-                      <a16:creationId xmlns:a16="http://schemas.microsoft.com/office/drawing/2014/main" id="{894C7365-57EF-4C5B-B515-CDA118D52614}"/>
+                      <a16:creationId xmlns:a16="http://schemas.microsoft.com/office/drawing/2014/main" xmlns="" id="{894C7365-57EF-4C5B-B515-CDA118D52614}"/>
                     </a:ext>
                   </a:extLst>
                 </p:cNvPr>
@@ -16462,7 +16466,7 @@
                 <p:cNvPr id="25" name="TextBox 24">
                   <a:extLst>
                     <a:ext uri="{FF2B5EF4-FFF2-40B4-BE49-F238E27FC236}">
-                      <a16:creationId xmlns:a16="http://schemas.microsoft.com/office/drawing/2014/main" id="{E0ABADAB-68DB-4880-ABDB-BDC4BF31DB41}"/>
+                      <a16:creationId xmlns:a16="http://schemas.microsoft.com/office/drawing/2014/main" xmlns="" id="{E0ABADAB-68DB-4880-ABDB-BDC4BF31DB41}"/>
                     </a:ext>
                   </a:extLst>
                 </p:cNvPr>
@@ -16574,7 +16578,7 @@
                 <p:cNvPr id="26" name="TextBox 25">
                   <a:extLst>
                     <a:ext uri="{FF2B5EF4-FFF2-40B4-BE49-F238E27FC236}">
-                      <a16:creationId xmlns:a16="http://schemas.microsoft.com/office/drawing/2014/main" id="{A3E4A3E1-503D-475A-A204-B497210B4F4F}"/>
+                      <a16:creationId xmlns:a16="http://schemas.microsoft.com/office/drawing/2014/main" xmlns="" id="{A3E4A3E1-503D-475A-A204-B497210B4F4F}"/>
                     </a:ext>
                   </a:extLst>
                 </p:cNvPr>
@@ -16686,7 +16690,7 @@
                 <p:cNvPr id="27" name="TextBox 26">
                   <a:extLst>
                     <a:ext uri="{FF2B5EF4-FFF2-40B4-BE49-F238E27FC236}">
-                      <a16:creationId xmlns:a16="http://schemas.microsoft.com/office/drawing/2014/main" id="{8B004057-D721-4ED4-BA4F-159B6846ED9A}"/>
+                      <a16:creationId xmlns:a16="http://schemas.microsoft.com/office/drawing/2014/main" xmlns="" id="{8B004057-D721-4ED4-BA4F-159B6846ED9A}"/>
                     </a:ext>
                   </a:extLst>
                 </p:cNvPr>
@@ -16798,7 +16802,7 @@
                 <p:cNvPr id="28" name="TextBox 27">
                   <a:extLst>
                     <a:ext uri="{FF2B5EF4-FFF2-40B4-BE49-F238E27FC236}">
-                      <a16:creationId xmlns:a16="http://schemas.microsoft.com/office/drawing/2014/main" id="{A8CACF44-D32B-436C-99D5-25E60554201E}"/>
+                      <a16:creationId xmlns:a16="http://schemas.microsoft.com/office/drawing/2014/main" xmlns="" id="{A8CACF44-D32B-436C-99D5-25E60554201E}"/>
                     </a:ext>
                   </a:extLst>
                 </p:cNvPr>
@@ -16910,7 +16914,7 @@
                 <p:cNvPr id="29" name="TextBox 28">
                   <a:extLst>
                     <a:ext uri="{FF2B5EF4-FFF2-40B4-BE49-F238E27FC236}">
-                      <a16:creationId xmlns:a16="http://schemas.microsoft.com/office/drawing/2014/main" id="{81D98759-8EA6-43B7-B76C-B3BE28D38B6E}"/>
+                      <a16:creationId xmlns:a16="http://schemas.microsoft.com/office/drawing/2014/main" xmlns="" id="{81D98759-8EA6-43B7-B76C-B3BE28D38B6E}"/>
                     </a:ext>
                   </a:extLst>
                 </p:cNvPr>
@@ -17022,7 +17026,7 @@
                 <p:cNvPr id="30" name="TextBox 29">
                   <a:extLst>
                     <a:ext uri="{FF2B5EF4-FFF2-40B4-BE49-F238E27FC236}">
-                      <a16:creationId xmlns:a16="http://schemas.microsoft.com/office/drawing/2014/main" id="{4695F57A-8EAE-492C-BF6E-A0B241727043}"/>
+                      <a16:creationId xmlns:a16="http://schemas.microsoft.com/office/drawing/2014/main" xmlns="" id="{4695F57A-8EAE-492C-BF6E-A0B241727043}"/>
                     </a:ext>
                   </a:extLst>
                 </p:cNvPr>
@@ -17134,7 +17138,7 @@
                 <p:cNvPr id="31" name="TextBox 30">
                   <a:extLst>
                     <a:ext uri="{FF2B5EF4-FFF2-40B4-BE49-F238E27FC236}">
-                      <a16:creationId xmlns:a16="http://schemas.microsoft.com/office/drawing/2014/main" id="{9ACCAE13-5541-47FB-A962-0EF42C830511}"/>
+                      <a16:creationId xmlns:a16="http://schemas.microsoft.com/office/drawing/2014/main" xmlns="" id="{9ACCAE13-5541-47FB-A962-0EF42C830511}"/>
                     </a:ext>
                   </a:extLst>
                 </p:cNvPr>
@@ -17246,7 +17250,7 @@
                 <p:cNvPr id="32" name="TextBox 31">
                   <a:extLst>
                     <a:ext uri="{FF2B5EF4-FFF2-40B4-BE49-F238E27FC236}">
-                      <a16:creationId xmlns:a16="http://schemas.microsoft.com/office/drawing/2014/main" id="{E57F020B-0171-498C-B018-032A7F9AFD77}"/>
+                      <a16:creationId xmlns:a16="http://schemas.microsoft.com/office/drawing/2014/main" xmlns="" id="{E57F020B-0171-498C-B018-032A7F9AFD77}"/>
                     </a:ext>
                   </a:extLst>
                 </p:cNvPr>
@@ -17462,7 +17466,7 @@
                 <p:cNvPr id="33" name="TextBox 32">
                   <a:extLst>
                     <a:ext uri="{FF2B5EF4-FFF2-40B4-BE49-F238E27FC236}">
-                      <a16:creationId xmlns:a16="http://schemas.microsoft.com/office/drawing/2014/main" id="{A8430141-5C2F-4C59-8DF0-695CAA853AD5}"/>
+                      <a16:creationId xmlns:a16="http://schemas.microsoft.com/office/drawing/2014/main" xmlns="" id="{A8430141-5C2F-4C59-8DF0-695CAA853AD5}"/>
                     </a:ext>
                   </a:extLst>
                 </p:cNvPr>
@@ -17678,7 +17682,7 @@
                 <p:cNvPr id="34" name="TextBox 33">
                   <a:extLst>
                     <a:ext uri="{FF2B5EF4-FFF2-40B4-BE49-F238E27FC236}">
-                      <a16:creationId xmlns:a16="http://schemas.microsoft.com/office/drawing/2014/main" id="{9924D7B8-D6F1-45FA-B064-7EE937E57340}"/>
+                      <a16:creationId xmlns:a16="http://schemas.microsoft.com/office/drawing/2014/main" xmlns="" id="{9924D7B8-D6F1-45FA-B064-7EE937E57340}"/>
                     </a:ext>
                   </a:extLst>
                 </p:cNvPr>
@@ -17893,7 +17897,7 @@
           <p:cNvPr id="35" name="직사각형 34">
             <a:extLst>
               <a:ext uri="{FF2B5EF4-FFF2-40B4-BE49-F238E27FC236}">
-                <a16:creationId xmlns:a16="http://schemas.microsoft.com/office/drawing/2014/main" id="{25B4505C-D5C6-404B-8655-067893E1D824}"/>
+                <a16:creationId xmlns:a16="http://schemas.microsoft.com/office/drawing/2014/main" xmlns="" id="{25B4505C-D5C6-404B-8655-067893E1D824}"/>
               </a:ext>
             </a:extLst>
           </p:cNvPr>
@@ -17947,7 +17951,7 @@
               <p:cNvPr id="36" name="TextBox 35">
                 <a:extLst>
                   <a:ext uri="{FF2B5EF4-FFF2-40B4-BE49-F238E27FC236}">
-                    <a16:creationId xmlns:a16="http://schemas.microsoft.com/office/drawing/2014/main" id="{289E0A24-6180-4F10-9C47-01A5F01AE296}"/>
+                    <a16:creationId xmlns:a16="http://schemas.microsoft.com/office/drawing/2014/main" xmlns="" id="{289E0A24-6180-4F10-9C47-01A5F01AE296}"/>
                   </a:ext>
                 </a:extLst>
               </p:cNvPr>
@@ -18085,7 +18089,7 @@
               <p:cNvPr id="37" name="TextBox 36">
                 <a:extLst>
                   <a:ext uri="{FF2B5EF4-FFF2-40B4-BE49-F238E27FC236}">
-                    <a16:creationId xmlns:a16="http://schemas.microsoft.com/office/drawing/2014/main" id="{CAD44D63-08EF-4497-9626-9004FD99E777}"/>
+                    <a16:creationId xmlns:a16="http://schemas.microsoft.com/office/drawing/2014/main" xmlns="" id="{CAD44D63-08EF-4497-9626-9004FD99E777}"/>
                   </a:ext>
                 </a:extLst>
               </p:cNvPr>
@@ -18496,7 +18500,7 @@
               <p:cNvPr id="38" name="TextBox 37">
                 <a:extLst>
                   <a:ext uri="{FF2B5EF4-FFF2-40B4-BE49-F238E27FC236}">
-                    <a16:creationId xmlns:a16="http://schemas.microsoft.com/office/drawing/2014/main" id="{32EC1A40-9E82-46EF-B5A3-97928D3A4604}"/>
+                    <a16:creationId xmlns:a16="http://schemas.microsoft.com/office/drawing/2014/main" xmlns="" id="{32EC1A40-9E82-46EF-B5A3-97928D3A4604}"/>
                   </a:ext>
                 </a:extLst>
               </p:cNvPr>
@@ -18751,7 +18755,7 @@
               <p:cNvPr id="40" name="TextBox 39">
                 <a:extLst>
                   <a:ext uri="{FF2B5EF4-FFF2-40B4-BE49-F238E27FC236}">
-                    <a16:creationId xmlns:a16="http://schemas.microsoft.com/office/drawing/2014/main" id="{BAD81711-285F-4464-B1A6-56380A8FBDB0}"/>
+                    <a16:creationId xmlns:a16="http://schemas.microsoft.com/office/drawing/2014/main" xmlns="" id="{BAD81711-285F-4464-B1A6-56380A8FBDB0}"/>
                   </a:ext>
                 </a:extLst>
               </p:cNvPr>
@@ -18973,7 +18977,7 @@
               <p:cNvPr id="41" name="TextBox 40">
                 <a:extLst>
                   <a:ext uri="{FF2B5EF4-FFF2-40B4-BE49-F238E27FC236}">
-                    <a16:creationId xmlns:a16="http://schemas.microsoft.com/office/drawing/2014/main" id="{D6AB77B9-4671-4989-9555-045C09B544BE}"/>
+                    <a16:creationId xmlns:a16="http://schemas.microsoft.com/office/drawing/2014/main" xmlns="" id="{D6AB77B9-4671-4989-9555-045C09B544BE}"/>
                   </a:ext>
                 </a:extLst>
               </p:cNvPr>
@@ -19190,7 +19194,7 @@
           <p:cNvPr id="42" name="직선 화살표 연결선 41">
             <a:extLst>
               <a:ext uri="{FF2B5EF4-FFF2-40B4-BE49-F238E27FC236}">
-                <a16:creationId xmlns:a16="http://schemas.microsoft.com/office/drawing/2014/main" id="{BD6E1FE5-424F-4241-B260-F9ACC6A6B967}"/>
+                <a16:creationId xmlns:a16="http://schemas.microsoft.com/office/drawing/2014/main" xmlns="" id="{BD6E1FE5-424F-4241-B260-F9ACC6A6B967}"/>
               </a:ext>
             </a:extLst>
           </p:cNvPr>
@@ -19231,7 +19235,7 @@
           <p:cNvPr id="43" name="직선 화살표 연결선 42">
             <a:extLst>
               <a:ext uri="{FF2B5EF4-FFF2-40B4-BE49-F238E27FC236}">
-                <a16:creationId xmlns:a16="http://schemas.microsoft.com/office/drawing/2014/main" id="{264BCC54-9310-4339-96BE-98A19763FEAE}"/>
+                <a16:creationId xmlns:a16="http://schemas.microsoft.com/office/drawing/2014/main" xmlns="" id="{264BCC54-9310-4339-96BE-98A19763FEAE}"/>
               </a:ext>
             </a:extLst>
           </p:cNvPr>
@@ -19302,7 +19306,7 @@
           <p:cNvPr id="2" name="제목 1">
             <a:extLst>
               <a:ext uri="{FF2B5EF4-FFF2-40B4-BE49-F238E27FC236}">
-                <a16:creationId xmlns:a16="http://schemas.microsoft.com/office/drawing/2014/main" id="{B9EA8FDA-427B-4E4C-A761-14866B0722C1}"/>
+                <a16:creationId xmlns:a16="http://schemas.microsoft.com/office/drawing/2014/main" xmlns="" id="{B9EA8FDA-427B-4E4C-A761-14866B0722C1}"/>
               </a:ext>
             </a:extLst>
           </p:cNvPr>
@@ -19342,7 +19346,7 @@
           <p:cNvPr id="6" name="직선 연결선 5">
             <a:extLst>
               <a:ext uri="{FF2B5EF4-FFF2-40B4-BE49-F238E27FC236}">
-                <a16:creationId xmlns:a16="http://schemas.microsoft.com/office/drawing/2014/main" id="{C29DD9E8-09D5-4581-B2E2-DBF3DF507241}"/>
+                <a16:creationId xmlns:a16="http://schemas.microsoft.com/office/drawing/2014/main" xmlns="" id="{C29DD9E8-09D5-4581-B2E2-DBF3DF507241}"/>
               </a:ext>
             </a:extLst>
           </p:cNvPr>
@@ -19382,7 +19386,7 @@
           <p:cNvPr id="3" name="그룹 2">
             <a:extLst>
               <a:ext uri="{FF2B5EF4-FFF2-40B4-BE49-F238E27FC236}">
-                <a16:creationId xmlns:a16="http://schemas.microsoft.com/office/drawing/2014/main" id="{4939EB57-58DA-4524-A396-21310C65AB4B}"/>
+                <a16:creationId xmlns:a16="http://schemas.microsoft.com/office/drawing/2014/main" xmlns="" id="{4939EB57-58DA-4524-A396-21310C65AB4B}"/>
               </a:ext>
             </a:extLst>
           </p:cNvPr>
@@ -19402,7 +19406,7 @@
             <p:cNvPr id="4" name="타원 3">
               <a:extLst>
                 <a:ext uri="{FF2B5EF4-FFF2-40B4-BE49-F238E27FC236}">
-                  <a16:creationId xmlns:a16="http://schemas.microsoft.com/office/drawing/2014/main" id="{518F263D-3CC7-434A-A3EA-1DF7239D0970}"/>
+                  <a16:creationId xmlns:a16="http://schemas.microsoft.com/office/drawing/2014/main" xmlns="" id="{518F263D-3CC7-434A-A3EA-1DF7239D0970}"/>
                 </a:ext>
               </a:extLst>
             </p:cNvPr>
@@ -19454,7 +19458,7 @@
             <p:cNvPr id="5" name="타원 4">
               <a:extLst>
                 <a:ext uri="{FF2B5EF4-FFF2-40B4-BE49-F238E27FC236}">
-                  <a16:creationId xmlns:a16="http://schemas.microsoft.com/office/drawing/2014/main" id="{6C49B5C5-6166-464D-8408-59902C07C4A5}"/>
+                  <a16:creationId xmlns:a16="http://schemas.microsoft.com/office/drawing/2014/main" xmlns="" id="{6C49B5C5-6166-464D-8408-59902C07C4A5}"/>
                 </a:ext>
               </a:extLst>
             </p:cNvPr>
@@ -19506,7 +19510,7 @@
             <p:cNvPr id="7" name="타원 6">
               <a:extLst>
                 <a:ext uri="{FF2B5EF4-FFF2-40B4-BE49-F238E27FC236}">
-                  <a16:creationId xmlns:a16="http://schemas.microsoft.com/office/drawing/2014/main" id="{FD8BADFF-5D72-44CB-84FC-B7F649274D67}"/>
+                  <a16:creationId xmlns:a16="http://schemas.microsoft.com/office/drawing/2014/main" xmlns="" id="{FD8BADFF-5D72-44CB-84FC-B7F649274D67}"/>
                 </a:ext>
               </a:extLst>
             </p:cNvPr>
@@ -19558,7 +19562,7 @@
             <p:cNvPr id="8" name="직선 화살표 연결선 7">
               <a:extLst>
                 <a:ext uri="{FF2B5EF4-FFF2-40B4-BE49-F238E27FC236}">
-                  <a16:creationId xmlns:a16="http://schemas.microsoft.com/office/drawing/2014/main" id="{233B9792-BD37-4B4A-9E24-AF4B96CA02BC}"/>
+                  <a16:creationId xmlns:a16="http://schemas.microsoft.com/office/drawing/2014/main" xmlns="" id="{233B9792-BD37-4B4A-9E24-AF4B96CA02BC}"/>
                 </a:ext>
               </a:extLst>
             </p:cNvPr>
@@ -19600,7 +19604,7 @@
             <p:cNvPr id="9" name="직선 화살표 연결선 8">
               <a:extLst>
                 <a:ext uri="{FF2B5EF4-FFF2-40B4-BE49-F238E27FC236}">
-                  <a16:creationId xmlns:a16="http://schemas.microsoft.com/office/drawing/2014/main" id="{AC09BF3A-7034-4DB7-B174-850B1A5402F5}"/>
+                  <a16:creationId xmlns:a16="http://schemas.microsoft.com/office/drawing/2014/main" xmlns="" id="{AC09BF3A-7034-4DB7-B174-850B1A5402F5}"/>
                 </a:ext>
               </a:extLst>
             </p:cNvPr>
@@ -19643,7 +19647,7 @@
             <p:cNvPr id="10" name="직선 화살표 연결선 9">
               <a:extLst>
                 <a:ext uri="{FF2B5EF4-FFF2-40B4-BE49-F238E27FC236}">
-                  <a16:creationId xmlns:a16="http://schemas.microsoft.com/office/drawing/2014/main" id="{6F738113-66D5-4F4C-825F-048751CD5579}"/>
+                  <a16:creationId xmlns:a16="http://schemas.microsoft.com/office/drawing/2014/main" xmlns="" id="{6F738113-66D5-4F4C-825F-048751CD5579}"/>
                 </a:ext>
               </a:extLst>
             </p:cNvPr>
@@ -19686,7 +19690,7 @@
             <p:cNvPr id="11" name="직선 화살표 연결선 10">
               <a:extLst>
                 <a:ext uri="{FF2B5EF4-FFF2-40B4-BE49-F238E27FC236}">
-                  <a16:creationId xmlns:a16="http://schemas.microsoft.com/office/drawing/2014/main" id="{BF9C1434-FF92-4AAE-957C-82E23E35D05C}"/>
+                  <a16:creationId xmlns:a16="http://schemas.microsoft.com/office/drawing/2014/main" xmlns="" id="{BF9C1434-FF92-4AAE-957C-82E23E35D05C}"/>
                 </a:ext>
               </a:extLst>
             </p:cNvPr>
@@ -19728,7 +19732,7 @@
             <p:cNvPr id="12" name="직선 화살표 연결선 11">
               <a:extLst>
                 <a:ext uri="{FF2B5EF4-FFF2-40B4-BE49-F238E27FC236}">
-                  <a16:creationId xmlns:a16="http://schemas.microsoft.com/office/drawing/2014/main" id="{EC98EA50-634A-4B48-B321-8633371AA7AE}"/>
+                  <a16:creationId xmlns:a16="http://schemas.microsoft.com/office/drawing/2014/main" xmlns="" id="{EC98EA50-634A-4B48-B321-8633371AA7AE}"/>
                 </a:ext>
               </a:extLst>
             </p:cNvPr>
@@ -19770,7 +19774,7 @@
             <p:cNvPr id="13" name="직선 화살표 연결선 12">
               <a:extLst>
                 <a:ext uri="{FF2B5EF4-FFF2-40B4-BE49-F238E27FC236}">
-                  <a16:creationId xmlns:a16="http://schemas.microsoft.com/office/drawing/2014/main" id="{956962A4-D193-4BDA-84D9-E91C53621241}"/>
+                  <a16:creationId xmlns:a16="http://schemas.microsoft.com/office/drawing/2014/main" xmlns="" id="{956962A4-D193-4BDA-84D9-E91C53621241}"/>
                 </a:ext>
               </a:extLst>
             </p:cNvPr>
@@ -19812,7 +19816,7 @@
             <p:cNvPr id="14" name="직선 화살표 연결선 13">
               <a:extLst>
                 <a:ext uri="{FF2B5EF4-FFF2-40B4-BE49-F238E27FC236}">
-                  <a16:creationId xmlns:a16="http://schemas.microsoft.com/office/drawing/2014/main" id="{CE4918D0-DAA1-442E-AB18-F6BA5597A734}"/>
+                  <a16:creationId xmlns:a16="http://schemas.microsoft.com/office/drawing/2014/main" xmlns="" id="{CE4918D0-DAA1-442E-AB18-F6BA5597A734}"/>
                 </a:ext>
               </a:extLst>
             </p:cNvPr>
@@ -19854,7 +19858,7 @@
             <p:cNvPr id="15" name="직선 화살표 연결선 14">
               <a:extLst>
                 <a:ext uri="{FF2B5EF4-FFF2-40B4-BE49-F238E27FC236}">
-                  <a16:creationId xmlns:a16="http://schemas.microsoft.com/office/drawing/2014/main" id="{32C60B5E-8D1D-4CCF-8ACE-322BB670988F}"/>
+                  <a16:creationId xmlns:a16="http://schemas.microsoft.com/office/drawing/2014/main" xmlns="" id="{32C60B5E-8D1D-4CCF-8ACE-322BB670988F}"/>
                 </a:ext>
               </a:extLst>
             </p:cNvPr>
@@ -19896,7 +19900,7 @@
             <p:cNvPr id="16" name="직선 화살표 연결선 15">
               <a:extLst>
                 <a:ext uri="{FF2B5EF4-FFF2-40B4-BE49-F238E27FC236}">
-                  <a16:creationId xmlns:a16="http://schemas.microsoft.com/office/drawing/2014/main" id="{6349EE7C-F06F-4AF1-B8FE-45456EB98053}"/>
+                  <a16:creationId xmlns:a16="http://schemas.microsoft.com/office/drawing/2014/main" xmlns="" id="{6349EE7C-F06F-4AF1-B8FE-45456EB98053}"/>
                 </a:ext>
               </a:extLst>
             </p:cNvPr>
@@ -19940,7 +19944,7 @@
                 <p:cNvPr id="17" name="TextBox 16">
                   <a:extLst>
                     <a:ext uri="{FF2B5EF4-FFF2-40B4-BE49-F238E27FC236}">
-                      <a16:creationId xmlns:a16="http://schemas.microsoft.com/office/drawing/2014/main" id="{D85728A1-709B-4978-8C22-41D6B694F4C3}"/>
+                      <a16:creationId xmlns:a16="http://schemas.microsoft.com/office/drawing/2014/main" xmlns="" id="{D85728A1-709B-4978-8C22-41D6B694F4C3}"/>
                     </a:ext>
                   </a:extLst>
                 </p:cNvPr>
@@ -20052,7 +20056,7 @@
                 <p:cNvPr id="18" name="TextBox 17">
                   <a:extLst>
                     <a:ext uri="{FF2B5EF4-FFF2-40B4-BE49-F238E27FC236}">
-                      <a16:creationId xmlns:a16="http://schemas.microsoft.com/office/drawing/2014/main" id="{B4437447-1972-4CCD-B6B1-C2494F0EA825}"/>
+                      <a16:creationId xmlns:a16="http://schemas.microsoft.com/office/drawing/2014/main" xmlns="" id="{B4437447-1972-4CCD-B6B1-C2494F0EA825}"/>
                     </a:ext>
                   </a:extLst>
                 </p:cNvPr>
@@ -20164,7 +20168,7 @@
                 <p:cNvPr id="19" name="TextBox 18">
                   <a:extLst>
                     <a:ext uri="{FF2B5EF4-FFF2-40B4-BE49-F238E27FC236}">
-                      <a16:creationId xmlns:a16="http://schemas.microsoft.com/office/drawing/2014/main" id="{4A916330-8E8C-462A-8A16-D8B98C718B6B}"/>
+                      <a16:creationId xmlns:a16="http://schemas.microsoft.com/office/drawing/2014/main" xmlns="" id="{4A916330-8E8C-462A-8A16-D8B98C718B6B}"/>
                     </a:ext>
                   </a:extLst>
                 </p:cNvPr>
@@ -20276,7 +20280,7 @@
                 <p:cNvPr id="20" name="TextBox 19">
                   <a:extLst>
                     <a:ext uri="{FF2B5EF4-FFF2-40B4-BE49-F238E27FC236}">
-                      <a16:creationId xmlns:a16="http://schemas.microsoft.com/office/drawing/2014/main" id="{12D1F63F-7123-424F-8D39-F441A31AD517}"/>
+                      <a16:creationId xmlns:a16="http://schemas.microsoft.com/office/drawing/2014/main" xmlns="" id="{12D1F63F-7123-424F-8D39-F441A31AD517}"/>
                     </a:ext>
                   </a:extLst>
                 </p:cNvPr>
@@ -20391,7 +20395,7 @@
                 <p:cNvPr id="21" name="TextBox 20">
                   <a:extLst>
                     <a:ext uri="{FF2B5EF4-FFF2-40B4-BE49-F238E27FC236}">
-                      <a16:creationId xmlns:a16="http://schemas.microsoft.com/office/drawing/2014/main" id="{66D52D7C-7BA9-4AD4-B629-96F55B35CB61}"/>
+                      <a16:creationId xmlns:a16="http://schemas.microsoft.com/office/drawing/2014/main" xmlns="" id="{66D52D7C-7BA9-4AD4-B629-96F55B35CB61}"/>
                     </a:ext>
                   </a:extLst>
                 </p:cNvPr>
@@ -20506,7 +20510,7 @@
                 <p:cNvPr id="22" name="TextBox 21">
                   <a:extLst>
                     <a:ext uri="{FF2B5EF4-FFF2-40B4-BE49-F238E27FC236}">
-                      <a16:creationId xmlns:a16="http://schemas.microsoft.com/office/drawing/2014/main" id="{9D5D56CD-26CA-48E4-954E-953E28E1B228}"/>
+                      <a16:creationId xmlns:a16="http://schemas.microsoft.com/office/drawing/2014/main" xmlns="" id="{9D5D56CD-26CA-48E4-954E-953E28E1B228}"/>
                     </a:ext>
                   </a:extLst>
                 </p:cNvPr>
@@ -20621,7 +20625,7 @@
                 <p:cNvPr id="23" name="TextBox 22">
                   <a:extLst>
                     <a:ext uri="{FF2B5EF4-FFF2-40B4-BE49-F238E27FC236}">
-                      <a16:creationId xmlns:a16="http://schemas.microsoft.com/office/drawing/2014/main" id="{36991ABD-14C9-4D34-AD20-20F6C478A4CE}"/>
+                      <a16:creationId xmlns:a16="http://schemas.microsoft.com/office/drawing/2014/main" xmlns="" id="{36991ABD-14C9-4D34-AD20-20F6C478A4CE}"/>
                     </a:ext>
                   </a:extLst>
                 </p:cNvPr>
@@ -20733,7 +20737,7 @@
                 <p:cNvPr id="24" name="TextBox 23">
                   <a:extLst>
                     <a:ext uri="{FF2B5EF4-FFF2-40B4-BE49-F238E27FC236}">
-                      <a16:creationId xmlns:a16="http://schemas.microsoft.com/office/drawing/2014/main" id="{894C7365-57EF-4C5B-B515-CDA118D52614}"/>
+                      <a16:creationId xmlns:a16="http://schemas.microsoft.com/office/drawing/2014/main" xmlns="" id="{894C7365-57EF-4C5B-B515-CDA118D52614}"/>
                     </a:ext>
                   </a:extLst>
                 </p:cNvPr>
@@ -20845,7 +20849,7 @@
                 <p:cNvPr id="25" name="TextBox 24">
                   <a:extLst>
                     <a:ext uri="{FF2B5EF4-FFF2-40B4-BE49-F238E27FC236}">
-                      <a16:creationId xmlns:a16="http://schemas.microsoft.com/office/drawing/2014/main" id="{E0ABADAB-68DB-4880-ABDB-BDC4BF31DB41}"/>
+                      <a16:creationId xmlns:a16="http://schemas.microsoft.com/office/drawing/2014/main" xmlns="" id="{E0ABADAB-68DB-4880-ABDB-BDC4BF31DB41}"/>
                     </a:ext>
                   </a:extLst>
                 </p:cNvPr>
@@ -20957,7 +20961,7 @@
                 <p:cNvPr id="26" name="TextBox 25">
                   <a:extLst>
                     <a:ext uri="{FF2B5EF4-FFF2-40B4-BE49-F238E27FC236}">
-                      <a16:creationId xmlns:a16="http://schemas.microsoft.com/office/drawing/2014/main" id="{A3E4A3E1-503D-475A-A204-B497210B4F4F}"/>
+                      <a16:creationId xmlns:a16="http://schemas.microsoft.com/office/drawing/2014/main" xmlns="" id="{A3E4A3E1-503D-475A-A204-B497210B4F4F}"/>
                     </a:ext>
                   </a:extLst>
                 </p:cNvPr>
@@ -21069,7 +21073,7 @@
                 <p:cNvPr id="27" name="TextBox 26">
                   <a:extLst>
                     <a:ext uri="{FF2B5EF4-FFF2-40B4-BE49-F238E27FC236}">
-                      <a16:creationId xmlns:a16="http://schemas.microsoft.com/office/drawing/2014/main" id="{8B004057-D721-4ED4-BA4F-159B6846ED9A}"/>
+                      <a16:creationId xmlns:a16="http://schemas.microsoft.com/office/drawing/2014/main" xmlns="" id="{8B004057-D721-4ED4-BA4F-159B6846ED9A}"/>
                     </a:ext>
                   </a:extLst>
                 </p:cNvPr>
@@ -21181,7 +21185,7 @@
                 <p:cNvPr id="28" name="TextBox 27">
                   <a:extLst>
                     <a:ext uri="{FF2B5EF4-FFF2-40B4-BE49-F238E27FC236}">
-                      <a16:creationId xmlns:a16="http://schemas.microsoft.com/office/drawing/2014/main" id="{A8CACF44-D32B-436C-99D5-25E60554201E}"/>
+                      <a16:creationId xmlns:a16="http://schemas.microsoft.com/office/drawing/2014/main" xmlns="" id="{A8CACF44-D32B-436C-99D5-25E60554201E}"/>
                     </a:ext>
                   </a:extLst>
                 </p:cNvPr>
@@ -21293,7 +21297,7 @@
                 <p:cNvPr id="29" name="TextBox 28">
                   <a:extLst>
                     <a:ext uri="{FF2B5EF4-FFF2-40B4-BE49-F238E27FC236}">
-                      <a16:creationId xmlns:a16="http://schemas.microsoft.com/office/drawing/2014/main" id="{81D98759-8EA6-43B7-B76C-B3BE28D38B6E}"/>
+                      <a16:creationId xmlns:a16="http://schemas.microsoft.com/office/drawing/2014/main" xmlns="" id="{81D98759-8EA6-43B7-B76C-B3BE28D38B6E}"/>
                     </a:ext>
                   </a:extLst>
                 </p:cNvPr>
@@ -21405,7 +21409,7 @@
                 <p:cNvPr id="30" name="TextBox 29">
                   <a:extLst>
                     <a:ext uri="{FF2B5EF4-FFF2-40B4-BE49-F238E27FC236}">
-                      <a16:creationId xmlns:a16="http://schemas.microsoft.com/office/drawing/2014/main" id="{4695F57A-8EAE-492C-BF6E-A0B241727043}"/>
+                      <a16:creationId xmlns:a16="http://schemas.microsoft.com/office/drawing/2014/main" xmlns="" id="{4695F57A-8EAE-492C-BF6E-A0B241727043}"/>
                     </a:ext>
                   </a:extLst>
                 </p:cNvPr>
@@ -21517,7 +21521,7 @@
                 <p:cNvPr id="31" name="TextBox 30">
                   <a:extLst>
                     <a:ext uri="{FF2B5EF4-FFF2-40B4-BE49-F238E27FC236}">
-                      <a16:creationId xmlns:a16="http://schemas.microsoft.com/office/drawing/2014/main" id="{9ACCAE13-5541-47FB-A962-0EF42C830511}"/>
+                      <a16:creationId xmlns:a16="http://schemas.microsoft.com/office/drawing/2014/main" xmlns="" id="{9ACCAE13-5541-47FB-A962-0EF42C830511}"/>
                     </a:ext>
                   </a:extLst>
                 </p:cNvPr>
@@ -21629,7 +21633,7 @@
                 <p:cNvPr id="32" name="TextBox 31">
                   <a:extLst>
                     <a:ext uri="{FF2B5EF4-FFF2-40B4-BE49-F238E27FC236}">
-                      <a16:creationId xmlns:a16="http://schemas.microsoft.com/office/drawing/2014/main" id="{E57F020B-0171-498C-B018-032A7F9AFD77}"/>
+                      <a16:creationId xmlns:a16="http://schemas.microsoft.com/office/drawing/2014/main" xmlns="" id="{E57F020B-0171-498C-B018-032A7F9AFD77}"/>
                     </a:ext>
                   </a:extLst>
                 </p:cNvPr>
@@ -21845,7 +21849,7 @@
                 <p:cNvPr id="33" name="TextBox 32">
                   <a:extLst>
                     <a:ext uri="{FF2B5EF4-FFF2-40B4-BE49-F238E27FC236}">
-                      <a16:creationId xmlns:a16="http://schemas.microsoft.com/office/drawing/2014/main" id="{A8430141-5C2F-4C59-8DF0-695CAA853AD5}"/>
+                      <a16:creationId xmlns:a16="http://schemas.microsoft.com/office/drawing/2014/main" xmlns="" id="{A8430141-5C2F-4C59-8DF0-695CAA853AD5}"/>
                     </a:ext>
                   </a:extLst>
                 </p:cNvPr>
@@ -22061,7 +22065,7 @@
                 <p:cNvPr id="34" name="TextBox 33">
                   <a:extLst>
                     <a:ext uri="{FF2B5EF4-FFF2-40B4-BE49-F238E27FC236}">
-                      <a16:creationId xmlns:a16="http://schemas.microsoft.com/office/drawing/2014/main" id="{9924D7B8-D6F1-45FA-B064-7EE937E57340}"/>
+                      <a16:creationId xmlns:a16="http://schemas.microsoft.com/office/drawing/2014/main" xmlns="" id="{9924D7B8-D6F1-45FA-B064-7EE937E57340}"/>
                     </a:ext>
                   </a:extLst>
                 </p:cNvPr>
@@ -22276,7 +22280,7 @@
           <p:cNvPr id="35" name="직사각형 34">
             <a:extLst>
               <a:ext uri="{FF2B5EF4-FFF2-40B4-BE49-F238E27FC236}">
-                <a16:creationId xmlns:a16="http://schemas.microsoft.com/office/drawing/2014/main" id="{25B4505C-D5C6-404B-8655-067893E1D824}"/>
+                <a16:creationId xmlns:a16="http://schemas.microsoft.com/office/drawing/2014/main" xmlns="" id="{25B4505C-D5C6-404B-8655-067893E1D824}"/>
               </a:ext>
             </a:extLst>
           </p:cNvPr>
@@ -22330,7 +22334,7 @@
               <p:cNvPr id="36" name="TextBox 35">
                 <a:extLst>
                   <a:ext uri="{FF2B5EF4-FFF2-40B4-BE49-F238E27FC236}">
-                    <a16:creationId xmlns:a16="http://schemas.microsoft.com/office/drawing/2014/main" id="{289E0A24-6180-4F10-9C47-01A5F01AE296}"/>
+                    <a16:creationId xmlns:a16="http://schemas.microsoft.com/office/drawing/2014/main" xmlns="" id="{289E0A24-6180-4F10-9C47-01A5F01AE296}"/>
                   </a:ext>
                 </a:extLst>
               </p:cNvPr>
@@ -22468,7 +22472,7 @@
               <p:cNvPr id="37" name="TextBox 36">
                 <a:extLst>
                   <a:ext uri="{FF2B5EF4-FFF2-40B4-BE49-F238E27FC236}">
-                    <a16:creationId xmlns:a16="http://schemas.microsoft.com/office/drawing/2014/main" id="{CAD44D63-08EF-4497-9626-9004FD99E777}"/>
+                    <a16:creationId xmlns:a16="http://schemas.microsoft.com/office/drawing/2014/main" xmlns="" id="{CAD44D63-08EF-4497-9626-9004FD99E777}"/>
                   </a:ext>
                 </a:extLst>
               </p:cNvPr>
@@ -22879,7 +22883,7 @@
               <p:cNvPr id="39" name="TextBox 38">
                 <a:extLst>
                   <a:ext uri="{FF2B5EF4-FFF2-40B4-BE49-F238E27FC236}">
-                    <a16:creationId xmlns:a16="http://schemas.microsoft.com/office/drawing/2014/main" id="{D3610C97-86FF-43E7-BB00-6D7606311D6F}"/>
+                    <a16:creationId xmlns:a16="http://schemas.microsoft.com/office/drawing/2014/main" xmlns="" id="{D3610C97-86FF-43E7-BB00-6D7606311D6F}"/>
                   </a:ext>
                 </a:extLst>
               </p:cNvPr>
@@ -23282,7 +23286,7 @@
           <p:cNvPr id="40" name="TextBox 39">
             <a:extLst>
               <a:ext uri="{FF2B5EF4-FFF2-40B4-BE49-F238E27FC236}">
-                <a16:creationId xmlns:a16="http://schemas.microsoft.com/office/drawing/2014/main" id="{7CB6233F-1ACF-41DE-84D9-E4B4D1E9F191}"/>
+                <a16:creationId xmlns:a16="http://schemas.microsoft.com/office/drawing/2014/main" xmlns="" id="{7CB6233F-1ACF-41DE-84D9-E4B4D1E9F191}"/>
               </a:ext>
             </a:extLst>
           </p:cNvPr>
@@ -23320,7 +23324,7 @@
               <p:cNvPr id="41" name="TextBox 40">
                 <a:extLst>
                   <a:ext uri="{FF2B5EF4-FFF2-40B4-BE49-F238E27FC236}">
-                    <a16:creationId xmlns:a16="http://schemas.microsoft.com/office/drawing/2014/main" id="{A29F29FF-5053-4371-9F45-F00B3B8C5F2D}"/>
+                    <a16:creationId xmlns:a16="http://schemas.microsoft.com/office/drawing/2014/main" xmlns="" id="{A29F29FF-5053-4371-9F45-F00B3B8C5F2D}"/>
                   </a:ext>
                 </a:extLst>
               </p:cNvPr>
@@ -23534,7 +23538,7 @@
           <p:cNvPr id="42" name="직선 화살표 연결선 41">
             <a:extLst>
               <a:ext uri="{FF2B5EF4-FFF2-40B4-BE49-F238E27FC236}">
-                <a16:creationId xmlns:a16="http://schemas.microsoft.com/office/drawing/2014/main" id="{21BD420E-9F9B-4B16-B47A-56394E6138C1}"/>
+                <a16:creationId xmlns:a16="http://schemas.microsoft.com/office/drawing/2014/main" xmlns="" id="{21BD420E-9F9B-4B16-B47A-56394E6138C1}"/>
               </a:ext>
             </a:extLst>
           </p:cNvPr>
@@ -23577,7 +23581,7 @@
               <p:cNvPr id="43" name="TextBox 42">
                 <a:extLst>
                   <a:ext uri="{FF2B5EF4-FFF2-40B4-BE49-F238E27FC236}">
-                    <a16:creationId xmlns:a16="http://schemas.microsoft.com/office/drawing/2014/main" id="{F6EAA6C4-CD40-49E0-99C4-08105A123E69}"/>
+                    <a16:creationId xmlns:a16="http://schemas.microsoft.com/office/drawing/2014/main" xmlns="" id="{F6EAA6C4-CD40-49E0-99C4-08105A123E69}"/>
                   </a:ext>
                 </a:extLst>
               </p:cNvPr>
@@ -23791,7 +23795,7 @@
           <p:cNvPr id="44" name="직선 화살표 연결선 43">
             <a:extLst>
               <a:ext uri="{FF2B5EF4-FFF2-40B4-BE49-F238E27FC236}">
-                <a16:creationId xmlns:a16="http://schemas.microsoft.com/office/drawing/2014/main" id="{B4848A8E-F277-45CF-90BD-8E7E784F0279}"/>
+                <a16:creationId xmlns:a16="http://schemas.microsoft.com/office/drawing/2014/main" xmlns="" id="{B4848A8E-F277-45CF-90BD-8E7E784F0279}"/>
               </a:ext>
             </a:extLst>
           </p:cNvPr>
@@ -23862,7 +23866,7 @@
           <p:cNvPr id="2" name="제목 1">
             <a:extLst>
               <a:ext uri="{FF2B5EF4-FFF2-40B4-BE49-F238E27FC236}">
-                <a16:creationId xmlns:a16="http://schemas.microsoft.com/office/drawing/2014/main" id="{B9EA8FDA-427B-4E4C-A761-14866B0722C1}"/>
+                <a16:creationId xmlns:a16="http://schemas.microsoft.com/office/drawing/2014/main" xmlns="" id="{B9EA8FDA-427B-4E4C-A761-14866B0722C1}"/>
               </a:ext>
             </a:extLst>
           </p:cNvPr>
@@ -23902,7 +23906,7 @@
           <p:cNvPr id="6" name="직선 연결선 5">
             <a:extLst>
               <a:ext uri="{FF2B5EF4-FFF2-40B4-BE49-F238E27FC236}">
-                <a16:creationId xmlns:a16="http://schemas.microsoft.com/office/drawing/2014/main" id="{C29DD9E8-09D5-4581-B2E2-DBF3DF507241}"/>
+                <a16:creationId xmlns:a16="http://schemas.microsoft.com/office/drawing/2014/main" xmlns="" id="{C29DD9E8-09D5-4581-B2E2-DBF3DF507241}"/>
               </a:ext>
             </a:extLst>
           </p:cNvPr>
@@ -23942,7 +23946,7 @@
           <p:cNvPr id="3" name="그룹 2">
             <a:extLst>
               <a:ext uri="{FF2B5EF4-FFF2-40B4-BE49-F238E27FC236}">
-                <a16:creationId xmlns:a16="http://schemas.microsoft.com/office/drawing/2014/main" id="{4939EB57-58DA-4524-A396-21310C65AB4B}"/>
+                <a16:creationId xmlns:a16="http://schemas.microsoft.com/office/drawing/2014/main" xmlns="" id="{4939EB57-58DA-4524-A396-21310C65AB4B}"/>
               </a:ext>
             </a:extLst>
           </p:cNvPr>
@@ -23962,7 +23966,7 @@
             <p:cNvPr id="4" name="타원 3">
               <a:extLst>
                 <a:ext uri="{FF2B5EF4-FFF2-40B4-BE49-F238E27FC236}">
-                  <a16:creationId xmlns:a16="http://schemas.microsoft.com/office/drawing/2014/main" id="{518F263D-3CC7-434A-A3EA-1DF7239D0970}"/>
+                  <a16:creationId xmlns:a16="http://schemas.microsoft.com/office/drawing/2014/main" xmlns="" id="{518F263D-3CC7-434A-A3EA-1DF7239D0970}"/>
                 </a:ext>
               </a:extLst>
             </p:cNvPr>
@@ -24014,7 +24018,7 @@
             <p:cNvPr id="5" name="타원 4">
               <a:extLst>
                 <a:ext uri="{FF2B5EF4-FFF2-40B4-BE49-F238E27FC236}">
-                  <a16:creationId xmlns:a16="http://schemas.microsoft.com/office/drawing/2014/main" id="{6C49B5C5-6166-464D-8408-59902C07C4A5}"/>
+                  <a16:creationId xmlns:a16="http://schemas.microsoft.com/office/drawing/2014/main" xmlns="" id="{6C49B5C5-6166-464D-8408-59902C07C4A5}"/>
                 </a:ext>
               </a:extLst>
             </p:cNvPr>
@@ -24066,7 +24070,7 @@
             <p:cNvPr id="7" name="타원 6">
               <a:extLst>
                 <a:ext uri="{FF2B5EF4-FFF2-40B4-BE49-F238E27FC236}">
-                  <a16:creationId xmlns:a16="http://schemas.microsoft.com/office/drawing/2014/main" id="{FD8BADFF-5D72-44CB-84FC-B7F649274D67}"/>
+                  <a16:creationId xmlns:a16="http://schemas.microsoft.com/office/drawing/2014/main" xmlns="" id="{FD8BADFF-5D72-44CB-84FC-B7F649274D67}"/>
                 </a:ext>
               </a:extLst>
             </p:cNvPr>
@@ -24118,7 +24122,7 @@
             <p:cNvPr id="8" name="직선 화살표 연결선 7">
               <a:extLst>
                 <a:ext uri="{FF2B5EF4-FFF2-40B4-BE49-F238E27FC236}">
-                  <a16:creationId xmlns:a16="http://schemas.microsoft.com/office/drawing/2014/main" id="{233B9792-BD37-4B4A-9E24-AF4B96CA02BC}"/>
+                  <a16:creationId xmlns:a16="http://schemas.microsoft.com/office/drawing/2014/main" xmlns="" id="{233B9792-BD37-4B4A-9E24-AF4B96CA02BC}"/>
                 </a:ext>
               </a:extLst>
             </p:cNvPr>
@@ -24160,7 +24164,7 @@
             <p:cNvPr id="9" name="직선 화살표 연결선 8">
               <a:extLst>
                 <a:ext uri="{FF2B5EF4-FFF2-40B4-BE49-F238E27FC236}">
-                  <a16:creationId xmlns:a16="http://schemas.microsoft.com/office/drawing/2014/main" id="{AC09BF3A-7034-4DB7-B174-850B1A5402F5}"/>
+                  <a16:creationId xmlns:a16="http://schemas.microsoft.com/office/drawing/2014/main" xmlns="" id="{AC09BF3A-7034-4DB7-B174-850B1A5402F5}"/>
                 </a:ext>
               </a:extLst>
             </p:cNvPr>
@@ -24203,7 +24207,7 @@
             <p:cNvPr id="10" name="직선 화살표 연결선 9">
               <a:extLst>
                 <a:ext uri="{FF2B5EF4-FFF2-40B4-BE49-F238E27FC236}">
-                  <a16:creationId xmlns:a16="http://schemas.microsoft.com/office/drawing/2014/main" id="{6F738113-66D5-4F4C-825F-048751CD5579}"/>
+                  <a16:creationId xmlns:a16="http://schemas.microsoft.com/office/drawing/2014/main" xmlns="" id="{6F738113-66D5-4F4C-825F-048751CD5579}"/>
                 </a:ext>
               </a:extLst>
             </p:cNvPr>
@@ -24246,7 +24250,7 @@
             <p:cNvPr id="11" name="직선 화살표 연결선 10">
               <a:extLst>
                 <a:ext uri="{FF2B5EF4-FFF2-40B4-BE49-F238E27FC236}">
-                  <a16:creationId xmlns:a16="http://schemas.microsoft.com/office/drawing/2014/main" id="{BF9C1434-FF92-4AAE-957C-82E23E35D05C}"/>
+                  <a16:creationId xmlns:a16="http://schemas.microsoft.com/office/drawing/2014/main" xmlns="" id="{BF9C1434-FF92-4AAE-957C-82E23E35D05C}"/>
                 </a:ext>
               </a:extLst>
             </p:cNvPr>
@@ -24288,7 +24292,7 @@
             <p:cNvPr id="12" name="직선 화살표 연결선 11">
               <a:extLst>
                 <a:ext uri="{FF2B5EF4-FFF2-40B4-BE49-F238E27FC236}">
-                  <a16:creationId xmlns:a16="http://schemas.microsoft.com/office/drawing/2014/main" id="{EC98EA50-634A-4B48-B321-8633371AA7AE}"/>
+                  <a16:creationId xmlns:a16="http://schemas.microsoft.com/office/drawing/2014/main" xmlns="" id="{EC98EA50-634A-4B48-B321-8633371AA7AE}"/>
                 </a:ext>
               </a:extLst>
             </p:cNvPr>
@@ -24330,7 +24334,7 @@
             <p:cNvPr id="13" name="직선 화살표 연결선 12">
               <a:extLst>
                 <a:ext uri="{FF2B5EF4-FFF2-40B4-BE49-F238E27FC236}">
-                  <a16:creationId xmlns:a16="http://schemas.microsoft.com/office/drawing/2014/main" id="{956962A4-D193-4BDA-84D9-E91C53621241}"/>
+                  <a16:creationId xmlns:a16="http://schemas.microsoft.com/office/drawing/2014/main" xmlns="" id="{956962A4-D193-4BDA-84D9-E91C53621241}"/>
                 </a:ext>
               </a:extLst>
             </p:cNvPr>
@@ -24372,7 +24376,7 @@
             <p:cNvPr id="14" name="직선 화살표 연결선 13">
               <a:extLst>
                 <a:ext uri="{FF2B5EF4-FFF2-40B4-BE49-F238E27FC236}">
-                  <a16:creationId xmlns:a16="http://schemas.microsoft.com/office/drawing/2014/main" id="{CE4918D0-DAA1-442E-AB18-F6BA5597A734}"/>
+                  <a16:creationId xmlns:a16="http://schemas.microsoft.com/office/drawing/2014/main" xmlns="" id="{CE4918D0-DAA1-442E-AB18-F6BA5597A734}"/>
                 </a:ext>
               </a:extLst>
             </p:cNvPr>
@@ -24414,7 +24418,7 @@
             <p:cNvPr id="15" name="직선 화살표 연결선 14">
               <a:extLst>
                 <a:ext uri="{FF2B5EF4-FFF2-40B4-BE49-F238E27FC236}">
-                  <a16:creationId xmlns:a16="http://schemas.microsoft.com/office/drawing/2014/main" id="{32C60B5E-8D1D-4CCF-8ACE-322BB670988F}"/>
+                  <a16:creationId xmlns:a16="http://schemas.microsoft.com/office/drawing/2014/main" xmlns="" id="{32C60B5E-8D1D-4CCF-8ACE-322BB670988F}"/>
                 </a:ext>
               </a:extLst>
             </p:cNvPr>
@@ -24456,7 +24460,7 @@
             <p:cNvPr id="16" name="직선 화살표 연결선 15">
               <a:extLst>
                 <a:ext uri="{FF2B5EF4-FFF2-40B4-BE49-F238E27FC236}">
-                  <a16:creationId xmlns:a16="http://schemas.microsoft.com/office/drawing/2014/main" id="{6349EE7C-F06F-4AF1-B8FE-45456EB98053}"/>
+                  <a16:creationId xmlns:a16="http://schemas.microsoft.com/office/drawing/2014/main" xmlns="" id="{6349EE7C-F06F-4AF1-B8FE-45456EB98053}"/>
                 </a:ext>
               </a:extLst>
             </p:cNvPr>
@@ -24500,7 +24504,7 @@
                 <p:cNvPr id="17" name="TextBox 16">
                   <a:extLst>
                     <a:ext uri="{FF2B5EF4-FFF2-40B4-BE49-F238E27FC236}">
-                      <a16:creationId xmlns:a16="http://schemas.microsoft.com/office/drawing/2014/main" id="{D85728A1-709B-4978-8C22-41D6B694F4C3}"/>
+                      <a16:creationId xmlns:a16="http://schemas.microsoft.com/office/drawing/2014/main" xmlns="" id="{D85728A1-709B-4978-8C22-41D6B694F4C3}"/>
                     </a:ext>
                   </a:extLst>
                 </p:cNvPr>
@@ -24612,7 +24616,7 @@
                 <p:cNvPr id="18" name="TextBox 17">
                   <a:extLst>
                     <a:ext uri="{FF2B5EF4-FFF2-40B4-BE49-F238E27FC236}">
-                      <a16:creationId xmlns:a16="http://schemas.microsoft.com/office/drawing/2014/main" id="{B4437447-1972-4CCD-B6B1-C2494F0EA825}"/>
+                      <a16:creationId xmlns:a16="http://schemas.microsoft.com/office/drawing/2014/main" xmlns="" id="{B4437447-1972-4CCD-B6B1-C2494F0EA825}"/>
                     </a:ext>
                   </a:extLst>
                 </p:cNvPr>
@@ -24724,7 +24728,7 @@
                 <p:cNvPr id="19" name="TextBox 18">
                   <a:extLst>
                     <a:ext uri="{FF2B5EF4-FFF2-40B4-BE49-F238E27FC236}">
-                      <a16:creationId xmlns:a16="http://schemas.microsoft.com/office/drawing/2014/main" id="{4A916330-8E8C-462A-8A16-D8B98C718B6B}"/>
+                      <a16:creationId xmlns:a16="http://schemas.microsoft.com/office/drawing/2014/main" xmlns="" id="{4A916330-8E8C-462A-8A16-D8B98C718B6B}"/>
                     </a:ext>
                   </a:extLst>
                 </p:cNvPr>
@@ -24836,7 +24840,7 @@
                 <p:cNvPr id="20" name="TextBox 19">
                   <a:extLst>
                     <a:ext uri="{FF2B5EF4-FFF2-40B4-BE49-F238E27FC236}">
-                      <a16:creationId xmlns:a16="http://schemas.microsoft.com/office/drawing/2014/main" id="{12D1F63F-7123-424F-8D39-F441A31AD517}"/>
+                      <a16:creationId xmlns:a16="http://schemas.microsoft.com/office/drawing/2014/main" xmlns="" id="{12D1F63F-7123-424F-8D39-F441A31AD517}"/>
                     </a:ext>
                   </a:extLst>
                 </p:cNvPr>
@@ -24951,7 +24955,7 @@
                 <p:cNvPr id="21" name="TextBox 20">
                   <a:extLst>
                     <a:ext uri="{FF2B5EF4-FFF2-40B4-BE49-F238E27FC236}">
-                      <a16:creationId xmlns:a16="http://schemas.microsoft.com/office/drawing/2014/main" id="{66D52D7C-7BA9-4AD4-B629-96F55B35CB61}"/>
+                      <a16:creationId xmlns:a16="http://schemas.microsoft.com/office/drawing/2014/main" xmlns="" id="{66D52D7C-7BA9-4AD4-B629-96F55B35CB61}"/>
                     </a:ext>
                   </a:extLst>
                 </p:cNvPr>
@@ -25066,7 +25070,7 @@
                 <p:cNvPr id="22" name="TextBox 21">
                   <a:extLst>
                     <a:ext uri="{FF2B5EF4-FFF2-40B4-BE49-F238E27FC236}">
-                      <a16:creationId xmlns:a16="http://schemas.microsoft.com/office/drawing/2014/main" id="{9D5D56CD-26CA-48E4-954E-953E28E1B228}"/>
+                      <a16:creationId xmlns:a16="http://schemas.microsoft.com/office/drawing/2014/main" xmlns="" id="{9D5D56CD-26CA-48E4-954E-953E28E1B228}"/>
                     </a:ext>
                   </a:extLst>
                 </p:cNvPr>
@@ -25181,7 +25185,7 @@
                 <p:cNvPr id="23" name="TextBox 22">
                   <a:extLst>
                     <a:ext uri="{FF2B5EF4-FFF2-40B4-BE49-F238E27FC236}">
-                      <a16:creationId xmlns:a16="http://schemas.microsoft.com/office/drawing/2014/main" id="{36991ABD-14C9-4D34-AD20-20F6C478A4CE}"/>
+                      <a16:creationId xmlns:a16="http://schemas.microsoft.com/office/drawing/2014/main" xmlns="" id="{36991ABD-14C9-4D34-AD20-20F6C478A4CE}"/>
                     </a:ext>
                   </a:extLst>
                 </p:cNvPr>
@@ -25293,7 +25297,7 @@
                 <p:cNvPr id="24" name="TextBox 23">
                   <a:extLst>
                     <a:ext uri="{FF2B5EF4-FFF2-40B4-BE49-F238E27FC236}">
-                      <a16:creationId xmlns:a16="http://schemas.microsoft.com/office/drawing/2014/main" id="{894C7365-57EF-4C5B-B515-CDA118D52614}"/>
+                      <a16:creationId xmlns:a16="http://schemas.microsoft.com/office/drawing/2014/main" xmlns="" id="{894C7365-57EF-4C5B-B515-CDA118D52614}"/>
                     </a:ext>
                   </a:extLst>
                 </p:cNvPr>
@@ -25405,7 +25409,7 @@
                 <p:cNvPr id="25" name="TextBox 24">
                   <a:extLst>
                     <a:ext uri="{FF2B5EF4-FFF2-40B4-BE49-F238E27FC236}">
-                      <a16:creationId xmlns:a16="http://schemas.microsoft.com/office/drawing/2014/main" id="{E0ABADAB-68DB-4880-ABDB-BDC4BF31DB41}"/>
+                      <a16:creationId xmlns:a16="http://schemas.microsoft.com/office/drawing/2014/main" xmlns="" id="{E0ABADAB-68DB-4880-ABDB-BDC4BF31DB41}"/>
                     </a:ext>
                   </a:extLst>
                 </p:cNvPr>
@@ -25517,7 +25521,7 @@
                 <p:cNvPr id="26" name="TextBox 25">
                   <a:extLst>
                     <a:ext uri="{FF2B5EF4-FFF2-40B4-BE49-F238E27FC236}">
-                      <a16:creationId xmlns:a16="http://schemas.microsoft.com/office/drawing/2014/main" id="{A3E4A3E1-503D-475A-A204-B497210B4F4F}"/>
+                      <a16:creationId xmlns:a16="http://schemas.microsoft.com/office/drawing/2014/main" xmlns="" id="{A3E4A3E1-503D-475A-A204-B497210B4F4F}"/>
                     </a:ext>
                   </a:extLst>
                 </p:cNvPr>
@@ -25629,7 +25633,7 @@
                 <p:cNvPr id="27" name="TextBox 26">
                   <a:extLst>
                     <a:ext uri="{FF2B5EF4-FFF2-40B4-BE49-F238E27FC236}">
-                      <a16:creationId xmlns:a16="http://schemas.microsoft.com/office/drawing/2014/main" id="{8B004057-D721-4ED4-BA4F-159B6846ED9A}"/>
+                      <a16:creationId xmlns:a16="http://schemas.microsoft.com/office/drawing/2014/main" xmlns="" id="{8B004057-D721-4ED4-BA4F-159B6846ED9A}"/>
                     </a:ext>
                   </a:extLst>
                 </p:cNvPr>
@@ -25741,7 +25745,7 @@
                 <p:cNvPr id="28" name="TextBox 27">
                   <a:extLst>
                     <a:ext uri="{FF2B5EF4-FFF2-40B4-BE49-F238E27FC236}">
-                      <a16:creationId xmlns:a16="http://schemas.microsoft.com/office/drawing/2014/main" id="{A8CACF44-D32B-436C-99D5-25E60554201E}"/>
+                      <a16:creationId xmlns:a16="http://schemas.microsoft.com/office/drawing/2014/main" xmlns="" id="{A8CACF44-D32B-436C-99D5-25E60554201E}"/>
                     </a:ext>
                   </a:extLst>
                 </p:cNvPr>
@@ -25853,7 +25857,7 @@
                 <p:cNvPr id="29" name="TextBox 28">
                   <a:extLst>
                     <a:ext uri="{FF2B5EF4-FFF2-40B4-BE49-F238E27FC236}">
-                      <a16:creationId xmlns:a16="http://schemas.microsoft.com/office/drawing/2014/main" id="{81D98759-8EA6-43B7-B76C-B3BE28D38B6E}"/>
+                      <a16:creationId xmlns:a16="http://schemas.microsoft.com/office/drawing/2014/main" xmlns="" id="{81D98759-8EA6-43B7-B76C-B3BE28D38B6E}"/>
                     </a:ext>
                   </a:extLst>
                 </p:cNvPr>
@@ -25965,7 +25969,7 @@
                 <p:cNvPr id="30" name="TextBox 29">
                   <a:extLst>
                     <a:ext uri="{FF2B5EF4-FFF2-40B4-BE49-F238E27FC236}">
-                      <a16:creationId xmlns:a16="http://schemas.microsoft.com/office/drawing/2014/main" id="{4695F57A-8EAE-492C-BF6E-A0B241727043}"/>
+                      <a16:creationId xmlns:a16="http://schemas.microsoft.com/office/drawing/2014/main" xmlns="" id="{4695F57A-8EAE-492C-BF6E-A0B241727043}"/>
                     </a:ext>
                   </a:extLst>
                 </p:cNvPr>
@@ -26077,7 +26081,7 @@
                 <p:cNvPr id="31" name="TextBox 30">
                   <a:extLst>
                     <a:ext uri="{FF2B5EF4-FFF2-40B4-BE49-F238E27FC236}">
-                      <a16:creationId xmlns:a16="http://schemas.microsoft.com/office/drawing/2014/main" id="{9ACCAE13-5541-47FB-A962-0EF42C830511}"/>
+                      <a16:creationId xmlns:a16="http://schemas.microsoft.com/office/drawing/2014/main" xmlns="" id="{9ACCAE13-5541-47FB-A962-0EF42C830511}"/>
                     </a:ext>
                   </a:extLst>
                 </p:cNvPr>
@@ -26189,7 +26193,7 @@
                 <p:cNvPr id="32" name="TextBox 31">
                   <a:extLst>
                     <a:ext uri="{FF2B5EF4-FFF2-40B4-BE49-F238E27FC236}">
-                      <a16:creationId xmlns:a16="http://schemas.microsoft.com/office/drawing/2014/main" id="{E57F020B-0171-498C-B018-032A7F9AFD77}"/>
+                      <a16:creationId xmlns:a16="http://schemas.microsoft.com/office/drawing/2014/main" xmlns="" id="{E57F020B-0171-498C-B018-032A7F9AFD77}"/>
                     </a:ext>
                   </a:extLst>
                 </p:cNvPr>
@@ -26405,7 +26409,7 @@
                 <p:cNvPr id="33" name="TextBox 32">
                   <a:extLst>
                     <a:ext uri="{FF2B5EF4-FFF2-40B4-BE49-F238E27FC236}">
-                      <a16:creationId xmlns:a16="http://schemas.microsoft.com/office/drawing/2014/main" id="{A8430141-5C2F-4C59-8DF0-695CAA853AD5}"/>
+                      <a16:creationId xmlns:a16="http://schemas.microsoft.com/office/drawing/2014/main" xmlns="" id="{A8430141-5C2F-4C59-8DF0-695CAA853AD5}"/>
                     </a:ext>
                   </a:extLst>
                 </p:cNvPr>
@@ -26621,7 +26625,7 @@
                 <p:cNvPr id="34" name="TextBox 33">
                   <a:extLst>
                     <a:ext uri="{FF2B5EF4-FFF2-40B4-BE49-F238E27FC236}">
-                      <a16:creationId xmlns:a16="http://schemas.microsoft.com/office/drawing/2014/main" id="{9924D7B8-D6F1-45FA-B064-7EE937E57340}"/>
+                      <a16:creationId xmlns:a16="http://schemas.microsoft.com/office/drawing/2014/main" xmlns="" id="{9924D7B8-D6F1-45FA-B064-7EE937E57340}"/>
                     </a:ext>
                   </a:extLst>
                 </p:cNvPr>
@@ -26836,7 +26840,7 @@
           <p:cNvPr id="35" name="직사각형 34">
             <a:extLst>
               <a:ext uri="{FF2B5EF4-FFF2-40B4-BE49-F238E27FC236}">
-                <a16:creationId xmlns:a16="http://schemas.microsoft.com/office/drawing/2014/main" id="{25B4505C-D5C6-404B-8655-067893E1D824}"/>
+                <a16:creationId xmlns:a16="http://schemas.microsoft.com/office/drawing/2014/main" xmlns="" id="{25B4505C-D5C6-404B-8655-067893E1D824}"/>
               </a:ext>
             </a:extLst>
           </p:cNvPr>
@@ -26890,7 +26894,7 @@
               <p:cNvPr id="36" name="TextBox 35">
                 <a:extLst>
                   <a:ext uri="{FF2B5EF4-FFF2-40B4-BE49-F238E27FC236}">
-                    <a16:creationId xmlns:a16="http://schemas.microsoft.com/office/drawing/2014/main" id="{289E0A24-6180-4F10-9C47-01A5F01AE296}"/>
+                    <a16:creationId xmlns:a16="http://schemas.microsoft.com/office/drawing/2014/main" xmlns="" id="{289E0A24-6180-4F10-9C47-01A5F01AE296}"/>
                   </a:ext>
                 </a:extLst>
               </p:cNvPr>
@@ -27028,7 +27032,7 @@
               <p:cNvPr id="37" name="TextBox 36">
                 <a:extLst>
                   <a:ext uri="{FF2B5EF4-FFF2-40B4-BE49-F238E27FC236}">
-                    <a16:creationId xmlns:a16="http://schemas.microsoft.com/office/drawing/2014/main" id="{CAD44D63-08EF-4497-9626-9004FD99E777}"/>
+                    <a16:creationId xmlns:a16="http://schemas.microsoft.com/office/drawing/2014/main" xmlns="" id="{CAD44D63-08EF-4497-9626-9004FD99E777}"/>
                   </a:ext>
                 </a:extLst>
               </p:cNvPr>
@@ -27439,7 +27443,7 @@
               <p:cNvPr id="39" name="TextBox 38">
                 <a:extLst>
                   <a:ext uri="{FF2B5EF4-FFF2-40B4-BE49-F238E27FC236}">
-                    <a16:creationId xmlns:a16="http://schemas.microsoft.com/office/drawing/2014/main" id="{D3610C97-86FF-43E7-BB00-6D7606311D6F}"/>
+                    <a16:creationId xmlns:a16="http://schemas.microsoft.com/office/drawing/2014/main" xmlns="" id="{D3610C97-86FF-43E7-BB00-6D7606311D6F}"/>
                   </a:ext>
                 </a:extLst>
               </p:cNvPr>
@@ -27842,7 +27846,7 @@
           <p:cNvPr id="40" name="TextBox 39">
             <a:extLst>
               <a:ext uri="{FF2B5EF4-FFF2-40B4-BE49-F238E27FC236}">
-                <a16:creationId xmlns:a16="http://schemas.microsoft.com/office/drawing/2014/main" id="{7CB6233F-1ACF-41DE-84D9-E4B4D1E9F191}"/>
+                <a16:creationId xmlns:a16="http://schemas.microsoft.com/office/drawing/2014/main" xmlns="" id="{7CB6233F-1ACF-41DE-84D9-E4B4D1E9F191}"/>
               </a:ext>
             </a:extLst>
           </p:cNvPr>
@@ -27880,7 +27884,7 @@
               <p:cNvPr id="41" name="TextBox 40">
                 <a:extLst>
                   <a:ext uri="{FF2B5EF4-FFF2-40B4-BE49-F238E27FC236}">
-                    <a16:creationId xmlns:a16="http://schemas.microsoft.com/office/drawing/2014/main" id="{4261862D-A371-40D7-B785-F7D519EFE06B}"/>
+                    <a16:creationId xmlns:a16="http://schemas.microsoft.com/office/drawing/2014/main" xmlns="" id="{4261862D-A371-40D7-B785-F7D519EFE06B}"/>
                   </a:ext>
                 </a:extLst>
               </p:cNvPr>
@@ -28361,7 +28365,7 @@
           <p:cNvPr id="42" name="TextBox 41">
             <a:extLst>
               <a:ext uri="{FF2B5EF4-FFF2-40B4-BE49-F238E27FC236}">
-                <a16:creationId xmlns:a16="http://schemas.microsoft.com/office/drawing/2014/main" id="{69C9D4A5-C273-4F56-B850-60F3A369F946}"/>
+                <a16:creationId xmlns:a16="http://schemas.microsoft.com/office/drawing/2014/main" xmlns="" id="{69C9D4A5-C273-4F56-B850-60F3A369F946}"/>
               </a:ext>
             </a:extLst>
           </p:cNvPr>
@@ -28399,7 +28403,7 @@
               <p:cNvPr id="43" name="TextBox 42">
                 <a:extLst>
                   <a:ext uri="{FF2B5EF4-FFF2-40B4-BE49-F238E27FC236}">
-                    <a16:creationId xmlns:a16="http://schemas.microsoft.com/office/drawing/2014/main" id="{DFF0FA0F-DF6E-42B5-8DF4-60FE2C07517F}"/>
+                    <a16:creationId xmlns:a16="http://schemas.microsoft.com/office/drawing/2014/main" xmlns="" id="{DFF0FA0F-DF6E-42B5-8DF4-60FE2C07517F}"/>
                   </a:ext>
                 </a:extLst>
               </p:cNvPr>
@@ -28613,7 +28617,7 @@
           <p:cNvPr id="44" name="직선 화살표 연결선 43">
             <a:extLst>
               <a:ext uri="{FF2B5EF4-FFF2-40B4-BE49-F238E27FC236}">
-                <a16:creationId xmlns:a16="http://schemas.microsoft.com/office/drawing/2014/main" id="{CE4EC59A-FABD-42A4-8EBD-5FE4BC0072F0}"/>
+                <a16:creationId xmlns:a16="http://schemas.microsoft.com/office/drawing/2014/main" xmlns="" id="{CE4EC59A-FABD-42A4-8EBD-5FE4BC0072F0}"/>
               </a:ext>
             </a:extLst>
           </p:cNvPr>
@@ -28656,7 +28660,7 @@
               <p:cNvPr id="45" name="TextBox 44">
                 <a:extLst>
                   <a:ext uri="{FF2B5EF4-FFF2-40B4-BE49-F238E27FC236}">
-                    <a16:creationId xmlns:a16="http://schemas.microsoft.com/office/drawing/2014/main" id="{89541254-C2F7-4213-9ABB-29F97C89B621}"/>
+                    <a16:creationId xmlns:a16="http://schemas.microsoft.com/office/drawing/2014/main" xmlns="" id="{89541254-C2F7-4213-9ABB-29F97C89B621}"/>
                   </a:ext>
                 </a:extLst>
               </p:cNvPr>
@@ -28870,7 +28874,7 @@
           <p:cNvPr id="46" name="직선 화살표 연결선 45">
             <a:extLst>
               <a:ext uri="{FF2B5EF4-FFF2-40B4-BE49-F238E27FC236}">
-                <a16:creationId xmlns:a16="http://schemas.microsoft.com/office/drawing/2014/main" id="{89A114F6-2D53-48BB-B47D-B2B16856E3E0}"/>
+                <a16:creationId xmlns:a16="http://schemas.microsoft.com/office/drawing/2014/main" xmlns="" id="{89A114F6-2D53-48BB-B47D-B2B16856E3E0}"/>
               </a:ext>
             </a:extLst>
           </p:cNvPr>
@@ -28913,7 +28917,7 @@
               <p:cNvPr id="47" name="TextBox 46">
                 <a:extLst>
                   <a:ext uri="{FF2B5EF4-FFF2-40B4-BE49-F238E27FC236}">
-                    <a16:creationId xmlns:a16="http://schemas.microsoft.com/office/drawing/2014/main" id="{B453D871-BA7F-4844-8807-83FB2BCF85CD}"/>
+                    <a16:creationId xmlns:a16="http://schemas.microsoft.com/office/drawing/2014/main" xmlns="" id="{B453D871-BA7F-4844-8807-83FB2BCF85CD}"/>
                   </a:ext>
                 </a:extLst>
               </p:cNvPr>
@@ -29127,7 +29131,7 @@
           <p:cNvPr id="48" name="직선 화살표 연결선 47">
             <a:extLst>
               <a:ext uri="{FF2B5EF4-FFF2-40B4-BE49-F238E27FC236}">
-                <a16:creationId xmlns:a16="http://schemas.microsoft.com/office/drawing/2014/main" id="{2D8FCADD-A864-4140-A3A5-ED05FF1FF179}"/>
+                <a16:creationId xmlns:a16="http://schemas.microsoft.com/office/drawing/2014/main" xmlns="" id="{2D8FCADD-A864-4140-A3A5-ED05FF1FF179}"/>
               </a:ext>
             </a:extLst>
           </p:cNvPr>
@@ -29198,7 +29202,7 @@
           <p:cNvPr id="2" name="제목 1">
             <a:extLst>
               <a:ext uri="{FF2B5EF4-FFF2-40B4-BE49-F238E27FC236}">
-                <a16:creationId xmlns:a16="http://schemas.microsoft.com/office/drawing/2014/main" id="{B9EA8FDA-427B-4E4C-A761-14866B0722C1}"/>
+                <a16:creationId xmlns:a16="http://schemas.microsoft.com/office/drawing/2014/main" xmlns="" id="{B9EA8FDA-427B-4E4C-A761-14866B0722C1}"/>
               </a:ext>
             </a:extLst>
           </p:cNvPr>
@@ -29238,7 +29242,7 @@
           <p:cNvPr id="6" name="직선 연결선 5">
             <a:extLst>
               <a:ext uri="{FF2B5EF4-FFF2-40B4-BE49-F238E27FC236}">
-                <a16:creationId xmlns:a16="http://schemas.microsoft.com/office/drawing/2014/main" id="{C29DD9E8-09D5-4581-B2E2-DBF3DF507241}"/>
+                <a16:creationId xmlns:a16="http://schemas.microsoft.com/office/drawing/2014/main" xmlns="" id="{C29DD9E8-09D5-4581-B2E2-DBF3DF507241}"/>
               </a:ext>
             </a:extLst>
           </p:cNvPr>
@@ -29280,7 +29284,7 @@
               <p:cNvPr id="36" name="TextBox 35">
                 <a:extLst>
                   <a:ext uri="{FF2B5EF4-FFF2-40B4-BE49-F238E27FC236}">
-                    <a16:creationId xmlns:a16="http://schemas.microsoft.com/office/drawing/2014/main" id="{289E0A24-6180-4F10-9C47-01A5F01AE296}"/>
+                    <a16:creationId xmlns:a16="http://schemas.microsoft.com/office/drawing/2014/main" xmlns="" id="{289E0A24-6180-4F10-9C47-01A5F01AE296}"/>
                   </a:ext>
                 </a:extLst>
               </p:cNvPr>
@@ -29427,7 +29431,7 @@
               <p:cNvPr id="37" name="TextBox 36">
                 <a:extLst>
                   <a:ext uri="{FF2B5EF4-FFF2-40B4-BE49-F238E27FC236}">
-                    <a16:creationId xmlns:a16="http://schemas.microsoft.com/office/drawing/2014/main" id="{CAD44D63-08EF-4497-9626-9004FD99E777}"/>
+                    <a16:creationId xmlns:a16="http://schemas.microsoft.com/office/drawing/2014/main" xmlns="" id="{CAD44D63-08EF-4497-9626-9004FD99E777}"/>
                   </a:ext>
                 </a:extLst>
               </p:cNvPr>
@@ -30570,7 +30574,7 @@
               <p:cNvPr id="49" name="TextBox 48">
                 <a:extLst>
                   <a:ext uri="{FF2B5EF4-FFF2-40B4-BE49-F238E27FC236}">
-                    <a16:creationId xmlns:a16="http://schemas.microsoft.com/office/drawing/2014/main" id="{F03F7D3D-0362-42B3-A192-82EC3A2878EB}"/>
+                    <a16:creationId xmlns:a16="http://schemas.microsoft.com/office/drawing/2014/main" xmlns="" id="{F03F7D3D-0362-42B3-A192-82EC3A2878EB}"/>
                   </a:ext>
                 </a:extLst>
               </p:cNvPr>
@@ -31015,7 +31019,7 @@
               <p:cNvPr id="38" name="TextBox 37">
                 <a:extLst>
                   <a:ext uri="{FF2B5EF4-FFF2-40B4-BE49-F238E27FC236}">
-                    <a16:creationId xmlns:a16="http://schemas.microsoft.com/office/drawing/2014/main" id="{A7CE7189-6D3D-4C0D-A879-180A205D58D9}"/>
+                    <a16:creationId xmlns:a16="http://schemas.microsoft.com/office/drawing/2014/main" xmlns="" id="{A7CE7189-6D3D-4C0D-A879-180A205D58D9}"/>
                   </a:ext>
                 </a:extLst>
               </p:cNvPr>
@@ -31154,7 +31158,7 @@
               <p:cNvPr id="50" name="TextBox 49">
                 <a:extLst>
                   <a:ext uri="{FF2B5EF4-FFF2-40B4-BE49-F238E27FC236}">
-                    <a16:creationId xmlns:a16="http://schemas.microsoft.com/office/drawing/2014/main" id="{473B959A-468B-4C20-A1E8-5A83DCAFC329}"/>
+                    <a16:creationId xmlns:a16="http://schemas.microsoft.com/office/drawing/2014/main" xmlns="" id="{473B959A-468B-4C20-A1E8-5A83DCAFC329}"/>
                   </a:ext>
                 </a:extLst>
               </p:cNvPr>
@@ -31293,7 +31297,7 @@
               <p:cNvPr id="51" name="TextBox 50">
                 <a:extLst>
                   <a:ext uri="{FF2B5EF4-FFF2-40B4-BE49-F238E27FC236}">
-                    <a16:creationId xmlns:a16="http://schemas.microsoft.com/office/drawing/2014/main" id="{D00EC57E-5577-450A-A7F8-AD2FD8860B4E}"/>
+                    <a16:creationId xmlns:a16="http://schemas.microsoft.com/office/drawing/2014/main" xmlns="" id="{D00EC57E-5577-450A-A7F8-AD2FD8860B4E}"/>
                   </a:ext>
                 </a:extLst>
               </p:cNvPr>
@@ -31460,7 +31464,7 @@
           <p:cNvPr id="2" name="제목 1">
             <a:extLst>
               <a:ext uri="{FF2B5EF4-FFF2-40B4-BE49-F238E27FC236}">
-                <a16:creationId xmlns:a16="http://schemas.microsoft.com/office/drawing/2014/main" id="{B9EA8FDA-427B-4E4C-A761-14866B0722C1}"/>
+                <a16:creationId xmlns:a16="http://schemas.microsoft.com/office/drawing/2014/main" xmlns="" id="{B9EA8FDA-427B-4E4C-A761-14866B0722C1}"/>
               </a:ext>
             </a:extLst>
           </p:cNvPr>
@@ -31499,7 +31503,7 @@
           <p:cNvPr id="6" name="직선 연결선 5">
             <a:extLst>
               <a:ext uri="{FF2B5EF4-FFF2-40B4-BE49-F238E27FC236}">
-                <a16:creationId xmlns:a16="http://schemas.microsoft.com/office/drawing/2014/main" id="{C29DD9E8-09D5-4581-B2E2-DBF3DF507241}"/>
+                <a16:creationId xmlns:a16="http://schemas.microsoft.com/office/drawing/2014/main" xmlns="" id="{C29DD9E8-09D5-4581-B2E2-DBF3DF507241}"/>
               </a:ext>
             </a:extLst>
           </p:cNvPr>
@@ -31539,7 +31543,7 @@
           <p:cNvPr id="17" name="내용 개체 틀 4">
             <a:extLst>
               <a:ext uri="{FF2B5EF4-FFF2-40B4-BE49-F238E27FC236}">
-                <a16:creationId xmlns:a16="http://schemas.microsoft.com/office/drawing/2014/main" id="{5AF76B45-6F55-4CE3-BEDC-393E260C80EE}"/>
+                <a16:creationId xmlns:a16="http://schemas.microsoft.com/office/drawing/2014/main" xmlns="" id="{5AF76B45-6F55-4CE3-BEDC-393E260C80EE}"/>
               </a:ext>
             </a:extLst>
           </p:cNvPr>
@@ -31608,7 +31612,7 @@
           <p:cNvPr id="5122" name="Picture 2" descr="https://mblogthumb-phinf.pstatic.net/MjAxODA3MDJfMTA3/MDAxNTMwNTM3NDA5MzA4.XVdGLg1QMZm-7GbqMi-qzp1kJ3HTL0xQIJYFkGuGDY8g.AEf4MVfIILOCyFG9mdSisodq6NkltDIxG3moV34azRsg.PNG.magnking/image.png?type=w800">
             <a:extLst>
               <a:ext uri="{FF2B5EF4-FFF2-40B4-BE49-F238E27FC236}">
-                <a16:creationId xmlns:a16="http://schemas.microsoft.com/office/drawing/2014/main" id="{9689ADF9-7672-4DC2-A74D-9BFF265DFA99}"/>
+                <a16:creationId xmlns:a16="http://schemas.microsoft.com/office/drawing/2014/main" xmlns="" id="{9689ADF9-7672-4DC2-A74D-9BFF265DFA99}"/>
               </a:ext>
             </a:extLst>
           </p:cNvPr>
@@ -31685,7 +31689,7 @@
           <p:cNvPr id="2" name="제목 1">
             <a:extLst>
               <a:ext uri="{FF2B5EF4-FFF2-40B4-BE49-F238E27FC236}">
-                <a16:creationId xmlns:a16="http://schemas.microsoft.com/office/drawing/2014/main" id="{B9EA8FDA-427B-4E4C-A761-14866B0722C1}"/>
+                <a16:creationId xmlns:a16="http://schemas.microsoft.com/office/drawing/2014/main" xmlns="" id="{B9EA8FDA-427B-4E4C-A761-14866B0722C1}"/>
               </a:ext>
             </a:extLst>
           </p:cNvPr>
@@ -31724,7 +31728,7 @@
           <p:cNvPr id="6" name="직선 연결선 5">
             <a:extLst>
               <a:ext uri="{FF2B5EF4-FFF2-40B4-BE49-F238E27FC236}">
-                <a16:creationId xmlns:a16="http://schemas.microsoft.com/office/drawing/2014/main" id="{C29DD9E8-09D5-4581-B2E2-DBF3DF507241}"/>
+                <a16:creationId xmlns:a16="http://schemas.microsoft.com/office/drawing/2014/main" xmlns="" id="{C29DD9E8-09D5-4581-B2E2-DBF3DF507241}"/>
               </a:ext>
             </a:extLst>
           </p:cNvPr>
@@ -31764,7 +31768,7 @@
           <p:cNvPr id="17" name="내용 개체 틀 4">
             <a:extLst>
               <a:ext uri="{FF2B5EF4-FFF2-40B4-BE49-F238E27FC236}">
-                <a16:creationId xmlns:a16="http://schemas.microsoft.com/office/drawing/2014/main" id="{5AF76B45-6F55-4CE3-BEDC-393E260C80EE}"/>
+                <a16:creationId xmlns:a16="http://schemas.microsoft.com/office/drawing/2014/main" xmlns="" id="{5AF76B45-6F55-4CE3-BEDC-393E260C80EE}"/>
               </a:ext>
             </a:extLst>
           </p:cNvPr>
@@ -31833,7 +31837,7 @@
           <p:cNvPr id="7170" name="Picture 2" descr="https://mblogthumb-phinf.pstatic.net/MjAxODA3MDJfMTMg/MDAxNTMwNTM3NDM1MTcx.q8hgizrupUf8TNvE9kx8y4lU3fBtvZTdApDdv3TuHw4g.gHiZh9DYIge6ICj0mT23RfmdmuubK7ISf8jNCvs4AvQg.PNG.magnking/image.png?type=w800">
             <a:extLst>
               <a:ext uri="{FF2B5EF4-FFF2-40B4-BE49-F238E27FC236}">
-                <a16:creationId xmlns:a16="http://schemas.microsoft.com/office/drawing/2014/main" id="{B0B06B67-E3C4-4C7E-8780-FAEAB18995FC}"/>
+                <a16:creationId xmlns:a16="http://schemas.microsoft.com/office/drawing/2014/main" xmlns="" id="{B0B06B67-E3C4-4C7E-8780-FAEAB18995FC}"/>
               </a:ext>
             </a:extLst>
           </p:cNvPr>
@@ -31910,7 +31914,7 @@
           <p:cNvPr id="10" name="TextBox 9">
             <a:extLst>
               <a:ext uri="{FF2B5EF4-FFF2-40B4-BE49-F238E27FC236}">
-                <a16:creationId xmlns:a16="http://schemas.microsoft.com/office/drawing/2014/main" id="{05B6E184-E171-4109-8BF0-6D143ACF3953}"/>
+                <a16:creationId xmlns:a16="http://schemas.microsoft.com/office/drawing/2014/main" xmlns="" id="{05B6E184-E171-4109-8BF0-6D143ACF3953}"/>
               </a:ext>
             </a:extLst>
           </p:cNvPr>
@@ -31945,7 +31949,7 @@
           <p:cNvPr id="11" name="직사각형 10">
             <a:extLst>
               <a:ext uri="{FF2B5EF4-FFF2-40B4-BE49-F238E27FC236}">
-                <a16:creationId xmlns:a16="http://schemas.microsoft.com/office/drawing/2014/main" id="{36E09162-46E3-4F11-A301-91501E553534}"/>
+                <a16:creationId xmlns:a16="http://schemas.microsoft.com/office/drawing/2014/main" xmlns="" id="{36E09162-46E3-4F11-A301-91501E553534}"/>
               </a:ext>
             </a:extLst>
           </p:cNvPr>
@@ -31991,7 +31995,7 @@
           <p:cNvPr id="14" name="직사각형 13">
             <a:extLst>
               <a:ext uri="{FF2B5EF4-FFF2-40B4-BE49-F238E27FC236}">
-                <a16:creationId xmlns:a16="http://schemas.microsoft.com/office/drawing/2014/main" id="{56732E6D-0A8A-48EA-8200-DFB427036EA1}"/>
+                <a16:creationId xmlns:a16="http://schemas.microsoft.com/office/drawing/2014/main" xmlns="" id="{56732E6D-0A8A-48EA-8200-DFB427036EA1}"/>
               </a:ext>
             </a:extLst>
           </p:cNvPr>
@@ -32067,7 +32071,7 @@
           <p:cNvPr id="2" name="제목 1">
             <a:extLst>
               <a:ext uri="{FF2B5EF4-FFF2-40B4-BE49-F238E27FC236}">
-                <a16:creationId xmlns:a16="http://schemas.microsoft.com/office/drawing/2014/main" id="{B9EA8FDA-427B-4E4C-A761-14866B0722C1}"/>
+                <a16:creationId xmlns:a16="http://schemas.microsoft.com/office/drawing/2014/main" xmlns="" id="{B9EA8FDA-427B-4E4C-A761-14866B0722C1}"/>
               </a:ext>
             </a:extLst>
           </p:cNvPr>
@@ -32106,7 +32110,7 @@
           <p:cNvPr id="6" name="직선 연결선 5">
             <a:extLst>
               <a:ext uri="{FF2B5EF4-FFF2-40B4-BE49-F238E27FC236}">
-                <a16:creationId xmlns:a16="http://schemas.microsoft.com/office/drawing/2014/main" id="{C29DD9E8-09D5-4581-B2E2-DBF3DF507241}"/>
+                <a16:creationId xmlns:a16="http://schemas.microsoft.com/office/drawing/2014/main" xmlns="" id="{C29DD9E8-09D5-4581-B2E2-DBF3DF507241}"/>
               </a:ext>
             </a:extLst>
           </p:cNvPr>
@@ -32146,7 +32150,7 @@
           <p:cNvPr id="1026" name="Picture 2" descr="https://t1.daumcdn.net/cfile/tistory/99C0A53F5BD5F5C403">
             <a:extLst>
               <a:ext uri="{FF2B5EF4-FFF2-40B4-BE49-F238E27FC236}">
-                <a16:creationId xmlns:a16="http://schemas.microsoft.com/office/drawing/2014/main" id="{43F22D05-B049-480F-AEB3-A42749C40C96}"/>
+                <a16:creationId xmlns:a16="http://schemas.microsoft.com/office/drawing/2014/main" xmlns="" id="{43F22D05-B049-480F-AEB3-A42749C40C96}"/>
               </a:ext>
             </a:extLst>
           </p:cNvPr>
@@ -32223,7 +32227,7 @@
           <p:cNvPr id="2" name="제목 1">
             <a:extLst>
               <a:ext uri="{FF2B5EF4-FFF2-40B4-BE49-F238E27FC236}">
-                <a16:creationId xmlns:a16="http://schemas.microsoft.com/office/drawing/2014/main" id="{B9EA8FDA-427B-4E4C-A761-14866B0722C1}"/>
+                <a16:creationId xmlns:a16="http://schemas.microsoft.com/office/drawing/2014/main" xmlns="" id="{B9EA8FDA-427B-4E4C-A761-14866B0722C1}"/>
               </a:ext>
             </a:extLst>
           </p:cNvPr>
@@ -32259,7 +32263,7 @@
           <p:cNvPr id="6" name="직선 연결선 5">
             <a:extLst>
               <a:ext uri="{FF2B5EF4-FFF2-40B4-BE49-F238E27FC236}">
-                <a16:creationId xmlns:a16="http://schemas.microsoft.com/office/drawing/2014/main" id="{C29DD9E8-09D5-4581-B2E2-DBF3DF507241}"/>
+                <a16:creationId xmlns:a16="http://schemas.microsoft.com/office/drawing/2014/main" xmlns="" id="{C29DD9E8-09D5-4581-B2E2-DBF3DF507241}"/>
               </a:ext>
             </a:extLst>
           </p:cNvPr>
@@ -32299,7 +32303,7 @@
           <p:cNvPr id="4" name="내용 개체 틀 4">
             <a:extLst>
               <a:ext uri="{FF2B5EF4-FFF2-40B4-BE49-F238E27FC236}">
-                <a16:creationId xmlns:a16="http://schemas.microsoft.com/office/drawing/2014/main" id="{0057AEE3-2B21-441D-93A6-CD1AE6024BD4}"/>
+                <a16:creationId xmlns:a16="http://schemas.microsoft.com/office/drawing/2014/main" xmlns="" id="{0057AEE3-2B21-441D-93A6-CD1AE6024BD4}"/>
               </a:ext>
             </a:extLst>
           </p:cNvPr>
@@ -32366,7 +32370,7 @@
           <p:cNvPr id="2050" name="Picture 2" descr="https://t1.daumcdn.net/cfile/tistory/9905CF385BD5F5EC02">
             <a:extLst>
               <a:ext uri="{FF2B5EF4-FFF2-40B4-BE49-F238E27FC236}">
-                <a16:creationId xmlns:a16="http://schemas.microsoft.com/office/drawing/2014/main" id="{ED562CDA-D584-4CC2-83F2-470A23039978}"/>
+                <a16:creationId xmlns:a16="http://schemas.microsoft.com/office/drawing/2014/main" xmlns="" id="{ED562CDA-D584-4CC2-83F2-470A23039978}"/>
               </a:ext>
             </a:extLst>
           </p:cNvPr>
@@ -32443,7 +32447,7 @@
           <p:cNvPr id="2" name="제목 1">
             <a:extLst>
               <a:ext uri="{FF2B5EF4-FFF2-40B4-BE49-F238E27FC236}">
-                <a16:creationId xmlns:a16="http://schemas.microsoft.com/office/drawing/2014/main" id="{B9EA8FDA-427B-4E4C-A761-14866B0722C1}"/>
+                <a16:creationId xmlns:a16="http://schemas.microsoft.com/office/drawing/2014/main" xmlns="" id="{B9EA8FDA-427B-4E4C-A761-14866B0722C1}"/>
               </a:ext>
             </a:extLst>
           </p:cNvPr>
@@ -32479,7 +32483,7 @@
           <p:cNvPr id="6" name="직선 연결선 5">
             <a:extLst>
               <a:ext uri="{FF2B5EF4-FFF2-40B4-BE49-F238E27FC236}">
-                <a16:creationId xmlns:a16="http://schemas.microsoft.com/office/drawing/2014/main" id="{C29DD9E8-09D5-4581-B2E2-DBF3DF507241}"/>
+                <a16:creationId xmlns:a16="http://schemas.microsoft.com/office/drawing/2014/main" xmlns="" id="{C29DD9E8-09D5-4581-B2E2-DBF3DF507241}"/>
               </a:ext>
             </a:extLst>
           </p:cNvPr>
@@ -32519,7 +32523,7 @@
           <p:cNvPr id="3074" name="Picture 2" descr="https://mblogthumb-phinf.pstatic.net/MjAxODA3MDJfMjcw/MDAxNTMwNTM3NDg2Njkx.WLvvSnFUVrLjKS-UCRjZIZmmRtNMDHDcAMtucI2dMvMg.BtH_zZur_rUx4-hQ9l7iACXXJjJqKTgcSHkrK0GvoUkg.PNG.magnking/image.png?type=w800">
             <a:extLst>
               <a:ext uri="{FF2B5EF4-FFF2-40B4-BE49-F238E27FC236}">
-                <a16:creationId xmlns:a16="http://schemas.microsoft.com/office/drawing/2014/main" id="{E5A0C7BA-4758-4EE3-A68D-258C949AA9FB}"/>
+                <a16:creationId xmlns:a16="http://schemas.microsoft.com/office/drawing/2014/main" xmlns="" id="{E5A0C7BA-4758-4EE3-A68D-258C949AA9FB}"/>
               </a:ext>
             </a:extLst>
           </p:cNvPr>
@@ -32566,7 +32570,7 @@
           <p:cNvPr id="3076" name="Picture 4" descr="https://mblogthumb-phinf.pstatic.net/MjAxODA3MDJfMjEz/MDAxNTMwNTM3NTAwNzcz.rmr5knjfVk6bjQ6fIcPaqRpM4x84WoDEys_QeOFmTZkg.62b5E5Q2rQnUkSg8N_5C1z1e1tFNIRjuKJ-LdLpxNAog.PNG.magnking/image.png?type=w800">
             <a:extLst>
               <a:ext uri="{FF2B5EF4-FFF2-40B4-BE49-F238E27FC236}">
-                <a16:creationId xmlns:a16="http://schemas.microsoft.com/office/drawing/2014/main" id="{77F6850A-2859-4D95-BF0D-9BE7AC6D7F6A}"/>
+                <a16:creationId xmlns:a16="http://schemas.microsoft.com/office/drawing/2014/main" xmlns="" id="{77F6850A-2859-4D95-BF0D-9BE7AC6D7F6A}"/>
               </a:ext>
             </a:extLst>
           </p:cNvPr>
@@ -32613,7 +32617,7 @@
           <p:cNvPr id="8" name="TextBox 7">
             <a:extLst>
               <a:ext uri="{FF2B5EF4-FFF2-40B4-BE49-F238E27FC236}">
-                <a16:creationId xmlns:a16="http://schemas.microsoft.com/office/drawing/2014/main" id="{334E94C1-D3FF-4A6E-843C-31F225123316}"/>
+                <a16:creationId xmlns:a16="http://schemas.microsoft.com/office/drawing/2014/main" xmlns="" id="{334E94C1-D3FF-4A6E-843C-31F225123316}"/>
               </a:ext>
             </a:extLst>
           </p:cNvPr>
@@ -32653,7 +32657,7 @@
           <p:cNvPr id="12" name="TextBox 11">
             <a:extLst>
               <a:ext uri="{FF2B5EF4-FFF2-40B4-BE49-F238E27FC236}">
-                <a16:creationId xmlns:a16="http://schemas.microsoft.com/office/drawing/2014/main" id="{38E31156-DAB7-4023-B180-B9DFA86AB78F}"/>
+                <a16:creationId xmlns:a16="http://schemas.microsoft.com/office/drawing/2014/main" xmlns="" id="{38E31156-DAB7-4023-B180-B9DFA86AB78F}"/>
               </a:ext>
             </a:extLst>
           </p:cNvPr>
@@ -32689,7 +32693,7 @@
           <p:cNvPr id="9" name="TextBox 8">
             <a:extLst>
               <a:ext uri="{FF2B5EF4-FFF2-40B4-BE49-F238E27FC236}">
-                <a16:creationId xmlns:a16="http://schemas.microsoft.com/office/drawing/2014/main" id="{DBE02EE7-309B-4E27-8495-3974EF7EA23C}"/>
+                <a16:creationId xmlns:a16="http://schemas.microsoft.com/office/drawing/2014/main" xmlns="" id="{DBE02EE7-309B-4E27-8495-3974EF7EA23C}"/>
               </a:ext>
             </a:extLst>
           </p:cNvPr>
@@ -32733,7 +32737,7 @@
           <p:cNvPr id="3078" name="Picture 6" descr="https://mblogthumb-phinf.pstatic.net/MjAxODA3MDJfOTAg/MDAxNTMwNTM3NTM3MjYw.z1IMfUcFe13u56cAazgjYZ__xkxOHR_a_uhoq4h01D4g.__5lULHyFT2zXZVDr-MhntqjJq3XCjt3FGjqXycZcZwg.PNG.magnking/image.png?type=w800">
             <a:extLst>
               <a:ext uri="{FF2B5EF4-FFF2-40B4-BE49-F238E27FC236}">
-                <a16:creationId xmlns:a16="http://schemas.microsoft.com/office/drawing/2014/main" id="{97F5DDBB-B378-4BBB-8F14-73F2FD821969}"/>
+                <a16:creationId xmlns:a16="http://schemas.microsoft.com/office/drawing/2014/main" xmlns="" id="{97F5DDBB-B378-4BBB-8F14-73F2FD821969}"/>
               </a:ext>
             </a:extLst>
           </p:cNvPr>
@@ -32810,7 +32814,7 @@
           <p:cNvPr id="2" name="제목 1">
             <a:extLst>
               <a:ext uri="{FF2B5EF4-FFF2-40B4-BE49-F238E27FC236}">
-                <a16:creationId xmlns:a16="http://schemas.microsoft.com/office/drawing/2014/main" id="{B9EA8FDA-427B-4E4C-A761-14866B0722C1}"/>
+                <a16:creationId xmlns:a16="http://schemas.microsoft.com/office/drawing/2014/main" xmlns="" id="{B9EA8FDA-427B-4E4C-A761-14866B0722C1}"/>
               </a:ext>
             </a:extLst>
           </p:cNvPr>
@@ -32846,7 +32850,7 @@
           <p:cNvPr id="6" name="직선 연결선 5">
             <a:extLst>
               <a:ext uri="{FF2B5EF4-FFF2-40B4-BE49-F238E27FC236}">
-                <a16:creationId xmlns:a16="http://schemas.microsoft.com/office/drawing/2014/main" id="{C29DD9E8-09D5-4581-B2E2-DBF3DF507241}"/>
+                <a16:creationId xmlns:a16="http://schemas.microsoft.com/office/drawing/2014/main" xmlns="" id="{C29DD9E8-09D5-4581-B2E2-DBF3DF507241}"/>
               </a:ext>
             </a:extLst>
           </p:cNvPr>
@@ -32886,7 +32890,7 @@
           <p:cNvPr id="4098" name="Picture 2" descr="https://mblogthumb-phinf.pstatic.net/MjAxODA3MDJfNDIg/MDAxNTMwNTM3NjY2ODY1.wPgD2C5CFuiSBeQHGfW4r6vP3-8lcCwVlhva4Yv60-Ug.6W3-nvjwjOmxvpXDYNqETKS5NN1QejyVbbhfaDhcHRMg.PNG.magnking/image.png?type=w800">
             <a:extLst>
               <a:ext uri="{FF2B5EF4-FFF2-40B4-BE49-F238E27FC236}">
-                <a16:creationId xmlns:a16="http://schemas.microsoft.com/office/drawing/2014/main" id="{3BF22B55-D3EC-45F9-A5BD-D781C3724ECB}"/>
+                <a16:creationId xmlns:a16="http://schemas.microsoft.com/office/drawing/2014/main" xmlns="" id="{3BF22B55-D3EC-45F9-A5BD-D781C3724ECB}"/>
               </a:ext>
             </a:extLst>
           </p:cNvPr>
@@ -32933,7 +32937,7 @@
               <p:cNvPr id="10" name="내용 개체 틀 4">
                 <a:extLst>
                   <a:ext uri="{FF2B5EF4-FFF2-40B4-BE49-F238E27FC236}">
-                    <a16:creationId xmlns:a16="http://schemas.microsoft.com/office/drawing/2014/main" id="{825648FD-33B1-4BCD-AECE-D4BF55ABAF01}"/>
+                    <a16:creationId xmlns:a16="http://schemas.microsoft.com/office/drawing/2014/main" xmlns="" id="{825648FD-33B1-4BCD-AECE-D4BF55ABAF01}"/>
                   </a:ext>
                 </a:extLst>
               </p:cNvPr>
@@ -33224,7 +33228,7 @@
           <p:cNvPr id="2" name="제목 1">
             <a:extLst>
               <a:ext uri="{FF2B5EF4-FFF2-40B4-BE49-F238E27FC236}">
-                <a16:creationId xmlns:a16="http://schemas.microsoft.com/office/drawing/2014/main" id="{B9EA8FDA-427B-4E4C-A761-14866B0722C1}"/>
+                <a16:creationId xmlns:a16="http://schemas.microsoft.com/office/drawing/2014/main" xmlns="" id="{B9EA8FDA-427B-4E4C-A761-14866B0722C1}"/>
               </a:ext>
             </a:extLst>
           </p:cNvPr>
@@ -33260,7 +33264,7 @@
           <p:cNvPr id="6" name="직선 연결선 5">
             <a:extLst>
               <a:ext uri="{FF2B5EF4-FFF2-40B4-BE49-F238E27FC236}">
-                <a16:creationId xmlns:a16="http://schemas.microsoft.com/office/drawing/2014/main" id="{C29DD9E8-09D5-4581-B2E2-DBF3DF507241}"/>
+                <a16:creationId xmlns:a16="http://schemas.microsoft.com/office/drawing/2014/main" xmlns="" id="{C29DD9E8-09D5-4581-B2E2-DBF3DF507241}"/>
               </a:ext>
             </a:extLst>
           </p:cNvPr>
@@ -33300,7 +33304,7 @@
           <p:cNvPr id="5122" name="Picture 2" descr="https://mblogthumb-phinf.pstatic.net/MjAxODA3MDJfMTE5/MDAxNTMwNTM3Njk2NDQ0.IHpHZkmHLEPEy6BBSawkJHOyXc4tmOgW4dxaoUZQ9Igg.Uds1bGjZouk5wL2vcc58-1RVV59tPphsG5PfV8o09iog.PNG.magnking/image.png?type=w800">
             <a:extLst>
               <a:ext uri="{FF2B5EF4-FFF2-40B4-BE49-F238E27FC236}">
-                <a16:creationId xmlns:a16="http://schemas.microsoft.com/office/drawing/2014/main" id="{A28474B5-319D-4D55-8F93-3B21676D5D90}"/>
+                <a16:creationId xmlns:a16="http://schemas.microsoft.com/office/drawing/2014/main" xmlns="" id="{A28474B5-319D-4D55-8F93-3B21676D5D90}"/>
               </a:ext>
             </a:extLst>
           </p:cNvPr>
@@ -33349,7 +33353,7 @@
               <p:cNvPr id="7" name="내용 개체 틀 4">
                 <a:extLst>
                   <a:ext uri="{FF2B5EF4-FFF2-40B4-BE49-F238E27FC236}">
-                    <a16:creationId xmlns:a16="http://schemas.microsoft.com/office/drawing/2014/main" id="{1A6CD041-1177-4A88-B3D0-F2C3E4A6EC31}"/>
+                    <a16:creationId xmlns:a16="http://schemas.microsoft.com/office/drawing/2014/main" xmlns="" id="{1A6CD041-1177-4A88-B3D0-F2C3E4A6EC31}"/>
                   </a:ext>
                 </a:extLst>
               </p:cNvPr>
@@ -33560,7 +33564,7 @@
           <p:cNvPr id="2" name="제목 1">
             <a:extLst>
               <a:ext uri="{FF2B5EF4-FFF2-40B4-BE49-F238E27FC236}">
-                <a16:creationId xmlns:a16="http://schemas.microsoft.com/office/drawing/2014/main" id="{B9EA8FDA-427B-4E4C-A761-14866B0722C1}"/>
+                <a16:creationId xmlns:a16="http://schemas.microsoft.com/office/drawing/2014/main" xmlns="" id="{B9EA8FDA-427B-4E4C-A761-14866B0722C1}"/>
               </a:ext>
             </a:extLst>
           </p:cNvPr>
@@ -33596,7 +33600,7 @@
           <p:cNvPr id="6" name="직선 연결선 5">
             <a:extLst>
               <a:ext uri="{FF2B5EF4-FFF2-40B4-BE49-F238E27FC236}">
-                <a16:creationId xmlns:a16="http://schemas.microsoft.com/office/drawing/2014/main" id="{C29DD9E8-09D5-4581-B2E2-DBF3DF507241}"/>
+                <a16:creationId xmlns:a16="http://schemas.microsoft.com/office/drawing/2014/main" xmlns="" id="{C29DD9E8-09D5-4581-B2E2-DBF3DF507241}"/>
               </a:ext>
             </a:extLst>
           </p:cNvPr>
@@ -33636,7 +33640,7 @@
           <p:cNvPr id="5124" name="Picture 4" descr="https://mblogthumb-phinf.pstatic.net/MjAxODA3MDJfMTMy/MDAxNTMwNTM3Nzk5NjQ5.b0EPsrS-BDtBdcNQd5UngYjammIXm-y1QepzytUKL7Ag.rq-F9OcjhfJC2n0x77Nx4EmlXQgae9N9I3ZSK7VsjmAg.PNG.magnking/image.png?type=w800">
             <a:extLst>
               <a:ext uri="{FF2B5EF4-FFF2-40B4-BE49-F238E27FC236}">
-                <a16:creationId xmlns:a16="http://schemas.microsoft.com/office/drawing/2014/main" id="{623C6813-FB14-4A8F-8D12-E5411B5939C3}"/>
+                <a16:creationId xmlns:a16="http://schemas.microsoft.com/office/drawing/2014/main" xmlns="" id="{623C6813-FB14-4A8F-8D12-E5411B5939C3}"/>
               </a:ext>
             </a:extLst>
           </p:cNvPr>
@@ -33683,7 +33687,7 @@
               <p:cNvPr id="7" name="내용 개체 틀 4">
                 <a:extLst>
                   <a:ext uri="{FF2B5EF4-FFF2-40B4-BE49-F238E27FC236}">
-                    <a16:creationId xmlns:a16="http://schemas.microsoft.com/office/drawing/2014/main" id="{26DBD533-1AA2-4AC4-A284-CF4FAA521E78}"/>
+                    <a16:creationId xmlns:a16="http://schemas.microsoft.com/office/drawing/2014/main" xmlns="" id="{26DBD533-1AA2-4AC4-A284-CF4FAA521E78}"/>
                   </a:ext>
                 </a:extLst>
               </p:cNvPr>
@@ -34000,7 +34004,7 @@
           <p:cNvPr id="2" name="제목 1">
             <a:extLst>
               <a:ext uri="{FF2B5EF4-FFF2-40B4-BE49-F238E27FC236}">
-                <a16:creationId xmlns:a16="http://schemas.microsoft.com/office/drawing/2014/main" id="{B9EA8FDA-427B-4E4C-A761-14866B0722C1}"/>
+                <a16:creationId xmlns:a16="http://schemas.microsoft.com/office/drawing/2014/main" xmlns="" id="{B9EA8FDA-427B-4E4C-A761-14866B0722C1}"/>
               </a:ext>
             </a:extLst>
           </p:cNvPr>
@@ -34036,7 +34040,7 @@
           <p:cNvPr id="6" name="직선 연결선 5">
             <a:extLst>
               <a:ext uri="{FF2B5EF4-FFF2-40B4-BE49-F238E27FC236}">
-                <a16:creationId xmlns:a16="http://schemas.microsoft.com/office/drawing/2014/main" id="{C29DD9E8-09D5-4581-B2E2-DBF3DF507241}"/>
+                <a16:creationId xmlns:a16="http://schemas.microsoft.com/office/drawing/2014/main" xmlns="" id="{C29DD9E8-09D5-4581-B2E2-DBF3DF507241}"/>
               </a:ext>
             </a:extLst>
           </p:cNvPr>
@@ -34076,7 +34080,7 @@
           <p:cNvPr id="6146" name="Picture 2" descr="https://mblogthumb-phinf.pstatic.net/MjAxODA3MDJfMjMw/MDAxNTMwNTM3ODQyMjYz.pw8dd1VqfN7ng48ofMHdxRJDl_QDF3A60GPlWzUnYcwg.tP5pjecFbfJGhxknEIUNfO-0L_HK5M7_aeYYYRd04jIg.PNG.magnking/image.png?type=w800">
             <a:extLst>
               <a:ext uri="{FF2B5EF4-FFF2-40B4-BE49-F238E27FC236}">
-                <a16:creationId xmlns:a16="http://schemas.microsoft.com/office/drawing/2014/main" id="{0A716706-B59B-43E0-BA27-1FF59F648CB7}"/>
+                <a16:creationId xmlns:a16="http://schemas.microsoft.com/office/drawing/2014/main" xmlns="" id="{0A716706-B59B-43E0-BA27-1FF59F648CB7}"/>
               </a:ext>
             </a:extLst>
           </p:cNvPr>
@@ -34123,7 +34127,7 @@
           <p:cNvPr id="7" name="내용 개체 틀 4">
             <a:extLst>
               <a:ext uri="{FF2B5EF4-FFF2-40B4-BE49-F238E27FC236}">
-                <a16:creationId xmlns:a16="http://schemas.microsoft.com/office/drawing/2014/main" id="{802B5DAC-35FB-4834-9487-C3A3246EE317}"/>
+                <a16:creationId xmlns:a16="http://schemas.microsoft.com/office/drawing/2014/main" xmlns="" id="{802B5DAC-35FB-4834-9487-C3A3246EE317}"/>
               </a:ext>
             </a:extLst>
           </p:cNvPr>
@@ -34142,7 +34146,7 @@
         </p:spPr>
         <p:txBody>
           <a:bodyPr>
-            <a:normAutofit fontScale="85000" lnSpcReduction="10000"/>
+            <a:normAutofit fontScale="85000" lnSpcReduction="20000"/>
           </a:bodyPr>
           <a:lstStyle/>
           <a:p>
@@ -34266,7 +34270,7 @@
           <p:cNvPr id="2" name="제목 1">
             <a:extLst>
               <a:ext uri="{FF2B5EF4-FFF2-40B4-BE49-F238E27FC236}">
-                <a16:creationId xmlns:a16="http://schemas.microsoft.com/office/drawing/2014/main" id="{B9EA8FDA-427B-4E4C-A761-14866B0722C1}"/>
+                <a16:creationId xmlns:a16="http://schemas.microsoft.com/office/drawing/2014/main" xmlns="" id="{B9EA8FDA-427B-4E4C-A761-14866B0722C1}"/>
               </a:ext>
             </a:extLst>
           </p:cNvPr>
@@ -34302,7 +34306,7 @@
           <p:cNvPr id="6" name="직선 연결선 5">
             <a:extLst>
               <a:ext uri="{FF2B5EF4-FFF2-40B4-BE49-F238E27FC236}">
-                <a16:creationId xmlns:a16="http://schemas.microsoft.com/office/drawing/2014/main" id="{C29DD9E8-09D5-4581-B2E2-DBF3DF507241}"/>
+                <a16:creationId xmlns:a16="http://schemas.microsoft.com/office/drawing/2014/main" xmlns="" id="{C29DD9E8-09D5-4581-B2E2-DBF3DF507241}"/>
               </a:ext>
             </a:extLst>
           </p:cNvPr>
@@ -34342,7 +34346,7 @@
           <p:cNvPr id="5" name="내용 개체 틀 4">
             <a:extLst>
               <a:ext uri="{FF2B5EF4-FFF2-40B4-BE49-F238E27FC236}">
-                <a16:creationId xmlns:a16="http://schemas.microsoft.com/office/drawing/2014/main" id="{7D99043B-E5B2-49DC-9DF9-DBE2E2B2EE2A}"/>
+                <a16:creationId xmlns:a16="http://schemas.microsoft.com/office/drawing/2014/main" xmlns="" id="{7D99043B-E5B2-49DC-9DF9-DBE2E2B2EE2A}"/>
               </a:ext>
             </a:extLst>
           </p:cNvPr>
@@ -34499,7 +34503,7 @@
           <p:cNvPr id="10" name="TextBox 9">
             <a:extLst>
               <a:ext uri="{FF2B5EF4-FFF2-40B4-BE49-F238E27FC236}">
-                <a16:creationId xmlns:a16="http://schemas.microsoft.com/office/drawing/2014/main" id="{05B6E184-E171-4109-8BF0-6D143ACF3953}"/>
+                <a16:creationId xmlns:a16="http://schemas.microsoft.com/office/drawing/2014/main" xmlns="" id="{05B6E184-E171-4109-8BF0-6D143ACF3953}"/>
               </a:ext>
             </a:extLst>
           </p:cNvPr>
@@ -34535,7 +34539,7 @@
           <p:cNvPr id="11" name="직사각형 10">
             <a:extLst>
               <a:ext uri="{FF2B5EF4-FFF2-40B4-BE49-F238E27FC236}">
-                <a16:creationId xmlns:a16="http://schemas.microsoft.com/office/drawing/2014/main" id="{36E09162-46E3-4F11-A301-91501E553534}"/>
+                <a16:creationId xmlns:a16="http://schemas.microsoft.com/office/drawing/2014/main" xmlns="" id="{36E09162-46E3-4F11-A301-91501E553534}"/>
               </a:ext>
             </a:extLst>
           </p:cNvPr>
@@ -34581,7 +34585,7 @@
           <p:cNvPr id="5" name="직사각형 4">
             <a:extLst>
               <a:ext uri="{FF2B5EF4-FFF2-40B4-BE49-F238E27FC236}">
-                <a16:creationId xmlns:a16="http://schemas.microsoft.com/office/drawing/2014/main" id="{3A5F814C-9EA5-4A23-AC1A-AE706725BECE}"/>
+                <a16:creationId xmlns:a16="http://schemas.microsoft.com/office/drawing/2014/main" xmlns="" id="{3A5F814C-9EA5-4A23-AC1A-AE706725BECE}"/>
               </a:ext>
             </a:extLst>
           </p:cNvPr>
@@ -34657,7 +34661,7 @@
           <p:cNvPr id="2" name="제목 1">
             <a:extLst>
               <a:ext uri="{FF2B5EF4-FFF2-40B4-BE49-F238E27FC236}">
-                <a16:creationId xmlns:a16="http://schemas.microsoft.com/office/drawing/2014/main" id="{B9EA8FDA-427B-4E4C-A761-14866B0722C1}"/>
+                <a16:creationId xmlns:a16="http://schemas.microsoft.com/office/drawing/2014/main" xmlns="" id="{B9EA8FDA-427B-4E4C-A761-14866B0722C1}"/>
               </a:ext>
             </a:extLst>
           </p:cNvPr>
@@ -34693,7 +34697,7 @@
           <p:cNvPr id="6" name="직선 연결선 5">
             <a:extLst>
               <a:ext uri="{FF2B5EF4-FFF2-40B4-BE49-F238E27FC236}">
-                <a16:creationId xmlns:a16="http://schemas.microsoft.com/office/drawing/2014/main" id="{C29DD9E8-09D5-4581-B2E2-DBF3DF507241}"/>
+                <a16:creationId xmlns:a16="http://schemas.microsoft.com/office/drawing/2014/main" xmlns="" id="{C29DD9E8-09D5-4581-B2E2-DBF3DF507241}"/>
               </a:ext>
             </a:extLst>
           </p:cNvPr>
@@ -34733,7 +34737,7 @@
           <p:cNvPr id="5" name="내용 개체 틀 4">
             <a:extLst>
               <a:ext uri="{FF2B5EF4-FFF2-40B4-BE49-F238E27FC236}">
-                <a16:creationId xmlns:a16="http://schemas.microsoft.com/office/drawing/2014/main" id="{0AA553D4-EB21-45C2-BA50-3C15845041CB}"/>
+                <a16:creationId xmlns:a16="http://schemas.microsoft.com/office/drawing/2014/main" xmlns="" id="{0AA553D4-EB21-45C2-BA50-3C15845041CB}"/>
               </a:ext>
             </a:extLst>
           </p:cNvPr>
@@ -34817,7 +34821,7 @@
           <p:cNvPr id="2" name="제목 1">
             <a:extLst>
               <a:ext uri="{FF2B5EF4-FFF2-40B4-BE49-F238E27FC236}">
-                <a16:creationId xmlns:a16="http://schemas.microsoft.com/office/drawing/2014/main" id="{B9EA8FDA-427B-4E4C-A761-14866B0722C1}"/>
+                <a16:creationId xmlns:a16="http://schemas.microsoft.com/office/drawing/2014/main" xmlns="" id="{B9EA8FDA-427B-4E4C-A761-14866B0722C1}"/>
               </a:ext>
             </a:extLst>
           </p:cNvPr>
@@ -34857,7 +34861,7 @@
           <p:cNvPr id="6" name="직선 연결선 5">
             <a:extLst>
               <a:ext uri="{FF2B5EF4-FFF2-40B4-BE49-F238E27FC236}">
-                <a16:creationId xmlns:a16="http://schemas.microsoft.com/office/drawing/2014/main" id="{C29DD9E8-09D5-4581-B2E2-DBF3DF507241}"/>
+                <a16:creationId xmlns:a16="http://schemas.microsoft.com/office/drawing/2014/main" xmlns="" id="{C29DD9E8-09D5-4581-B2E2-DBF3DF507241}"/>
               </a:ext>
             </a:extLst>
           </p:cNvPr>
@@ -34897,7 +34901,7 @@
           <p:cNvPr id="5" name="내용 개체 틀 4">
             <a:extLst>
               <a:ext uri="{FF2B5EF4-FFF2-40B4-BE49-F238E27FC236}">
-                <a16:creationId xmlns:a16="http://schemas.microsoft.com/office/drawing/2014/main" id="{0AA553D4-EB21-45C2-BA50-3C15845041CB}"/>
+                <a16:creationId xmlns:a16="http://schemas.microsoft.com/office/drawing/2014/main" xmlns="" id="{0AA553D4-EB21-45C2-BA50-3C15845041CB}"/>
               </a:ext>
             </a:extLst>
           </p:cNvPr>
@@ -34945,6 +34949,10 @@
             <a:r>
               <a:rPr lang="ko-KR" altLang="en-US" dirty="0"/>
               <a:t>텍스트에 대해서 제대로 전처리를 하지 않으면 자연어 처리 </a:t>
+            </a:r>
+            <a:r>
+              <a:rPr lang="en-US" altLang="ko-KR" dirty="0"/>
+              <a:t/>
             </a:r>
             <a:br>
               <a:rPr lang="en-US" altLang="ko-KR" dirty="0"/>
@@ -35036,7 +35044,7 @@
           <p:cNvPr id="2" name="제목 1">
             <a:extLst>
               <a:ext uri="{FF2B5EF4-FFF2-40B4-BE49-F238E27FC236}">
-                <a16:creationId xmlns:a16="http://schemas.microsoft.com/office/drawing/2014/main" id="{B9EA8FDA-427B-4E4C-A761-14866B0722C1}"/>
+                <a16:creationId xmlns:a16="http://schemas.microsoft.com/office/drawing/2014/main" xmlns="" id="{B9EA8FDA-427B-4E4C-A761-14866B0722C1}"/>
               </a:ext>
             </a:extLst>
           </p:cNvPr>
@@ -35076,7 +35084,7 @@
           <p:cNvPr id="6" name="직선 연결선 5">
             <a:extLst>
               <a:ext uri="{FF2B5EF4-FFF2-40B4-BE49-F238E27FC236}">
-                <a16:creationId xmlns:a16="http://schemas.microsoft.com/office/drawing/2014/main" id="{C29DD9E8-09D5-4581-B2E2-DBF3DF507241}"/>
+                <a16:creationId xmlns:a16="http://schemas.microsoft.com/office/drawing/2014/main" xmlns="" id="{C29DD9E8-09D5-4581-B2E2-DBF3DF507241}"/>
               </a:ext>
             </a:extLst>
           </p:cNvPr>
@@ -35116,7 +35124,7 @@
           <p:cNvPr id="5" name="내용 개체 틀 4">
             <a:extLst>
               <a:ext uri="{FF2B5EF4-FFF2-40B4-BE49-F238E27FC236}">
-                <a16:creationId xmlns:a16="http://schemas.microsoft.com/office/drawing/2014/main" id="{0AA553D4-EB21-45C2-BA50-3C15845041CB}"/>
+                <a16:creationId xmlns:a16="http://schemas.microsoft.com/office/drawing/2014/main" xmlns="" id="{0AA553D4-EB21-45C2-BA50-3C15845041CB}"/>
               </a:ext>
             </a:extLst>
           </p:cNvPr>
@@ -35168,6 +35176,10 @@
             <a:r>
               <a:rPr lang="ko-KR" altLang="en-US" dirty="0"/>
               <a:t> 단위로 </a:t>
+            </a:r>
+            <a:r>
+              <a:rPr lang="en-US" altLang="ko-KR" dirty="0"/>
+              <a:t/>
             </a:r>
             <a:br>
               <a:rPr lang="en-US" altLang="ko-KR" dirty="0"/>
@@ -35247,8 +35259,8 @@
               <a:t>: "Time", "is", "an", "</a:t>
             </a:r>
             <a:r>
-              <a:rPr lang="en-US" altLang="ko-KR" dirty="0" err="1"/>
-              <a:t>illustion</a:t>
+              <a:rPr lang="en-US" altLang="ko-KR" dirty="0" smtClean="0"/>
+              <a:t>illusion</a:t>
             </a:r>
             <a:r>
               <a:rPr lang="en-US" altLang="ko-KR" dirty="0"/>
@@ -35292,7 +35304,7 @@
           <p:cNvPr id="2" name="제목 1">
             <a:extLst>
               <a:ext uri="{FF2B5EF4-FFF2-40B4-BE49-F238E27FC236}">
-                <a16:creationId xmlns:a16="http://schemas.microsoft.com/office/drawing/2014/main" id="{B9EA8FDA-427B-4E4C-A761-14866B0722C1}"/>
+                <a16:creationId xmlns:a16="http://schemas.microsoft.com/office/drawing/2014/main" xmlns="" id="{B9EA8FDA-427B-4E4C-A761-14866B0722C1}"/>
               </a:ext>
             </a:extLst>
           </p:cNvPr>
@@ -35327,7 +35339,7 @@
           <p:cNvPr id="6" name="직선 연결선 5">
             <a:extLst>
               <a:ext uri="{FF2B5EF4-FFF2-40B4-BE49-F238E27FC236}">
-                <a16:creationId xmlns:a16="http://schemas.microsoft.com/office/drawing/2014/main" id="{C29DD9E8-09D5-4581-B2E2-DBF3DF507241}"/>
+                <a16:creationId xmlns:a16="http://schemas.microsoft.com/office/drawing/2014/main" xmlns="" id="{C29DD9E8-09D5-4581-B2E2-DBF3DF507241}"/>
               </a:ext>
             </a:extLst>
           </p:cNvPr>
@@ -35367,7 +35379,7 @@
           <p:cNvPr id="5" name="내용 개체 틀 4">
             <a:extLst>
               <a:ext uri="{FF2B5EF4-FFF2-40B4-BE49-F238E27FC236}">
-                <a16:creationId xmlns:a16="http://schemas.microsoft.com/office/drawing/2014/main" id="{0AA553D4-EB21-45C2-BA50-3C15845041CB}"/>
+                <a16:creationId xmlns:a16="http://schemas.microsoft.com/office/drawing/2014/main" xmlns="" id="{0AA553D4-EB21-45C2-BA50-3C15845041CB}"/>
               </a:ext>
             </a:extLst>
           </p:cNvPr>
@@ -35460,12 +35472,20 @@
               <a:t>토큰화 작업중 압축된 단어를 다시 펼치는 </a:t>
             </a:r>
             <a:r>
-              <a:rPr lang="ko-KR" altLang="en-US" dirty="0" err="1"/>
-              <a:t>역을을</a:t>
+              <a:rPr lang="ko-KR" altLang="en-US" dirty="0" smtClean="0"/>
+              <a:t>역</a:t>
             </a:r>
             <a:r>
               <a:rPr lang="ko-KR" altLang="en-US" dirty="0"/>
-              <a:t> 하기도 함</a:t>
+              <a:t>할</a:t>
+            </a:r>
+            <a:r>
+              <a:rPr lang="ko-KR" altLang="en-US" dirty="0" smtClean="0"/>
+              <a:t>을 </a:t>
+            </a:r>
+            <a:r>
+              <a:rPr lang="ko-KR" altLang="en-US" dirty="0"/>
+              <a:t>하기도 함</a:t>
             </a:r>
             <a:endParaRPr lang="en-US" altLang="ko-KR" dirty="0"/>
           </a:p>
@@ -35564,7 +35584,7 @@
           <p:cNvPr id="2" name="제목 1">
             <a:extLst>
               <a:ext uri="{FF2B5EF4-FFF2-40B4-BE49-F238E27FC236}">
-                <a16:creationId xmlns:a16="http://schemas.microsoft.com/office/drawing/2014/main" id="{B9EA8FDA-427B-4E4C-A761-14866B0722C1}"/>
+                <a16:creationId xmlns:a16="http://schemas.microsoft.com/office/drawing/2014/main" xmlns="" id="{B9EA8FDA-427B-4E4C-A761-14866B0722C1}"/>
               </a:ext>
             </a:extLst>
           </p:cNvPr>
@@ -35604,7 +35624,7 @@
           <p:cNvPr id="6" name="직선 연결선 5">
             <a:extLst>
               <a:ext uri="{FF2B5EF4-FFF2-40B4-BE49-F238E27FC236}">
-                <a16:creationId xmlns:a16="http://schemas.microsoft.com/office/drawing/2014/main" id="{C29DD9E8-09D5-4581-B2E2-DBF3DF507241}"/>
+                <a16:creationId xmlns:a16="http://schemas.microsoft.com/office/drawing/2014/main" xmlns="" id="{C29DD9E8-09D5-4581-B2E2-DBF3DF507241}"/>
               </a:ext>
             </a:extLst>
           </p:cNvPr>
@@ -35644,7 +35664,7 @@
           <p:cNvPr id="5" name="내용 개체 틀 4">
             <a:extLst>
               <a:ext uri="{FF2B5EF4-FFF2-40B4-BE49-F238E27FC236}">
-                <a16:creationId xmlns:a16="http://schemas.microsoft.com/office/drawing/2014/main" id="{0AA553D4-EB21-45C2-BA50-3C15845041CB}"/>
+                <a16:creationId xmlns:a16="http://schemas.microsoft.com/office/drawing/2014/main" xmlns="" id="{0AA553D4-EB21-45C2-BA50-3C15845041CB}"/>
               </a:ext>
             </a:extLst>
           </p:cNvPr>
@@ -35755,7 +35775,7 @@
           <p:cNvPr id="2" name="제목 1">
             <a:extLst>
               <a:ext uri="{FF2B5EF4-FFF2-40B4-BE49-F238E27FC236}">
-                <a16:creationId xmlns:a16="http://schemas.microsoft.com/office/drawing/2014/main" id="{B9EA8FDA-427B-4E4C-A761-14866B0722C1}"/>
+                <a16:creationId xmlns:a16="http://schemas.microsoft.com/office/drawing/2014/main" xmlns="" id="{B9EA8FDA-427B-4E4C-A761-14866B0722C1}"/>
               </a:ext>
             </a:extLst>
           </p:cNvPr>
@@ -35795,7 +35815,7 @@
           <p:cNvPr id="6" name="직선 연결선 5">
             <a:extLst>
               <a:ext uri="{FF2B5EF4-FFF2-40B4-BE49-F238E27FC236}">
-                <a16:creationId xmlns:a16="http://schemas.microsoft.com/office/drawing/2014/main" id="{C29DD9E8-09D5-4581-B2E2-DBF3DF507241}"/>
+                <a16:creationId xmlns:a16="http://schemas.microsoft.com/office/drawing/2014/main" xmlns="" id="{C29DD9E8-09D5-4581-B2E2-DBF3DF507241}"/>
               </a:ext>
             </a:extLst>
           </p:cNvPr>
@@ -35835,7 +35855,7 @@
           <p:cNvPr id="5" name="내용 개체 틀 4">
             <a:extLst>
               <a:ext uri="{FF2B5EF4-FFF2-40B4-BE49-F238E27FC236}">
-                <a16:creationId xmlns:a16="http://schemas.microsoft.com/office/drawing/2014/main" id="{0AA553D4-EB21-45C2-BA50-3C15845041CB}"/>
+                <a16:creationId xmlns:a16="http://schemas.microsoft.com/office/drawing/2014/main" xmlns="" id="{0AA553D4-EB21-45C2-BA50-3C15845041CB}"/>
               </a:ext>
             </a:extLst>
           </p:cNvPr>
